--- a/Courses/Computer-Modeling-and-IT/Computer-Modeling-and-IT-6-Class/17-Using-Sound-Files-and-Design-Editing/17-Using-Sound-Files-and-Design-Editing.pptx
+++ b/Courses/Computer-Modeling-and-IT/Computer-Modeling-and-IT-6-Class/17-Using-Sound-Files-and-Design-Editing/17-Using-Sound-Files-and-Design-Editing.pptx
@@ -6948,15 +6948,7 @@
           <a:p>
             <a:r>
               <a:rPr lang="ru-RU" dirty="0"/>
-              <a:t>Използване на звукови файлове и </a:t>
-            </a:r>
-            <a:r>
-              <a:rPr lang="ru-RU" dirty="0" smtClean="0"/>
-              <a:t>редактиране </a:t>
-            </a:r>
-            <a:r>
-              <a:rPr lang="ru-RU" dirty="0"/>
-              <a:t>на дизайна</a:t>
+              <a:t>Използване на звукови файлове. Редактиране на дизайна</a:t>
             </a:r>
             <a:endParaRPr lang="en-US" dirty="0"/>
           </a:p>
@@ -12051,7 +12043,7 @@
                 <a:hlinkClick r:id="rId3">
                   <a:extLst>
                     <a:ext uri="{A12FA001-AC4F-418D-AE19-62706E023703}">
-                      <ahyp:hlinkClr xmlns:ahyp="http://schemas.microsoft.com/office/drawing/2018/hyperlinkcolor" xmlns="" val="tx"/>
+                      <ahyp:hlinkClr xmlns="" xmlns:ahyp="http://schemas.microsoft.com/office/drawing/2018/hyperlinkcolor" val="tx"/>
                     </a:ext>
                   </a:extLst>
                 </a:hlinkClick>
@@ -12712,11 +12704,7 @@
             </a:r>
             <a:r>
               <a:rPr lang="bg-BG" dirty="0" smtClean="0"/>
-              <a:t> </a:t>
-            </a:r>
-            <a:r>
-              <a:rPr lang="bg-BG" dirty="0" smtClean="0"/>
-              <a:t>на </a:t>
+              <a:t> на </a:t>
             </a:r>
             <a:r>
               <a:rPr lang="bg-BG" b="1" dirty="0" smtClean="0"/>
@@ -12939,11 +12927,7 @@
           <a:p>
             <a:r>
               <a:rPr lang="bg-BG" dirty="0" smtClean="0"/>
-              <a:t>Използване на звукови </a:t>
-            </a:r>
-            <a:r>
-              <a:rPr lang="bg-BG" dirty="0" smtClean="0"/>
-              <a:t>файлове</a:t>
+              <a:t>Използване на звукови файлове</a:t>
             </a:r>
             <a:endParaRPr lang="en-US" dirty="0"/>
           </a:p>
@@ -15345,11 +15329,7 @@
             </a:r>
             <a:r>
               <a:rPr lang="bg-BG" dirty="0" smtClean="0"/>
-              <a:t> </a:t>
-            </a:r>
-            <a:r>
-              <a:rPr lang="bg-BG" dirty="0" smtClean="0"/>
-              <a:t>(</a:t>
+              <a:t> (</a:t>
             </a:r>
             <a:r>
               <a:rPr lang="bg-BG" b="1" dirty="0" smtClean="0"/>

--- a/Courses/Computer-Modeling-and-IT/Computer-Modeling-and-IT-6-Class/17-Using-Sound-Files-and-Design-Editing/17-Using-Sound-Files-and-Design-Editing.pptx
+++ b/Courses/Computer-Modeling-and-IT/Computer-Modeling-and-IT-6-Class/17-Using-Sound-Files-and-Design-Editing/17-Using-Sound-Files-and-Design-Editing.pptx
@@ -6947,8 +6947,8 @@
           <a:lstStyle/>
           <a:p>
             <a:r>
-              <a:rPr lang="ru-RU" dirty="0"/>
-              <a:t>Използване на звукови файлове. Редактиране на дизайна</a:t>
+              <a:rPr lang="ru-RU" dirty="0" smtClean="0"/>
+              <a:t>Използване на звукови файлове и ефекти. Редактиране на дизайна</a:t>
             </a:r>
             <a:endParaRPr lang="en-US" dirty="0"/>
           </a:p>
@@ -12043,7 +12043,7 @@
                 <a:hlinkClick r:id="rId3">
                   <a:extLst>
                     <a:ext uri="{A12FA001-AC4F-418D-AE19-62706E023703}">
-                      <ahyp:hlinkClr xmlns="" xmlns:ahyp="http://schemas.microsoft.com/office/drawing/2018/hyperlinkcolor" val="tx"/>
+                      <ahyp:hlinkClr xmlns:ahyp="http://schemas.microsoft.com/office/drawing/2018/hyperlinkcolor" xmlns="" val="tx"/>
                     </a:ext>
                   </a:extLst>
                 </a:hlinkClick>
@@ -12927,7 +12927,15 @@
           <a:p>
             <a:r>
               <a:rPr lang="bg-BG" dirty="0" smtClean="0"/>
-              <a:t>Използване на звукови файлове</a:t>
+              <a:t>Използване на </a:t>
+            </a:r>
+            <a:r>
+              <a:rPr lang="bg-BG" smtClean="0"/>
+              <a:t>звукови </a:t>
+            </a:r>
+            <a:r>
+              <a:rPr lang="bg-BG" smtClean="0"/>
+              <a:t>файлове и ефекти</a:t>
             </a:r>
             <a:endParaRPr lang="en-US" dirty="0"/>
           </a:p>

--- a/Courses/Computer-Modeling-and-IT/Computer-Modeling-and-IT-6-Class/17-Using-Sound-Files-and-Design-Editing/17-Using-Sound-Files-and-Design-Editing.pptx
+++ b/Courses/Computer-Modeling-and-IT/Computer-Modeling-and-IT-6-Class/17-Using-Sound-Files-and-Design-Editing/17-Using-Sound-Files-and-Design-Editing.pptx
@@ -281,7 +281,7 @@
           <a:p>
             <a:fld id="{4E087215-0C8F-4762-A664-737A353EC9A4}" type="datetimeFigureOut">
               <a:rPr lang="bg-BG" smtClean="0"/>
-              <a:t>10.7.2024 г.</a:t>
+              <a:t>24.7.2025 г.</a:t>
             </a:fld>
             <a:endParaRPr lang="bg-BG"/>
           </a:p>
@@ -477,7 +477,7 @@
           <a:p>
             <a:fld id="{72D84649-876A-46C9-8472-14CB09C070D8}" type="datetimeFigureOut">
               <a:rPr lang="en-US" smtClean="0"/>
-              <a:t>7/10/2024</a:t>
+              <a:t>7/24/2025</a:t>
             </a:fld>
             <a:endParaRPr lang="en-US"/>
           </a:p>
@@ -6947,7 +6947,7 @@
           <a:lstStyle/>
           <a:p>
             <a:r>
-              <a:rPr lang="ru-RU" dirty="0" smtClean="0"/>
+              <a:rPr lang="ru-RU" dirty="0"/>
               <a:t>Използване на звукови файлове и ефекти. Редактиране на дизайна</a:t>
             </a:r>
             <a:endParaRPr lang="en-US" dirty="0"/>
@@ -7041,13 +7041,6 @@
       <p:transition spd="slow" advClick="0" advTm="5000"/>
     </mc:Fallback>
   </mc:AlternateContent>
-  <p:timing>
-    <p:tnLst>
-      <p:par>
-        <p:cTn id="1" dur="indefinite" restart="never" nodeType="tmRoot"/>
-      </p:par>
-    </p:tnLst>
-  </p:timing>
 </p:sld>
 </file>
 
@@ -7070,30 +7063,6 @@
       </p:grpSpPr>
       <p:sp>
         <p:nvSpPr>
-          <p:cNvPr id="2" name="Slide Number Placeholder 1"/>
-          <p:cNvSpPr>
-            <a:spLocks noGrp="1"/>
-          </p:cNvSpPr>
-          <p:nvPr>
-            <p:ph type="sldNum" sz="quarter" idx="5"/>
-          </p:nvPr>
-        </p:nvSpPr>
-        <p:spPr/>
-        <p:txBody>
-          <a:bodyPr/>
-          <a:lstStyle/>
-          <a:p>
-            <a:fld id="{2BF067CD-8E6B-4360-9AA8-C5DF2A48A6D1}" type="slidenum">
-              <a:rPr lang="en-US" noProof="0" smtClean="0"/>
-              <a:pPr/>
-              <a:t>10</a:t>
-            </a:fld>
-            <a:endParaRPr lang="en-US" noProof="0" dirty="0"/>
-          </a:p>
-        </p:txBody>
-      </p:sp>
-      <p:sp>
-        <p:nvSpPr>
           <p:cNvPr id="3" name="Text Placeholder 2"/>
           <p:cNvSpPr>
             <a:spLocks noGrp="1"/>
@@ -7113,15 +7082,15 @@
           <a:lstStyle/>
           <a:p>
             <a:r>
-              <a:rPr lang="bg-BG" dirty="0" smtClean="0"/>
+              <a:rPr lang="bg-BG" dirty="0"/>
               <a:t>От </a:t>
             </a:r>
             <a:r>
-              <a:rPr lang="bg-BG" b="1" dirty="0" smtClean="0"/>
+              <a:rPr lang="bg-BG" b="1" dirty="0"/>
               <a:t>падащото меню </a:t>
             </a:r>
             <a:r>
-              <a:rPr lang="en-US" b="1" dirty="0" smtClean="0">
+              <a:rPr lang="en-US" b="1" dirty="0">
                 <a:solidFill>
                   <a:schemeClr val="bg1"/>
                 </a:solidFill>
@@ -7129,105 +7098,105 @@
               <a:t>Volume</a:t>
             </a:r>
             <a:r>
-              <a:rPr lang="bg-BG" b="1" dirty="0" smtClean="0"/>
+              <a:rPr lang="bg-BG" b="1" dirty="0"/>
               <a:t> </a:t>
             </a:r>
             <a:r>
-              <a:rPr lang="bg-BG" dirty="0" smtClean="0"/>
+              <a:rPr lang="bg-BG" dirty="0"/>
               <a:t>настройвате </a:t>
             </a:r>
             <a:r>
-              <a:rPr lang="bg-BG" b="1" dirty="0" smtClean="0"/>
+              <a:rPr lang="bg-BG" b="1" dirty="0"/>
               <a:t>силата на звука</a:t>
             </a:r>
           </a:p>
           <a:p>
             <a:pPr lvl="1"/>
             <a:r>
-              <a:rPr lang="en-US" b="1" dirty="0" smtClean="0"/>
+              <a:rPr lang="en-US" b="1" dirty="0"/>
               <a:t>Low</a:t>
             </a:r>
             <a:r>
-              <a:rPr lang="en-US" dirty="0" smtClean="0"/>
+              <a:rPr lang="en-US" dirty="0"/>
               <a:t> (</a:t>
             </a:r>
             <a:r>
-              <a:rPr lang="bg-BG" dirty="0" smtClean="0"/>
+              <a:rPr lang="bg-BG" dirty="0"/>
               <a:t>Слаб</a:t>
             </a:r>
             <a:r>
-              <a:rPr lang="en-US" dirty="0" smtClean="0"/>
+              <a:rPr lang="en-US" dirty="0"/>
               <a:t>)</a:t>
             </a:r>
             <a:r>
-              <a:rPr lang="bg-BG" dirty="0" smtClean="0"/>
+              <a:rPr lang="bg-BG" dirty="0"/>
               <a:t>,</a:t>
             </a:r>
             <a:r>
-              <a:rPr lang="en-US" dirty="0" smtClean="0"/>
+              <a:rPr lang="en-US" dirty="0"/>
               <a:t> </a:t>
             </a:r>
             <a:r>
-              <a:rPr lang="en-US" b="1" dirty="0" smtClean="0"/>
+              <a:rPr lang="en-US" b="1" dirty="0"/>
               <a:t>Middle</a:t>
             </a:r>
             <a:r>
-              <a:rPr lang="en-US" dirty="0" smtClean="0"/>
+              <a:rPr lang="en-US" dirty="0"/>
               <a:t> (</a:t>
             </a:r>
             <a:r>
-              <a:rPr lang="bg-BG" dirty="0" smtClean="0"/>
+              <a:rPr lang="bg-BG" dirty="0"/>
               <a:t>Среден</a:t>
             </a:r>
             <a:r>
-              <a:rPr lang="en-US" dirty="0" smtClean="0"/>
+              <a:rPr lang="en-US" dirty="0"/>
               <a:t>), </a:t>
             </a:r>
             <a:r>
-              <a:rPr lang="en-US" b="1" dirty="0" smtClean="0"/>
+              <a:rPr lang="en-US" b="1" dirty="0"/>
               <a:t>High</a:t>
             </a:r>
             <a:r>
-              <a:rPr lang="en-US" dirty="0" smtClean="0"/>
+              <a:rPr lang="en-US" dirty="0"/>
               <a:t> (</a:t>
             </a:r>
             <a:r>
-              <a:rPr lang="bg-BG" dirty="0" smtClean="0"/>
+              <a:rPr lang="bg-BG" dirty="0"/>
               <a:t>Силен</a:t>
             </a:r>
             <a:r>
-              <a:rPr lang="en-US" dirty="0" smtClean="0"/>
+              <a:rPr lang="en-US" dirty="0"/>
               <a:t>), </a:t>
             </a:r>
             <a:r>
-              <a:rPr lang="en-US" b="1" dirty="0" smtClean="0"/>
+              <a:rPr lang="en-US" b="1" dirty="0"/>
               <a:t>Mute</a:t>
             </a:r>
             <a:r>
-              <a:rPr lang="en-US" dirty="0" smtClean="0"/>
+              <a:rPr lang="en-US" dirty="0"/>
               <a:t> (</a:t>
             </a:r>
             <a:r>
-              <a:rPr lang="bg-BG" dirty="0" smtClean="0"/>
+              <a:rPr lang="bg-BG" dirty="0"/>
               <a:t>Без звук</a:t>
             </a:r>
             <a:r>
-              <a:rPr lang="en-US" dirty="0" smtClean="0"/>
+              <a:rPr lang="en-US" dirty="0"/>
               <a:t>)</a:t>
             </a:r>
-            <a:endParaRPr lang="bg-BG" dirty="0" smtClean="0"/>
-          </a:p>
-          <a:p>
-            <a:r>
-              <a:rPr lang="bg-BG" dirty="0" smtClean="0"/>
+            <a:endParaRPr lang="bg-BG" dirty="0"/>
+          </a:p>
+          <a:p>
+            <a:r>
+              <a:rPr lang="bg-BG" dirty="0"/>
               <a:t>От </a:t>
             </a:r>
             <a:r>
-              <a:rPr lang="bg-BG" b="1" dirty="0" smtClean="0"/>
+              <a:rPr lang="bg-BG" b="1" dirty="0"/>
               <a:t>падащото меню </a:t>
             </a:r>
             <a:r>
-              <a:rPr lang="en-US" b="1" dirty="0" smtClean="0">
+              <a:rPr lang="en-US" b="1" dirty="0">
                 <a:solidFill>
                   <a:schemeClr val="bg1"/>
                 </a:solidFill>
@@ -7235,65 +7204,130 @@
               <a:t>Start</a:t>
             </a:r>
             <a:r>
-              <a:rPr lang="en-US" b="1" dirty="0" smtClean="0"/>
+              <a:rPr lang="en-US" b="1" dirty="0"/>
               <a:t> </a:t>
             </a:r>
             <a:r>
-              <a:rPr lang="bg-BG" dirty="0" smtClean="0"/>
+              <a:rPr lang="bg-BG" dirty="0"/>
               <a:t>избирате </a:t>
             </a:r>
             <a:r>
-              <a:rPr lang="bg-BG" b="1" dirty="0" smtClean="0"/>
+              <a:rPr lang="bg-BG" b="1" dirty="0"/>
               <a:t>началото</a:t>
             </a:r>
             <a:r>
-              <a:rPr lang="bg-BG" dirty="0" smtClean="0"/>
+              <a:rPr lang="bg-BG" dirty="0"/>
               <a:t> на </a:t>
             </a:r>
             <a:r>
-              <a:rPr lang="bg-BG" b="1" dirty="0" smtClean="0"/>
+              <a:rPr lang="bg-BG" b="1" dirty="0"/>
               <a:t>стартиране на звукозаписа</a:t>
             </a:r>
-            <a:endParaRPr lang="en-US" b="1" dirty="0" smtClean="0"/>
+            <a:endParaRPr lang="en-US" b="1" dirty="0"/>
           </a:p>
           <a:p>
             <a:pPr lvl="1"/>
             <a:r>
-              <a:rPr lang="en-US" b="1" dirty="0" smtClean="0"/>
+              <a:rPr lang="en-US" b="1" dirty="0"/>
               <a:t>Automatically</a:t>
             </a:r>
             <a:r>
-              <a:rPr lang="en-US" dirty="0" smtClean="0"/>
+              <a:rPr lang="en-US" dirty="0"/>
               <a:t> </a:t>
             </a:r>
             <a:r>
-              <a:rPr lang="bg-BG" dirty="0" smtClean="0"/>
+              <a:rPr lang="bg-BG" dirty="0"/>
               <a:t>(Автоматично), </a:t>
             </a:r>
             <a:r>
-              <a:rPr lang="en-US" b="1" dirty="0" smtClean="0"/>
+              <a:rPr lang="en-GB" b="1" dirty="0"/>
+              <a:t>When </a:t>
+            </a:r>
+            <a:r>
+              <a:rPr lang="en-US" b="1" dirty="0"/>
               <a:t>On Click </a:t>
             </a:r>
             <a:r>
-              <a:rPr lang="en-US" dirty="0" smtClean="0"/>
+              <a:rPr lang="en-US" dirty="0"/>
               <a:t>(</a:t>
             </a:r>
             <a:r>
-              <a:rPr lang="bg-BG" dirty="0" smtClean="0"/>
+              <a:rPr lang="bg-BG" dirty="0"/>
               <a:t>С щракване на мишката</a:t>
             </a:r>
             <a:r>
-              <a:rPr lang="en-US" dirty="0" smtClean="0"/>
+              <a:rPr lang="en-US" dirty="0"/>
               <a:t>)</a:t>
             </a:r>
-            <a:endParaRPr lang="bg-BG" dirty="0" smtClean="0"/>
-          </a:p>
-          <a:p>
-            <a:endParaRPr lang="bg-BG" dirty="0" smtClean="0"/>
+            <a:endParaRPr lang="bg-BG" dirty="0"/>
+          </a:p>
+          <a:p>
+            <a:endParaRPr lang="bg-BG" dirty="0"/>
           </a:p>
           <a:p>
             <a:pPr lvl="1"/>
             <a:endParaRPr lang="en-US" dirty="0"/>
+          </a:p>
+        </p:txBody>
+      </p:sp>
+      <p:pic>
+        <p:nvPicPr>
+          <p:cNvPr id="9" name="Picture 8">
+            <a:extLst>
+              <a:ext uri="{FF2B5EF4-FFF2-40B4-BE49-F238E27FC236}">
+                <a16:creationId xmlns:a16="http://schemas.microsoft.com/office/drawing/2014/main" id="{EA9D8966-CDF1-0307-97B7-117DDC48E746}"/>
+              </a:ext>
+            </a:extLst>
+          </p:cNvPr>
+          <p:cNvPicPr>
+            <a:picLocks noChangeAspect="1"/>
+          </p:cNvPicPr>
+          <p:nvPr/>
+        </p:nvPicPr>
+        <p:blipFill>
+          <a:blip r:embed="rId2"/>
+          <a:stretch>
+            <a:fillRect/>
+          </a:stretch>
+        </p:blipFill>
+        <p:spPr>
+          <a:xfrm>
+            <a:off x="3621000" y="4602457"/>
+            <a:ext cx="6345140" cy="1592978"/>
+          </a:xfrm>
+          <a:prstGeom prst="rect">
+            <a:avLst/>
+          </a:prstGeom>
+          <a:ln>
+            <a:solidFill>
+              <a:schemeClr val="bg2">
+                <a:lumMod val="75000"/>
+              </a:schemeClr>
+            </a:solidFill>
+          </a:ln>
+        </p:spPr>
+      </p:pic>
+      <p:sp>
+        <p:nvSpPr>
+          <p:cNvPr id="2" name="Slide Number Placeholder 1"/>
+          <p:cNvSpPr>
+            <a:spLocks noGrp="1"/>
+          </p:cNvSpPr>
+          <p:nvPr>
+            <p:ph type="sldNum" sz="quarter" idx="5"/>
+          </p:nvPr>
+        </p:nvSpPr>
+        <p:spPr/>
+        <p:txBody>
+          <a:bodyPr/>
+          <a:lstStyle/>
+          <a:p>
+            <a:fld id="{2BF067CD-8E6B-4360-9AA8-C5DF2A48A6D1}" type="slidenum">
+              <a:rPr lang="en-US" noProof="0" smtClean="0"/>
+              <a:pPr/>
+              <a:t>10</a:t>
+            </a:fld>
+            <a:endParaRPr lang="en-US" noProof="0" dirty="0"/>
           </a:p>
         </p:txBody>
       </p:sp>
@@ -7313,47 +7347,17 @@
           <a:lstStyle/>
           <a:p>
             <a:r>
-              <a:rPr lang="en-US" dirty="0" smtClean="0"/>
+              <a:rPr lang="en-US" dirty="0"/>
               <a:t>Audio Options </a:t>
             </a:r>
             <a:r>
-              <a:rPr lang="bg-BG" dirty="0" smtClean="0"/>
+              <a:rPr lang="bg-BG" dirty="0"/>
               <a:t>панел (1) </a:t>
             </a:r>
             <a:endParaRPr lang="en-US" dirty="0"/>
           </a:p>
         </p:txBody>
       </p:sp>
-      <p:pic>
-        <p:nvPicPr>
-          <p:cNvPr id="5" name="Picture 4"/>
-          <p:cNvPicPr>
-            <a:picLocks noChangeAspect="1"/>
-          </p:cNvPicPr>
-          <p:nvPr/>
-        </p:nvPicPr>
-        <p:blipFill rotWithShape="1">
-          <a:blip r:embed="rId2"/>
-          <a:srcRect l="43817" r="13911"/>
-          <a:stretch/>
-        </p:blipFill>
-        <p:spPr>
-          <a:xfrm>
-            <a:off x="2936799" y="4574724"/>
-            <a:ext cx="6437247" cy="1643464"/>
-          </a:xfrm>
-          <a:prstGeom prst="rect">
-            <a:avLst/>
-          </a:prstGeom>
-          <a:ln>
-            <a:solidFill>
-              <a:schemeClr val="bg2">
-                <a:lumMod val="75000"/>
-              </a:schemeClr>
-            </a:solidFill>
-          </a:ln>
-        </p:spPr>
-      </p:pic>
       <p:pic>
         <p:nvPicPr>
           <p:cNvPr id="6" name="Picture 5"/>
@@ -7363,25 +7367,26 @@
           <p:nvPr/>
         </p:nvPicPr>
         <p:blipFill>
-          <a:blip r:embed="rId3"/>
-          <a:stretch>
-            <a:fillRect/>
-          </a:stretch>
+          <a:blip r:embed="rId3">
+            <a:extLst>
+              <a:ext uri="{28A0092B-C50C-407E-A947-70E740481C1C}">
+                <a14:useLocalDpi xmlns:a14="http://schemas.microsoft.com/office/drawing/2010/main" val="0"/>
+              </a:ext>
+            </a:extLst>
+          </a:blip>
+          <a:srcRect/>
+          <a:stretch/>
         </p:blipFill>
         <p:spPr>
           <a:xfrm>
-            <a:off x="2886699" y="5540446"/>
-            <a:ext cx="1037330" cy="1192333"/>
+            <a:off x="3621000" y="5535872"/>
+            <a:ext cx="962382" cy="1192333"/>
           </a:xfrm>
           <a:prstGeom prst="rect">
             <a:avLst/>
           </a:prstGeom>
           <a:ln>
-            <a:solidFill>
-              <a:schemeClr val="bg2">
-                <a:lumMod val="75000"/>
-              </a:schemeClr>
-            </a:solidFill>
+            <a:noFill/>
           </a:ln>
         </p:spPr>
       </p:pic>
@@ -7394,25 +7399,26 @@
           <p:nvPr/>
         </p:nvPicPr>
         <p:blipFill>
-          <a:blip r:embed="rId4"/>
-          <a:stretch>
-            <a:fillRect/>
-          </a:stretch>
+          <a:blip r:embed="rId4">
+            <a:extLst>
+              <a:ext uri="{28A0092B-C50C-407E-A947-70E740481C1C}">
+                <a14:useLocalDpi xmlns:a14="http://schemas.microsoft.com/office/drawing/2010/main" val="0"/>
+              </a:ext>
+            </a:extLst>
+          </a:blip>
+          <a:srcRect/>
+          <a:stretch/>
         </p:blipFill>
         <p:spPr>
           <a:xfrm>
-            <a:off x="4720050" y="4971483"/>
-            <a:ext cx="2205000" cy="735000"/>
+            <a:off x="5466000" y="4939705"/>
+            <a:ext cx="2029503" cy="1192333"/>
           </a:xfrm>
           <a:prstGeom prst="rect">
             <a:avLst/>
           </a:prstGeom>
           <a:ln>
-            <a:solidFill>
-              <a:schemeClr val="bg2">
-                <a:lumMod val="75000"/>
-              </a:schemeClr>
-            </a:solidFill>
+            <a:noFill/>
           </a:ln>
         </p:spPr>
       </p:pic>
@@ -7757,23 +7763,15 @@
           <a:lstStyle/>
           <a:p>
             <a:r>
-              <a:rPr lang="bg-BG" dirty="0" smtClean="0"/>
+              <a:rPr lang="bg-BG" dirty="0"/>
               <a:t>Отметката:</a:t>
             </a:r>
           </a:p>
           <a:p>
             <a:pPr lvl="1"/>
             <a:r>
-              <a:rPr lang="en-US" dirty="0" smtClean="0"/>
+              <a:rPr lang="en-US" dirty="0"/>
               <a:t>͏</a:t>
-            </a:r>
-            <a:r>
-              <a:rPr lang="en-US" b="1" dirty="0" smtClean="0">
-                <a:solidFill>
-                  <a:schemeClr val="bg1"/>
-                </a:solidFill>
-              </a:rPr>
-              <a:t>Play </a:t>
             </a:r>
             <a:r>
               <a:rPr lang="en-US" b="1" dirty="0">
@@ -7781,7 +7779,7 @@
                   <a:schemeClr val="bg1"/>
                 </a:solidFill>
               </a:rPr>
-              <a:t>Across Slides </a:t>
+              <a:t>Play Across Slides </a:t>
             </a:r>
             <a:r>
               <a:rPr lang="bg-BG" dirty="0"/>
@@ -7811,11 +7809,11 @@
           <a:p>
             <a:pPr lvl="1"/>
             <a:r>
-              <a:rPr lang="en-US" dirty="0" smtClean="0"/>
+              <a:rPr lang="en-US" dirty="0"/>
               <a:t>͏</a:t>
             </a:r>
             <a:r>
-              <a:rPr lang="en-US" b="1" dirty="0" smtClean="0">
+              <a:rPr lang="en-US" b="1" dirty="0">
                 <a:solidFill>
                   <a:schemeClr val="bg1"/>
                 </a:solidFill>
@@ -7823,27 +7821,27 @@
               <a:t>Hide During Show </a:t>
             </a:r>
             <a:r>
-              <a:rPr lang="bg-BG" b="1" dirty="0" smtClean="0"/>
+              <a:rPr lang="bg-BG" b="1" dirty="0"/>
               <a:t>скрива</a:t>
             </a:r>
             <a:r>
-              <a:rPr lang="bg-BG" dirty="0" smtClean="0"/>
+              <a:rPr lang="bg-BG" dirty="0"/>
               <a:t> изображението на </a:t>
             </a:r>
             <a:r>
-              <a:rPr lang="bg-BG" b="1" dirty="0" smtClean="0"/>
+              <a:rPr lang="bg-BG" b="1" dirty="0"/>
               <a:t>високоговорителя</a:t>
             </a:r>
-            <a:endParaRPr lang="en-US" b="1" dirty="0" smtClean="0"/>
+            <a:endParaRPr lang="en-US" b="1" dirty="0"/>
           </a:p>
           <a:p>
             <a:pPr lvl="1"/>
             <a:r>
-              <a:rPr lang="en-US" dirty="0" smtClean="0"/>
+              <a:rPr lang="en-US" dirty="0"/>
               <a:t>͏</a:t>
             </a:r>
             <a:r>
-              <a:rPr lang="en-US" b="1" dirty="0" smtClean="0">
+              <a:rPr lang="en-US" b="1" dirty="0">
                 <a:solidFill>
                   <a:schemeClr val="bg1"/>
                 </a:solidFill>
@@ -7851,7 +7849,7 @@
               <a:t>Loop until Stopped</a:t>
             </a:r>
             <a:r>
-              <a:rPr lang="bg-BG" b="1" dirty="0" smtClean="0">
+              <a:rPr lang="bg-BG" b="1" dirty="0">
                 <a:solidFill>
                   <a:schemeClr val="bg1"/>
                 </a:solidFill>
@@ -7859,11 +7857,11 @@
               <a:t> </a:t>
             </a:r>
             <a:r>
-              <a:rPr lang="bg-BG" b="1" dirty="0" smtClean="0"/>
+              <a:rPr lang="bg-BG" b="1" dirty="0"/>
               <a:t>повтаря записа</a:t>
             </a:r>
             <a:r>
-              <a:rPr lang="bg-BG" dirty="0" smtClean="0"/>
+              <a:rPr lang="bg-BG" dirty="0"/>
               <a:t>, докато слайдът мине</a:t>
             </a:r>
             <a:endParaRPr lang="en-US" dirty="0"/>
@@ -7891,11 +7889,7 @@
             </a:r>
             <a:r>
               <a:rPr lang="bg-BG" dirty="0"/>
-              <a:t>панел </a:t>
-            </a:r>
-            <a:r>
-              <a:rPr lang="bg-BG" dirty="0" smtClean="0"/>
-              <a:t>(2) </a:t>
+              <a:t>панел (2) </a:t>
             </a:r>
             <a:endParaRPr lang="en-US" dirty="0"/>
           </a:p>
@@ -7910,8 +7904,14 @@
           <p:nvPr/>
         </p:nvPicPr>
         <p:blipFill rotWithShape="1">
-          <a:blip r:embed="rId2"/>
-          <a:srcRect l="43817" r="13911"/>
+          <a:blip r:embed="rId2">
+            <a:extLst>
+              <a:ext uri="{28A0092B-C50C-407E-A947-70E740481C1C}">
+                <a14:useLocalDpi xmlns:a14="http://schemas.microsoft.com/office/drawing/2010/main" val="0"/>
+              </a:ext>
+            </a:extLst>
+          </a:blip>
+          <a:srcRect l="336" r="336"/>
           <a:stretch/>
         </p:blipFill>
         <p:spPr>
@@ -7953,8 +7953,8 @@
         </p:blipFill>
         <p:spPr>
           <a:xfrm>
-            <a:off x="3126000" y="5049000"/>
-            <a:ext cx="540000" cy="528510"/>
+            <a:off x="3253026" y="5155424"/>
+            <a:ext cx="431261" cy="422085"/>
           </a:xfrm>
           <a:prstGeom prst="rect">
             <a:avLst/>
@@ -7983,8 +7983,8 @@
         </p:blipFill>
         <p:spPr>
           <a:xfrm>
-            <a:off x="6996000" y="4717575"/>
-            <a:ext cx="540000" cy="528510"/>
+            <a:off x="7077306" y="4788203"/>
+            <a:ext cx="431261" cy="422085"/>
           </a:xfrm>
           <a:prstGeom prst="rect">
             <a:avLst/>
@@ -8013,8 +8013,8 @@
         </p:blipFill>
         <p:spPr>
           <a:xfrm>
-            <a:off x="3126000" y="5548935"/>
-            <a:ext cx="540000" cy="528510"/>
+            <a:off x="3253026" y="5682791"/>
+            <a:ext cx="431261" cy="422085"/>
           </a:xfrm>
           <a:prstGeom prst="rect">
             <a:avLst/>
@@ -8418,15 +8418,15 @@
           <a:lstStyle/>
           <a:p>
             <a:r>
-              <a:rPr lang="bg-BG" dirty="0" smtClean="0"/>
+              <a:rPr lang="bg-BG" dirty="0"/>
               <a:t>От </a:t>
             </a:r>
             <a:r>
-              <a:rPr lang="bg-BG" b="1" dirty="0" smtClean="0"/>
+              <a:rPr lang="bg-BG" b="1" dirty="0"/>
               <a:t>панела </a:t>
             </a:r>
             <a:r>
-              <a:rPr lang="en-US" b="1" dirty="0" smtClean="0">
+              <a:rPr lang="en-US" b="1" dirty="0">
                 <a:solidFill>
                   <a:schemeClr val="bg1"/>
                 </a:solidFill>
@@ -8434,45 +8434,45 @@
               <a:t>Editing</a:t>
             </a:r>
             <a:r>
-              <a:rPr lang="en-US" dirty="0" smtClean="0"/>
+              <a:rPr lang="en-US" dirty="0"/>
               <a:t> </a:t>
             </a:r>
             <a:r>
-              <a:rPr lang="bg-BG" dirty="0" smtClean="0"/>
+              <a:rPr lang="bg-BG" dirty="0"/>
               <a:t>можете да:</a:t>
             </a:r>
           </a:p>
           <a:p>
             <a:pPr lvl="1"/>
             <a:r>
-              <a:rPr lang="bg-BG" dirty="0" smtClean="0"/>
+              <a:rPr lang="bg-BG" dirty="0"/>
               <a:t>Задавате </a:t>
             </a:r>
             <a:r>
-              <a:rPr lang="bg-BG" b="1" dirty="0" smtClean="0"/>
+              <a:rPr lang="bg-BG" b="1" dirty="0"/>
               <a:t>времето</a:t>
             </a:r>
             <a:r>
-              <a:rPr lang="bg-BG" dirty="0" smtClean="0"/>
+              <a:rPr lang="bg-BG" dirty="0"/>
               <a:t>, когато да се </a:t>
             </a:r>
             <a:r>
-              <a:rPr lang="bg-BG" b="1" dirty="0" smtClean="0"/>
+              <a:rPr lang="bg-BG" b="1" dirty="0"/>
               <a:t>появи</a:t>
             </a:r>
             <a:r>
-              <a:rPr lang="bg-BG" dirty="0" smtClean="0"/>
+              <a:rPr lang="bg-BG" dirty="0"/>
               <a:t> звукозаписът</a:t>
             </a:r>
           </a:p>
           <a:p>
             <a:pPr lvl="2"/>
             <a:r>
-              <a:rPr lang="en-US" b="1" dirty="0" smtClean="0"/>
+              <a:rPr lang="en-US" b="1" dirty="0"/>
               <a:t>͏</a:t>
             </a:r>
             <a:r>
-              <a:rPr lang="en-US" b="1" dirty="0" smtClean="0">
+              <a:rPr lang="en-US" b="1" dirty="0">
                 <a:solidFill>
                   <a:schemeClr val="bg1"/>
                 </a:solidFill>
@@ -8480,27 +8480,27 @@
               <a:t>Fade In </a:t>
             </a:r>
             <a:r>
-              <a:rPr lang="en-US" dirty="0" smtClean="0"/>
+              <a:rPr lang="en-US" dirty="0"/>
               <a:t>(</a:t>
             </a:r>
             <a:r>
-              <a:rPr lang="bg-BG" b="1" dirty="0" smtClean="0"/>
+              <a:rPr lang="bg-BG" b="1" dirty="0"/>
               <a:t>Плавно появяване</a:t>
             </a:r>
             <a:r>
-              <a:rPr lang="en-US" dirty="0" smtClean="0"/>
+              <a:rPr lang="en-US" dirty="0"/>
               <a:t>)</a:t>
             </a:r>
-            <a:endParaRPr lang="bg-BG" dirty="0" smtClean="0"/>
+            <a:endParaRPr lang="bg-BG" dirty="0"/>
           </a:p>
           <a:p>
             <a:pPr lvl="2"/>
             <a:r>
-              <a:rPr lang="en-US" b="1" dirty="0" smtClean="0"/>
+              <a:rPr lang="en-US" b="1" dirty="0"/>
               <a:t>͏</a:t>
             </a:r>
             <a:r>
-              <a:rPr lang="en-US" b="1" dirty="0" smtClean="0">
+              <a:rPr lang="en-US" b="1" dirty="0">
                 <a:solidFill>
                   <a:schemeClr val="bg1"/>
                 </a:solidFill>
@@ -8508,42 +8508,42 @@
               <a:t>Fade Out </a:t>
             </a:r>
             <a:r>
-              <a:rPr lang="bg-BG" dirty="0" smtClean="0"/>
+              <a:rPr lang="bg-BG" dirty="0"/>
               <a:t>(</a:t>
             </a:r>
             <a:r>
-              <a:rPr lang="bg-BG" b="1" dirty="0" smtClean="0"/>
+              <a:rPr lang="bg-BG" b="1" dirty="0"/>
               <a:t>Плавно изчезване</a:t>
             </a:r>
             <a:r>
-              <a:rPr lang="bg-BG" dirty="0" smtClean="0"/>
+              <a:rPr lang="bg-BG" dirty="0"/>
               <a:t>)</a:t>
             </a:r>
           </a:p>
           <a:p>
             <a:pPr lvl="1"/>
             <a:r>
-              <a:rPr lang="bg-BG" b="1" dirty="0" smtClean="0"/>
+              <a:rPr lang="bg-BG" b="1" dirty="0"/>
               <a:t>Изрязвате</a:t>
             </a:r>
             <a:r>
-              <a:rPr lang="bg-BG" dirty="0" smtClean="0"/>
+              <a:rPr lang="bg-BG" dirty="0"/>
               <a:t> ненужните части на записа от </a:t>
             </a:r>
             <a:r>
-              <a:rPr lang="bg-BG" b="1" dirty="0" smtClean="0"/>
+              <a:rPr lang="bg-BG" b="1" dirty="0"/>
               <a:t>бутона</a:t>
             </a:r>
             <a:r>
-              <a:rPr lang="bg-BG" dirty="0" smtClean="0"/>
+              <a:rPr lang="bg-BG" dirty="0"/>
               <a:t> </a:t>
             </a:r>
             <a:r>
-              <a:rPr lang="en-US" dirty="0" smtClean="0"/>
+              <a:rPr lang="en-US" dirty="0"/>
               <a:t>[</a:t>
             </a:r>
             <a:r>
-              <a:rPr lang="en-US" b="1" dirty="0" smtClean="0">
+              <a:rPr lang="en-US" b="1" dirty="0">
                 <a:solidFill>
                   <a:schemeClr val="bg1"/>
                 </a:solidFill>
@@ -8551,48 +8551,48 @@
               <a:t>Trim Audio</a:t>
             </a:r>
             <a:r>
-              <a:rPr lang="en-US" dirty="0" smtClean="0"/>
+              <a:rPr lang="en-US" dirty="0"/>
               <a:t>]</a:t>
             </a:r>
           </a:p>
           <a:p>
             <a:pPr lvl="2"/>
             <a:r>
-              <a:rPr lang="bg-BG" b="1" dirty="0" smtClean="0"/>
+              <a:rPr lang="bg-BG" b="1" dirty="0"/>
               <a:t>Зеленият маркер </a:t>
             </a:r>
             <a:r>
-              <a:rPr lang="bg-BG" dirty="0" smtClean="0"/>
+              <a:rPr lang="bg-BG" dirty="0"/>
               <a:t>показва откъде ще </a:t>
             </a:r>
             <a:r>
-              <a:rPr lang="bg-BG" b="1" dirty="0" smtClean="0"/>
+              <a:rPr lang="bg-BG" b="1" dirty="0"/>
               <a:t>започне</a:t>
             </a:r>
             <a:r>
-              <a:rPr lang="bg-BG" dirty="0" smtClean="0"/>
+              <a:rPr lang="bg-BG" dirty="0"/>
               <a:t> записът</a:t>
             </a:r>
           </a:p>
           <a:p>
             <a:pPr lvl="2"/>
             <a:r>
-              <a:rPr lang="bg-BG" b="1" dirty="0" smtClean="0"/>
+              <a:rPr lang="bg-BG" b="1" dirty="0"/>
               <a:t>Червеният маркер </a:t>
             </a:r>
             <a:r>
-              <a:rPr lang="bg-BG" dirty="0" smtClean="0"/>
+              <a:rPr lang="bg-BG" dirty="0"/>
               <a:t>показва къде е </a:t>
             </a:r>
             <a:r>
-              <a:rPr lang="bg-BG" b="1" dirty="0" smtClean="0"/>
+              <a:rPr lang="bg-BG" b="1" dirty="0"/>
               <a:t>краят</a:t>
             </a:r>
             <a:r>
-              <a:rPr lang="bg-BG" dirty="0" smtClean="0"/>
+              <a:rPr lang="bg-BG" dirty="0"/>
               <a:t> на записа</a:t>
             </a:r>
-            <a:endParaRPr lang="en-US" dirty="0" smtClean="0"/>
+            <a:endParaRPr lang="en-US" dirty="0"/>
           </a:p>
           <a:p>
             <a:pPr lvl="1"/>
@@ -8616,11 +8616,11 @@
           <a:lstStyle/>
           <a:p>
             <a:r>
-              <a:rPr lang="en-US" dirty="0" smtClean="0"/>
+              <a:rPr lang="en-US" dirty="0"/>
               <a:t>Editing </a:t>
             </a:r>
             <a:r>
-              <a:rPr lang="bg-BG" dirty="0" smtClean="0"/>
+              <a:rPr lang="bg-BG" dirty="0"/>
               <a:t>панел</a:t>
             </a:r>
             <a:endParaRPr lang="en-US" dirty="0"/>
@@ -8636,8 +8636,14 @@
           <p:nvPr/>
         </p:nvPicPr>
         <p:blipFill rotWithShape="1">
-          <a:blip r:embed="rId2"/>
-          <a:srcRect l="20424" r="56378"/>
+          <a:blip r:embed="rId2">
+            <a:extLst>
+              <a:ext uri="{28A0092B-C50C-407E-A947-70E740481C1C}">
+                <a14:useLocalDpi xmlns:a14="http://schemas.microsoft.com/office/drawing/2010/main" val="0"/>
+              </a:ext>
+            </a:extLst>
+          </a:blip>
+          <a:srcRect t="210" b="210"/>
           <a:stretch/>
         </p:blipFill>
         <p:spPr>
@@ -8666,15 +8672,20 @@
           <p:nvPr/>
         </p:nvPicPr>
         <p:blipFill>
-          <a:blip r:embed="rId3"/>
-          <a:stretch>
-            <a:fillRect/>
-          </a:stretch>
+          <a:blip r:embed="rId3">
+            <a:extLst>
+              <a:ext uri="{28A0092B-C50C-407E-A947-70E740481C1C}">
+                <a14:useLocalDpi xmlns:a14="http://schemas.microsoft.com/office/drawing/2010/main" val="0"/>
+              </a:ext>
+            </a:extLst>
+          </a:blip>
+          <a:srcRect/>
+          <a:stretch/>
         </p:blipFill>
         <p:spPr>
           <a:xfrm>
-            <a:off x="6928116" y="4239000"/>
-            <a:ext cx="5008621" cy="2101832"/>
+            <a:off x="6932588" y="4239000"/>
+            <a:ext cx="4999677" cy="2101832"/>
           </a:xfrm>
           <a:prstGeom prst="rect">
             <a:avLst/>
@@ -8762,8 +8773,8 @@
         </p:nvSpPr>
         <p:spPr bwMode="auto">
           <a:xfrm>
-            <a:off x="8436000" y="2316980"/>
-            <a:ext cx="2925000" cy="527019"/>
+            <a:off x="8481000" y="2316980"/>
+            <a:ext cx="2953926" cy="564679"/>
           </a:xfrm>
           <a:prstGeom prst="rect">
             <a:avLst/>
@@ -8828,8 +8839,8 @@
         </p:nvSpPr>
         <p:spPr bwMode="auto">
           <a:xfrm>
-            <a:off x="8436000" y="2838762"/>
-            <a:ext cx="2925000" cy="455238"/>
+            <a:off x="8481000" y="2881660"/>
+            <a:ext cx="2953926" cy="527020"/>
           </a:xfrm>
           <a:prstGeom prst="rect">
             <a:avLst/>
@@ -8894,8 +8905,8 @@
         </p:nvSpPr>
         <p:spPr bwMode="auto">
           <a:xfrm>
-            <a:off x="7437951" y="1853999"/>
-            <a:ext cx="998049" cy="1863219"/>
+            <a:off x="7443183" y="1853999"/>
+            <a:ext cx="1037817" cy="1863219"/>
           </a:xfrm>
           <a:prstGeom prst="rect">
             <a:avLst/>
@@ -9497,7 +9508,7 @@
           <a:lstStyle/>
           <a:p>
             <a:r>
-              <a:rPr lang="bg-BG" dirty="0" smtClean="0"/>
+              <a:rPr lang="bg-BG" dirty="0"/>
               <a:t>Използване на готови теми</a:t>
             </a:r>
             <a:endParaRPr lang="en-US" dirty="0"/>
@@ -9520,7 +9531,7 @@
           <a:lstStyle/>
           <a:p>
             <a:r>
-              <a:rPr lang="bg-BG" dirty="0" smtClean="0"/>
+              <a:rPr lang="bg-BG" dirty="0"/>
               <a:t>Настройки на дизайна</a:t>
             </a:r>
             <a:endParaRPr lang="en-US" dirty="0"/>
@@ -9575,13 +9586,6 @@
       <p:transition spd="slow" advClick="0" advTm="5000"/>
     </mc:Fallback>
   </mc:AlternateContent>
-  <p:timing>
-    <p:tnLst>
-      <p:par>
-        <p:cTn id="1" dur="indefinite" restart="never" nodeType="tmRoot"/>
-      </p:par>
-    </p:tnLst>
-  </p:timing>
 </p:sld>
 </file>
 
@@ -9623,27 +9627,27 @@
           <a:lstStyle/>
           <a:p>
             <a:r>
-              <a:rPr lang="bg-BG" b="1" dirty="0" smtClean="0"/>
+              <a:rPr lang="bg-BG" b="1" dirty="0"/>
               <a:t>Дизайн</a:t>
             </a:r>
             <a:r>
-              <a:rPr lang="bg-BG" dirty="0" smtClean="0"/>
+              <a:rPr lang="bg-BG" dirty="0"/>
               <a:t> на слайд</a:t>
             </a:r>
             <a:r>
-              <a:rPr lang="en-US" dirty="0" smtClean="0"/>
+              <a:rPr lang="en-US" dirty="0"/>
               <a:t> </a:t>
             </a:r>
             <a:r>
-              <a:rPr lang="bg-BG" dirty="0" smtClean="0"/>
+              <a:rPr lang="bg-BG" dirty="0"/>
               <a:t>се избира от </a:t>
             </a:r>
             <a:r>
-              <a:rPr lang="bg-BG" b="1" dirty="0" smtClean="0"/>
+              <a:rPr lang="bg-BG" b="1" dirty="0"/>
               <a:t>панела </a:t>
             </a:r>
             <a:r>
-              <a:rPr lang="en-US" b="1" dirty="0" smtClean="0">
+              <a:rPr lang="en-US" b="1" dirty="0">
                 <a:solidFill>
                   <a:schemeClr val="bg1"/>
                 </a:solidFill>
@@ -9651,19 +9655,19 @@
               <a:t>Themes</a:t>
             </a:r>
             <a:r>
-              <a:rPr lang="en-US" b="1" dirty="0" smtClean="0"/>
+              <a:rPr lang="en-US" b="1" dirty="0"/>
               <a:t> </a:t>
             </a:r>
             <a:r>
-              <a:rPr lang="bg-BG" dirty="0" smtClean="0"/>
+              <a:rPr lang="bg-BG" dirty="0"/>
               <a:t>на </a:t>
             </a:r>
             <a:r>
-              <a:rPr lang="bg-BG" b="1" dirty="0" smtClean="0"/>
+              <a:rPr lang="bg-BG" b="1" dirty="0"/>
               <a:t>менюто </a:t>
             </a:r>
             <a:r>
-              <a:rPr lang="en-US" b="1" dirty="0" smtClean="0">
+              <a:rPr lang="en-US" b="1" dirty="0">
                 <a:solidFill>
                   <a:schemeClr val="bg1"/>
                 </a:solidFill>
@@ -9674,11 +9678,11 @@
           <a:p>
             <a:pPr lvl="1"/>
             <a:r>
-              <a:rPr lang="en-US" b="1" dirty="0" smtClean="0"/>
+              <a:rPr lang="en-US" b="1" dirty="0"/>
               <a:t>͏</a:t>
             </a:r>
             <a:r>
-              <a:rPr lang="en-US" b="1" dirty="0" smtClean="0">
+              <a:rPr lang="en-US" b="1" dirty="0">
                 <a:solidFill>
                   <a:schemeClr val="bg1"/>
                 </a:solidFill>
@@ -9686,15 +9690,15 @@
               <a:t>PowerPoint</a:t>
             </a:r>
             <a:r>
-              <a:rPr lang="en-US" dirty="0" smtClean="0"/>
+              <a:rPr lang="en-US" dirty="0"/>
               <a:t> </a:t>
             </a:r>
             <a:r>
-              <a:rPr lang="bg-BG" dirty="0" smtClean="0"/>
+              <a:rPr lang="bg-BG" dirty="0"/>
               <a:t>има набор от </a:t>
             </a:r>
             <a:r>
-              <a:rPr lang="bg-BG" b="1" dirty="0" smtClean="0"/>
+              <a:rPr lang="bg-BG" b="1" dirty="0"/>
               <a:t>готови образци</a:t>
             </a:r>
           </a:p>
@@ -9716,7 +9720,7 @@
           <a:lstStyle/>
           <a:p>
             <a:r>
-              <a:rPr lang="bg-BG" dirty="0" smtClean="0"/>
+              <a:rPr lang="bg-BG" dirty="0"/>
               <a:t>Избиране на дизайн</a:t>
             </a:r>
             <a:endParaRPr lang="en-US" dirty="0"/>
@@ -9732,15 +9736,20 @@
           <p:nvPr/>
         </p:nvPicPr>
         <p:blipFill>
-          <a:blip r:embed="rId2"/>
-          <a:stretch>
-            <a:fillRect/>
-          </a:stretch>
+          <a:blip r:embed="rId2">
+            <a:extLst>
+              <a:ext uri="{28A0092B-C50C-407E-A947-70E740481C1C}">
+                <a14:useLocalDpi xmlns:a14="http://schemas.microsoft.com/office/drawing/2010/main" val="0"/>
+              </a:ext>
+            </a:extLst>
+          </a:blip>
+          <a:srcRect/>
+          <a:stretch/>
         </p:blipFill>
         <p:spPr>
           <a:xfrm>
-            <a:off x="506269" y="5409000"/>
-            <a:ext cx="11179463" cy="1128871"/>
+            <a:off x="506269" y="5416335"/>
+            <a:ext cx="11179463" cy="1114200"/>
           </a:xfrm>
           <a:prstGeom prst="rect">
             <a:avLst/>
@@ -9763,15 +9772,20 @@
           <p:nvPr/>
         </p:nvPicPr>
         <p:blipFill>
-          <a:blip r:embed="rId3"/>
-          <a:stretch>
-            <a:fillRect/>
-          </a:stretch>
+          <a:blip r:embed="rId3">
+            <a:extLst>
+              <a:ext uri="{28A0092B-C50C-407E-A947-70E740481C1C}">
+                <a14:useLocalDpi xmlns:a14="http://schemas.microsoft.com/office/drawing/2010/main" val="0"/>
+              </a:ext>
+            </a:extLst>
+          </a:blip>
+          <a:srcRect/>
+          <a:stretch/>
         </p:blipFill>
         <p:spPr>
           <a:xfrm>
-            <a:off x="7221000" y="1259831"/>
-            <a:ext cx="3780000" cy="3962749"/>
+            <a:off x="7416131" y="1259831"/>
+            <a:ext cx="3389737" cy="3962749"/>
           </a:xfrm>
           <a:prstGeom prst="rect">
             <a:avLst/>
@@ -10062,73 +10076,69 @@
             </a:r>
             <a:r>
               <a:rPr lang="bg-BG" b="1" dirty="0"/>
-              <a:t>допълнителни </a:t>
-            </a:r>
-            <a:r>
-              <a:rPr lang="bg-BG" b="1" dirty="0" smtClean="0"/>
-              <a:t>опции </a:t>
-            </a:r>
-            <a:r>
-              <a:rPr lang="bg-BG" dirty="0" smtClean="0"/>
+              <a:t>допълнителни опции </a:t>
+            </a:r>
+            <a:r>
+              <a:rPr lang="bg-BG" dirty="0"/>
               <a:t>за </a:t>
             </a:r>
             <a:r>
-              <a:rPr lang="bg-BG" b="1" dirty="0" smtClean="0"/>
+              <a:rPr lang="bg-BG" b="1" dirty="0"/>
               <a:t>избрания дизайн</a:t>
             </a:r>
           </a:p>
           <a:p>
             <a:pPr lvl="1"/>
             <a:r>
-              <a:rPr lang="bg-BG" b="1" dirty="0" smtClean="0"/>
+              <a:rPr lang="bg-BG" b="1" dirty="0"/>
               <a:t>Цветова схема </a:t>
             </a:r>
             <a:r>
-              <a:rPr lang="bg-BG" dirty="0" smtClean="0"/>
+              <a:rPr lang="bg-BG" dirty="0"/>
               <a:t>– готов модел от цветове</a:t>
             </a:r>
           </a:p>
           <a:p>
             <a:pPr lvl="1"/>
             <a:r>
-              <a:rPr lang="bg-BG" b="1" dirty="0" smtClean="0"/>
+              <a:rPr lang="bg-BG" b="1" dirty="0"/>
               <a:t>Шрифт</a:t>
             </a:r>
             <a:r>
-              <a:rPr lang="bg-BG" dirty="0" smtClean="0"/>
+              <a:rPr lang="bg-BG" dirty="0"/>
               <a:t> на текста</a:t>
             </a:r>
           </a:p>
           <a:p>
             <a:pPr lvl="1"/>
             <a:r>
-              <a:rPr lang="bg-BG" dirty="0" smtClean="0"/>
+              <a:rPr lang="bg-BG" dirty="0"/>
               <a:t>Допълнителни </a:t>
             </a:r>
             <a:r>
-              <a:rPr lang="bg-BG" b="1" dirty="0" smtClean="0"/>
+              <a:rPr lang="bg-BG" b="1" dirty="0"/>
               <a:t>ефекти</a:t>
             </a:r>
             <a:r>
-              <a:rPr lang="bg-BG" dirty="0" smtClean="0"/>
+              <a:rPr lang="bg-BG" dirty="0"/>
               <a:t>:</a:t>
             </a:r>
           </a:p>
           <a:p>
             <a:pPr lvl="2"/>
             <a:r>
-              <a:rPr lang="bg-BG" dirty="0" smtClean="0"/>
+              <a:rPr lang="bg-BG" dirty="0"/>
               <a:t>Сенки, отражения, линии и т.н.</a:t>
             </a:r>
           </a:p>
           <a:p>
             <a:pPr lvl="1"/>
             <a:r>
-              <a:rPr lang="bg-BG" dirty="0" smtClean="0"/>
+              <a:rPr lang="bg-BG" dirty="0"/>
               <a:t>Стил на </a:t>
             </a:r>
             <a:r>
-              <a:rPr lang="bg-BG" b="1" dirty="0" smtClean="0"/>
+              <a:rPr lang="bg-BG" b="1" dirty="0"/>
               <a:t>фона</a:t>
             </a:r>
           </a:p>
@@ -10165,15 +10175,20 @@
           <p:nvPr/>
         </p:nvPicPr>
         <p:blipFill>
-          <a:blip r:embed="rId2"/>
-          <a:stretch>
-            <a:fillRect/>
-          </a:stretch>
+          <a:blip r:embed="rId2">
+            <a:extLst>
+              <a:ext uri="{28A0092B-C50C-407E-A947-70E740481C1C}">
+                <a14:useLocalDpi xmlns:a14="http://schemas.microsoft.com/office/drawing/2010/main" val="0"/>
+              </a:ext>
+            </a:extLst>
+          </a:blip>
+          <a:srcRect/>
+          <a:stretch/>
         </p:blipFill>
         <p:spPr>
           <a:xfrm>
-            <a:off x="7027921" y="1366397"/>
-            <a:ext cx="4398948" cy="2507289"/>
+            <a:off x="7027419" y="1416643"/>
+            <a:ext cx="3933159" cy="2507289"/>
           </a:xfrm>
           <a:prstGeom prst="rect">
             <a:avLst/>
@@ -11436,7 +11451,7 @@
               </a:buClr>
             </a:pPr>
             <a:r>
-              <a:rPr lang="ru-RU" sz="2800" b="1" dirty="0" smtClean="0">
+              <a:rPr lang="ru-RU" sz="2800" b="1" dirty="0">
                 <a:solidFill>
                   <a:schemeClr val="bg2"/>
                 </a:solidFill>
@@ -11444,7 +11459,7 @@
               <a:t>Вмъкване</a:t>
             </a:r>
             <a:r>
-              <a:rPr lang="ru-RU" sz="2800" dirty="0" smtClean="0">
+              <a:rPr lang="ru-RU" sz="2800" dirty="0">
                 <a:solidFill>
                   <a:schemeClr val="bg2"/>
                 </a:solidFill>
@@ -11452,9 +11467,9 @@
               <a:t> на </a:t>
             </a:r>
             <a:r>
-              <a:rPr lang="ru-RU" sz="2800" b="1" dirty="0" smtClean="0">
+              <a:rPr lang="ru-RU" sz="2800" b="1" dirty="0">
                 <a:solidFill>
-                  <a:schemeClr val="bg1">
+                  <a:schemeClr val="accent1">
                     <a:lumMod val="60000"/>
                     <a:lumOff val="40000"/>
                   </a:schemeClr>
@@ -11463,7 +11478,7 @@
               <a:t>звук</a:t>
             </a:r>
             <a:r>
-              <a:rPr lang="ru-RU" sz="2800" dirty="0" smtClean="0">
+              <a:rPr lang="ru-RU" sz="2800" dirty="0">
                 <a:solidFill>
                   <a:schemeClr val="bg2"/>
                 </a:solidFill>
@@ -11471,7 +11486,7 @@
               <a:t> в </a:t>
             </a:r>
             <a:r>
-              <a:rPr lang="ru-RU" sz="2800" b="1" dirty="0" smtClean="0">
+              <a:rPr lang="ru-RU" sz="2800" b="1" dirty="0">
                 <a:solidFill>
                   <a:schemeClr val="bg2"/>
                 </a:solidFill>
@@ -11489,7 +11504,7 @@
               </a:buClr>
             </a:pPr>
             <a:r>
-              <a:rPr lang="ru-RU" sz="2800" b="1" dirty="0" smtClean="0">
+              <a:rPr lang="ru-RU" sz="2800" b="1" dirty="0">
                 <a:solidFill>
                   <a:schemeClr val="bg2"/>
                 </a:solidFill>
@@ -11497,7 +11512,7 @@
               <a:t>Основни елементи </a:t>
             </a:r>
             <a:r>
-              <a:rPr lang="ru-RU" sz="2800" dirty="0" smtClean="0">
+              <a:rPr lang="ru-RU" sz="2800" dirty="0">
                 <a:solidFill>
                   <a:schemeClr val="bg2"/>
                 </a:solidFill>
@@ -11505,7 +11520,7 @@
               <a:t>на </a:t>
             </a:r>
             <a:r>
-              <a:rPr lang="ru-RU" sz="2800" b="1" dirty="0" smtClean="0">
+              <a:rPr lang="ru-RU" sz="2800" b="1" dirty="0">
                 <a:solidFill>
                   <a:schemeClr val="bg2"/>
                 </a:solidFill>
@@ -11513,7 +11528,7 @@
               <a:t>звукозаписа</a:t>
             </a:r>
             <a:r>
-              <a:rPr lang="ru-RU" sz="2800" dirty="0" smtClean="0">
+              <a:rPr lang="ru-RU" sz="2800" dirty="0">
                 <a:solidFill>
                   <a:schemeClr val="bg2"/>
                 </a:solidFill>
@@ -11521,7 +11536,18 @@
               <a:t> в </a:t>
             </a:r>
             <a:r>
-              <a:rPr lang="en-US" sz="2800" b="1" dirty="0" smtClean="0">
+              <a:rPr lang="en-US" sz="2800" b="1" dirty="0">
+                <a:solidFill>
+                  <a:schemeClr val="accent1">
+                    <a:lumMod val="60000"/>
+                    <a:lumOff val="40000"/>
+                  </a:schemeClr>
+                </a:solidFill>
+              </a:rPr>
+              <a:t>MS</a:t>
+            </a:r>
+            <a:r>
+              <a:rPr lang="en-US" sz="2800" b="1" dirty="0">
                 <a:solidFill>
                   <a:schemeClr val="bg1">
                     <a:lumMod val="60000"/>
@@ -11529,7 +11555,18 @@
                   </a:schemeClr>
                 </a:solidFill>
               </a:rPr>
-              <a:t>MS PowerPoint</a:t>
+              <a:t> </a:t>
+            </a:r>
+            <a:r>
+              <a:rPr lang="en-US" sz="2800" b="1" dirty="0">
+                <a:solidFill>
+                  <a:schemeClr val="accent1">
+                    <a:lumMod val="60000"/>
+                    <a:lumOff val="40000"/>
+                  </a:schemeClr>
+                </a:solidFill>
+              </a:rPr>
+              <a:t>PowerPoint</a:t>
             </a:r>
           </a:p>
           <a:p>
@@ -11542,7 +11579,7 @@
               </a:buClr>
             </a:pPr>
             <a:r>
-              <a:rPr lang="bg-BG" sz="2800" b="1" dirty="0" smtClean="0">
+              <a:rPr lang="bg-BG" sz="2800" b="1" dirty="0">
                 <a:solidFill>
                   <a:schemeClr val="bg2"/>
                 </a:solidFill>
@@ -11550,7 +11587,7 @@
               <a:t>Настройки</a:t>
             </a:r>
             <a:r>
-              <a:rPr lang="bg-BG" sz="2800" dirty="0" smtClean="0">
+              <a:rPr lang="bg-BG" sz="2800" dirty="0">
                 <a:solidFill>
                   <a:schemeClr val="bg2"/>
                 </a:solidFill>
@@ -11558,7 +11595,7 @@
               <a:t> на </a:t>
             </a:r>
             <a:r>
-              <a:rPr lang="bg-BG" sz="2800" b="1" dirty="0" smtClean="0">
+              <a:rPr lang="bg-BG" sz="2800" b="1" dirty="0">
                 <a:solidFill>
                   <a:schemeClr val="bg2"/>
                 </a:solidFill>
@@ -11576,7 +11613,7 @@
               </a:buClr>
             </a:pPr>
             <a:r>
-              <a:rPr lang="bg-BG" sz="2800" b="1" dirty="0" smtClean="0">
+              <a:rPr lang="bg-BG" sz="2800" b="1" dirty="0">
                 <a:solidFill>
                   <a:schemeClr val="bg2"/>
                 </a:solidFill>
@@ -11584,7 +11621,7 @@
               <a:t>Избиране</a:t>
             </a:r>
             <a:r>
-              <a:rPr lang="bg-BG" sz="2800" dirty="0" smtClean="0">
+              <a:rPr lang="bg-BG" sz="2800" dirty="0">
                 <a:solidFill>
                   <a:schemeClr val="bg2"/>
                 </a:solidFill>
@@ -11592,9 +11629,9 @@
               <a:t> на готиви </a:t>
             </a:r>
             <a:r>
-              <a:rPr lang="bg-BG" sz="2800" b="1" dirty="0" smtClean="0">
+              <a:rPr lang="bg-BG" sz="2800" b="1" dirty="0">
                 <a:solidFill>
-                  <a:schemeClr val="bg1">
+                  <a:schemeClr val="accent1">
                     <a:lumMod val="60000"/>
                     <a:lumOff val="40000"/>
                   </a:schemeClr>
@@ -11603,7 +11640,7 @@
               <a:t>дизайни</a:t>
             </a:r>
             <a:r>
-              <a:rPr lang="bg-BG" sz="2800" dirty="0" smtClean="0">
+              <a:rPr lang="bg-BG" sz="2800" dirty="0">
                 <a:solidFill>
                   <a:schemeClr val="bg2"/>
                 </a:solidFill>
@@ -11611,7 +11648,7 @@
               <a:t> за </a:t>
             </a:r>
             <a:r>
-              <a:rPr lang="bg-BG" sz="2800" b="1" dirty="0" smtClean="0">
+              <a:rPr lang="bg-BG" sz="2800" b="1" dirty="0">
                 <a:solidFill>
                   <a:schemeClr val="bg2"/>
                 </a:solidFill>
@@ -11629,7 +11666,7 @@
               </a:buClr>
             </a:pPr>
             <a:r>
-              <a:rPr lang="bg-BG" sz="2800" b="1" dirty="0" smtClean="0">
+              <a:rPr lang="bg-BG" sz="2800" b="1" dirty="0">
                 <a:solidFill>
                   <a:schemeClr val="bg2"/>
                 </a:solidFill>
@@ -11637,14 +11674,14 @@
               <a:t>Допълнителни опции </a:t>
             </a:r>
             <a:r>
-              <a:rPr lang="bg-BG" sz="2800" dirty="0" smtClean="0">
+              <a:rPr lang="bg-BG" sz="2800" dirty="0">
                 <a:solidFill>
                   <a:schemeClr val="bg2"/>
                 </a:solidFill>
               </a:rPr>
               <a:t>при дизайните</a:t>
             </a:r>
-            <a:endParaRPr lang="en-US" sz="2800" dirty="0" smtClean="0">
+            <a:endParaRPr lang="en-US" sz="2800" dirty="0">
               <a:solidFill>
                 <a:schemeClr val="bg2"/>
               </a:solidFill>
@@ -12043,7 +12080,7 @@
                 <a:hlinkClick r:id="rId3">
                   <a:extLst>
                     <a:ext uri="{A12FA001-AC4F-418D-AE19-62706E023703}">
-                      <ahyp:hlinkClr xmlns:ahyp="http://schemas.microsoft.com/office/drawing/2018/hyperlinkcolor" xmlns="" val="tx"/>
+                      <ahyp:hlinkClr xmlns:ahyp="http://schemas.microsoft.com/office/drawing/2018/hyperlinkcolor" val="tx"/>
                     </a:ext>
                   </a:extLst>
                 </a:hlinkClick>
@@ -12116,13 +12153,6 @@
       <p:transition spd="slow" advClick="0" advTm="5000"/>
     </mc:Fallback>
   </mc:AlternateContent>
-  <p:timing>
-    <p:tnLst>
-      <p:par>
-        <p:cTn id="1" dur="indefinite" restart="never" nodeType="tmRoot"/>
-      </p:par>
-    </p:tnLst>
-  </p:timing>
 </p:sld>
 </file>
 
@@ -12506,13 +12536,6 @@
       <p:transition spd="slow" advClick="0" advTm="5000"/>
     </mc:Fallback>
   </mc:AlternateContent>
-  <p:timing>
-    <p:tnLst>
-      <p:par>
-        <p:cTn id="1" dur="indefinite" restart="never" nodeType="tmRoot"/>
-      </p:par>
-    </p:tnLst>
-  </p:timing>
 </p:sld>
 </file>
 
@@ -12684,30 +12707,30 @@
           <a:lstStyle/>
           <a:p>
             <a:r>
-              <a:rPr lang="bg-BG" dirty="0" smtClean="0"/>
+              <a:rPr lang="bg-BG" dirty="0"/>
               <a:t>͏Вмъкване на </a:t>
             </a:r>
             <a:r>
-              <a:rPr lang="bg-BG" b="1" dirty="0" smtClean="0"/>
+              <a:rPr lang="bg-BG" b="1" dirty="0"/>
               <a:t>звук</a:t>
             </a:r>
-            <a:endParaRPr lang="en-US" b="1" dirty="0" smtClean="0"/>
-          </a:p>
-          <a:p>
-            <a:r>
-              <a:rPr lang="bg-BG" dirty="0" smtClean="0"/>
+            <a:endParaRPr lang="en-US" b="1" dirty="0"/>
+          </a:p>
+          <a:p>
+            <a:r>
+              <a:rPr lang="bg-BG" dirty="0"/>
               <a:t>͏</a:t>
             </a:r>
             <a:r>
-              <a:rPr lang="bg-BG" b="1" dirty="0" smtClean="0"/>
+              <a:rPr lang="bg-BG" b="1" dirty="0"/>
               <a:t>Настройки</a:t>
             </a:r>
             <a:r>
-              <a:rPr lang="bg-BG" dirty="0" smtClean="0"/>
+              <a:rPr lang="bg-BG" dirty="0"/>
               <a:t> на </a:t>
             </a:r>
             <a:r>
-              <a:rPr lang="bg-BG" b="1" dirty="0" smtClean="0"/>
+              <a:rPr lang="bg-BG" b="1" dirty="0"/>
               <a:t>дизайна</a:t>
             </a:r>
           </a:p>
@@ -12926,16 +12949,12 @@
           <a:lstStyle/>
           <a:p>
             <a:r>
-              <a:rPr lang="bg-BG" dirty="0" smtClean="0"/>
+              <a:rPr lang="bg-BG" dirty="0"/>
               <a:t>Използване на </a:t>
             </a:r>
             <a:r>
-              <a:rPr lang="bg-BG" smtClean="0"/>
-              <a:t>звукови </a:t>
-            </a:r>
-            <a:r>
-              <a:rPr lang="bg-BG" smtClean="0"/>
-              <a:t>файлове и ефекти</a:t>
+              <a:rPr lang="bg-BG"/>
+              <a:t>звукови файлове и ефекти</a:t>
             </a:r>
             <a:endParaRPr lang="en-US" dirty="0"/>
           </a:p>
@@ -12958,11 +12977,7 @@
           <a:p>
             <a:r>
               <a:rPr lang="bg-BG" dirty="0"/>
-              <a:t>͏Вмъкване на </a:t>
-            </a:r>
-            <a:r>
-              <a:rPr lang="bg-BG" dirty="0" smtClean="0"/>
-              <a:t>звук</a:t>
+              <a:t>͏Вмъкване на звук</a:t>
             </a:r>
             <a:endParaRPr lang="en-US" dirty="0"/>
           </a:p>
@@ -13027,13 +13042,6 @@
       <p:transition spd="slow" advClick="0" advTm="5000"/>
     </mc:Fallback>
   </mc:AlternateContent>
-  <p:timing>
-    <p:tnLst>
-      <p:par>
-        <p:cTn id="1" dur="indefinite" restart="never" nodeType="tmRoot"/>
-      </p:par>
-    </p:tnLst>
-  </p:timing>
 </p:sld>
 </file>
 
@@ -13075,49 +13083,49 @@
           <a:lstStyle/>
           <a:p>
             <a:r>
-              <a:rPr lang="bg-BG" dirty="0" smtClean="0"/>
+              <a:rPr lang="bg-BG" dirty="0"/>
               <a:t>При </a:t>
             </a:r>
             <a:r>
-              <a:rPr lang="bg-BG" b="1" dirty="0" smtClean="0"/>
+              <a:rPr lang="bg-BG" b="1" dirty="0"/>
               <a:t>създаване</a:t>
             </a:r>
             <a:r>
-              <a:rPr lang="bg-BG" dirty="0" smtClean="0"/>
+              <a:rPr lang="bg-BG" dirty="0"/>
               <a:t> на </a:t>
             </a:r>
             <a:r>
-              <a:rPr lang="bg-BG" b="1" dirty="0" smtClean="0"/>
+              <a:rPr lang="bg-BG" b="1" dirty="0"/>
               <a:t>презентация</a:t>
             </a:r>
             <a:r>
-              <a:rPr lang="bg-BG" dirty="0" smtClean="0"/>
+              <a:rPr lang="bg-BG" dirty="0"/>
               <a:t> често се налага </a:t>
             </a:r>
             <a:r>
-              <a:rPr lang="bg-BG" b="1" dirty="0" smtClean="0"/>
+              <a:rPr lang="bg-BG" b="1" dirty="0"/>
               <a:t>използването</a:t>
             </a:r>
             <a:r>
-              <a:rPr lang="bg-BG" dirty="0" smtClean="0"/>
+              <a:rPr lang="bg-BG" dirty="0"/>
               <a:t> на </a:t>
             </a:r>
             <a:r>
-              <a:rPr lang="bg-BG" b="1" dirty="0" smtClean="0"/>
+              <a:rPr lang="bg-BG" b="1" dirty="0"/>
               <a:t>звукови ефекти</a:t>
             </a:r>
           </a:p>
           <a:p>
             <a:r>
-              <a:rPr lang="bg-BG" dirty="0" smtClean="0"/>
+              <a:rPr lang="bg-BG" dirty="0"/>
               <a:t>Звук се вмъква от бутона </a:t>
             </a:r>
             <a:r>
-              <a:rPr lang="en-US" dirty="0" smtClean="0"/>
+              <a:rPr lang="en-US" dirty="0"/>
               <a:t>[</a:t>
             </a:r>
             <a:r>
-              <a:rPr lang="en-US" b="1" dirty="0" smtClean="0">
+              <a:rPr lang="en-US" b="1" dirty="0">
                 <a:solidFill>
                   <a:schemeClr val="bg1"/>
                 </a:solidFill>
@@ -13125,19 +13133,19 @@
               <a:t>Audio</a:t>
             </a:r>
             <a:r>
-              <a:rPr lang="en-US" dirty="0" smtClean="0"/>
+              <a:rPr lang="en-US" dirty="0"/>
               <a:t>] </a:t>
             </a:r>
             <a:r>
-              <a:rPr lang="bg-BG" dirty="0" smtClean="0"/>
+              <a:rPr lang="bg-BG" dirty="0"/>
               <a:t>от </a:t>
             </a:r>
             <a:r>
-              <a:rPr lang="bg-BG" b="1" dirty="0" smtClean="0"/>
+              <a:rPr lang="bg-BG" b="1" dirty="0"/>
               <a:t>панела </a:t>
             </a:r>
             <a:r>
-              <a:rPr lang="en-US" b="1" dirty="0" smtClean="0">
+              <a:rPr lang="en-US" b="1" dirty="0">
                 <a:solidFill>
                   <a:schemeClr val="bg1"/>
                 </a:solidFill>
@@ -13145,26 +13153,26 @@
               <a:t>Media</a:t>
             </a:r>
             <a:r>
-              <a:rPr lang="en-US" b="1" dirty="0" smtClean="0"/>
+              <a:rPr lang="en-US" b="1" dirty="0"/>
               <a:t> </a:t>
             </a:r>
             <a:r>
-              <a:rPr lang="bg-BG" dirty="0" smtClean="0"/>
+              <a:rPr lang="bg-BG" dirty="0"/>
               <a:t>на </a:t>
             </a:r>
             <a:r>
-              <a:rPr lang="bg-BG" b="1" dirty="0" smtClean="0"/>
+              <a:rPr lang="bg-BG" b="1" dirty="0"/>
               <a:t>менюто </a:t>
             </a:r>
             <a:r>
-              <a:rPr lang="en-US" b="1" dirty="0" smtClean="0">
+              <a:rPr lang="en-US" b="1" dirty="0">
                 <a:solidFill>
                   <a:schemeClr val="bg1"/>
                 </a:solidFill>
               </a:rPr>
               <a:t>Insert</a:t>
             </a:r>
-            <a:endParaRPr lang="bg-BG" b="1" dirty="0" smtClean="0">
+            <a:endParaRPr lang="bg-BG" b="1" dirty="0">
               <a:solidFill>
                 <a:schemeClr val="bg1"/>
               </a:solidFill>
@@ -13172,45 +13180,45 @@
           </a:p>
           <a:p>
             <a:r>
-              <a:rPr lang="bg-BG" dirty="0" smtClean="0"/>
+              <a:rPr lang="bg-BG" dirty="0"/>
               <a:t>От </a:t>
             </a:r>
             <a:r>
-              <a:rPr lang="bg-BG" b="1" dirty="0" smtClean="0"/>
+              <a:rPr lang="bg-BG" b="1" dirty="0"/>
               <a:t>падащото меню </a:t>
             </a:r>
             <a:r>
-              <a:rPr lang="bg-BG" dirty="0" smtClean="0"/>
+              <a:rPr lang="bg-BG" dirty="0"/>
               <a:t>можете да </a:t>
             </a:r>
             <a:r>
-              <a:rPr lang="bg-BG" b="1" dirty="0" smtClean="0"/>
+              <a:rPr lang="bg-BG" b="1" dirty="0"/>
               <a:t>изберете</a:t>
             </a:r>
             <a:r>
-              <a:rPr lang="bg-BG" dirty="0" smtClean="0"/>
+              <a:rPr lang="bg-BG" dirty="0"/>
               <a:t> дали да:</a:t>
             </a:r>
           </a:p>
           <a:p>
             <a:pPr lvl="1"/>
             <a:r>
-              <a:rPr lang="bg-BG" b="1" dirty="0" smtClean="0"/>
+              <a:rPr lang="bg-BG" b="1" dirty="0"/>
               <a:t>Вмъкнете</a:t>
             </a:r>
             <a:r>
-              <a:rPr lang="bg-BG" dirty="0" smtClean="0"/>
+              <a:rPr lang="bg-BG" dirty="0"/>
               <a:t> файл от вашия компютър</a:t>
             </a:r>
           </a:p>
           <a:p>
             <a:pPr lvl="1"/>
             <a:r>
-              <a:rPr lang="bg-BG" b="1" dirty="0" smtClean="0"/>
+              <a:rPr lang="bg-BG" b="1" dirty="0"/>
               <a:t>Запишете</a:t>
             </a:r>
             <a:r>
-              <a:rPr lang="bg-BG" dirty="0" smtClean="0"/>
+              <a:rPr lang="bg-BG" dirty="0"/>
               <a:t> аудио директно в слайда</a:t>
             </a:r>
             <a:endParaRPr lang="en-US" dirty="0"/>
@@ -13233,7 +13241,7 @@
           <a:lstStyle/>
           <a:p>
             <a:r>
-              <a:rPr lang="bg-BG" dirty="0" smtClean="0"/>
+              <a:rPr lang="bg-BG" dirty="0"/>
               <a:t>Вмъкване на звук в презентация</a:t>
             </a:r>
             <a:endParaRPr lang="en-US" dirty="0"/>
@@ -14043,54 +14051,54 @@
           <a:lstStyle/>
           <a:p>
             <a:r>
-              <a:rPr lang="bg-BG" dirty="0" smtClean="0"/>
+              <a:rPr lang="bg-BG" dirty="0"/>
               <a:t>Като вмъкнете </a:t>
             </a:r>
             <a:r>
-              <a:rPr lang="bg-BG" b="1" dirty="0" smtClean="0"/>
+              <a:rPr lang="bg-BG" b="1" dirty="0"/>
               <a:t>аудио файл</a:t>
             </a:r>
             <a:r>
-              <a:rPr lang="bg-BG" dirty="0" smtClean="0"/>
+              <a:rPr lang="bg-BG" dirty="0"/>
               <a:t>, се </a:t>
             </a:r>
             <a:r>
-              <a:rPr lang="bg-BG" b="1" dirty="0" smtClean="0"/>
+              <a:rPr lang="bg-BG" b="1" dirty="0"/>
               <a:t>появява изображение </a:t>
             </a:r>
             <a:r>
-              <a:rPr lang="bg-BG" dirty="0" smtClean="0"/>
+              <a:rPr lang="bg-BG" dirty="0"/>
               <a:t>на </a:t>
             </a:r>
             <a:r>
-              <a:rPr lang="bg-BG" b="1" dirty="0" smtClean="0"/>
+              <a:rPr lang="bg-BG" b="1" dirty="0"/>
               <a:t>високоговорител</a:t>
             </a:r>
             <a:r>
-              <a:rPr lang="bg-BG" dirty="0" smtClean="0"/>
+              <a:rPr lang="bg-BG" dirty="0"/>
               <a:t> и </a:t>
             </a:r>
             <a:r>
-              <a:rPr lang="bg-BG" b="1" dirty="0" smtClean="0"/>
+              <a:rPr lang="bg-BG" b="1" dirty="0"/>
               <a:t>лента</a:t>
             </a:r>
             <a:r>
-              <a:rPr lang="bg-BG" dirty="0" smtClean="0"/>
+              <a:rPr lang="bg-BG" dirty="0"/>
               <a:t> за </a:t>
             </a:r>
             <a:r>
-              <a:rPr lang="bg-BG" b="1" dirty="0" smtClean="0"/>
+              <a:rPr lang="bg-BG" b="1" dirty="0"/>
               <a:t>управнелние</a:t>
             </a:r>
             <a:r>
-              <a:rPr lang="bg-BG" dirty="0" smtClean="0"/>
+              <a:rPr lang="bg-BG" dirty="0"/>
               <a:t> на </a:t>
             </a:r>
             <a:r>
-              <a:rPr lang="bg-BG" b="1" dirty="0" smtClean="0"/>
+              <a:rPr lang="bg-BG" b="1" dirty="0"/>
               <a:t>записа</a:t>
             </a:r>
-            <a:endParaRPr lang="en-US" b="1" dirty="0" smtClean="0"/>
+            <a:endParaRPr lang="en-US" b="1" dirty="0"/>
           </a:p>
         </p:txBody>
       </p:sp>
@@ -14208,7 +14216,7 @@
           <a:p>
             <a:pPr algn="ctr"/>
             <a:r>
-              <a:rPr lang="bg-BG" sz="2800" b="1" dirty="0" smtClean="0">
+              <a:rPr lang="bg-BG" sz="2800" b="1" dirty="0">
                 <a:solidFill>
                   <a:srgbClr val="FFFFFF"/>
                 </a:solidFill>
@@ -14297,7 +14305,7 @@
           <a:p>
             <a:pPr algn="ctr"/>
             <a:r>
-              <a:rPr lang="bg-BG" sz="2800" b="1" dirty="0" smtClean="0">
+              <a:rPr lang="bg-BG" sz="2800" b="1" dirty="0">
                 <a:solidFill>
                   <a:srgbClr val="FFFFFF"/>
                 </a:solidFill>
@@ -14386,7 +14394,7 @@
           <a:p>
             <a:pPr algn="ctr"/>
             <a:r>
-              <a:rPr lang="bg-BG" sz="2800" b="1" dirty="0" smtClean="0">
+              <a:rPr lang="bg-BG" sz="2800" b="1" dirty="0">
                 <a:solidFill>
                   <a:srgbClr val="FFFFFF"/>
                 </a:solidFill>
@@ -14475,7 +14483,7 @@
           <a:p>
             <a:pPr algn="ctr"/>
             <a:r>
-              <a:rPr lang="bg-BG" sz="2800" b="1" dirty="0" smtClean="0">
+              <a:rPr lang="bg-BG" sz="2800" b="1" dirty="0">
                 <a:solidFill>
                   <a:srgbClr val="FFFFFF"/>
                 </a:solidFill>
@@ -14564,7 +14572,7 @@
           <a:p>
             <a:pPr algn="ctr"/>
             <a:r>
-              <a:rPr lang="bg-BG" sz="2800" b="1" dirty="0" smtClean="0">
+              <a:rPr lang="bg-BG" sz="2800" b="1" dirty="0">
                 <a:solidFill>
                   <a:srgbClr val="FFFFFF"/>
                 </a:solidFill>
@@ -14983,59 +14991,59 @@
           <a:lstStyle/>
           <a:p>
             <a:r>
-              <a:rPr lang="bg-BG" dirty="0" smtClean="0"/>
+              <a:rPr lang="bg-BG" dirty="0"/>
               <a:t>Може да </a:t>
             </a:r>
             <a:r>
-              <a:rPr lang="bg-BG" b="1" dirty="0" smtClean="0"/>
+              <a:rPr lang="bg-BG" b="1" dirty="0"/>
               <a:t>управлявате записа</a:t>
             </a:r>
             <a:r>
-              <a:rPr lang="bg-BG" dirty="0" smtClean="0"/>
+              <a:rPr lang="bg-BG" dirty="0"/>
               <a:t>, когато сте в </a:t>
             </a:r>
             <a:r>
-              <a:rPr lang="bg-BG" b="1" dirty="0" smtClean="0"/>
+              <a:rPr lang="bg-BG" b="1" dirty="0"/>
               <a:t>слайдшоу</a:t>
             </a:r>
             <a:r>
-              <a:rPr lang="bg-BG" dirty="0" smtClean="0"/>
+              <a:rPr lang="bg-BG" dirty="0"/>
               <a:t>, като </a:t>
             </a:r>
             <a:r>
-              <a:rPr lang="bg-BG" b="1" dirty="0" smtClean="0"/>
+              <a:rPr lang="bg-BG" b="1" dirty="0"/>
               <a:t>минете</a:t>
             </a:r>
             <a:r>
-              <a:rPr lang="bg-BG" dirty="0" smtClean="0"/>
+              <a:rPr lang="bg-BG" dirty="0"/>
               <a:t> с </a:t>
             </a:r>
             <a:r>
-              <a:rPr lang="bg-BG" b="1" dirty="0" smtClean="0"/>
+              <a:rPr lang="bg-BG" b="1" dirty="0"/>
               <a:t>мишката</a:t>
             </a:r>
             <a:r>
-              <a:rPr lang="bg-BG" dirty="0" smtClean="0"/>
+              <a:rPr lang="bg-BG" dirty="0"/>
               <a:t> над</a:t>
             </a:r>
             <a:r>
-              <a:rPr lang="bg-BG" b="1" dirty="0" smtClean="0"/>
+              <a:rPr lang="bg-BG" b="1" dirty="0"/>
               <a:t> </a:t>
             </a:r>
             <a:r>
-              <a:rPr lang="bg-BG" dirty="0" smtClean="0"/>
+              <a:rPr lang="bg-BG" dirty="0"/>
               <a:t>иконката</a:t>
             </a:r>
             <a:r>
-              <a:rPr lang="bg-BG" b="1" dirty="0" smtClean="0"/>
+              <a:rPr lang="bg-BG" b="1" dirty="0"/>
               <a:t> </a:t>
             </a:r>
             <a:r>
-              <a:rPr lang="bg-BG" dirty="0" smtClean="0"/>
+              <a:rPr lang="bg-BG" dirty="0"/>
               <a:t>на </a:t>
             </a:r>
             <a:r>
-              <a:rPr lang="bg-BG" b="1" dirty="0" smtClean="0"/>
+              <a:rPr lang="bg-BG" b="1" dirty="0"/>
               <a:t>високоговорител</a:t>
             </a:r>
             <a:endParaRPr lang="en-US" b="1" dirty="0"/>
@@ -15058,7 +15066,7 @@
           <a:lstStyle/>
           <a:p>
             <a:r>
-              <a:rPr lang="bg-BG" dirty="0" smtClean="0"/>
+              <a:rPr lang="bg-BG" dirty="0"/>
               <a:t>Използване на звук в слайдшоу</a:t>
             </a:r>
             <a:endParaRPr lang="en-US" dirty="0"/>
@@ -15230,6 +15238,43 @@
           <a:chExt cx="0" cy="0"/>
         </a:xfrm>
       </p:grpSpPr>
+      <p:pic>
+        <p:nvPicPr>
+          <p:cNvPr id="6" name="Picture 5">
+            <a:extLst>
+              <a:ext uri="{FF2B5EF4-FFF2-40B4-BE49-F238E27FC236}">
+                <a16:creationId xmlns:a16="http://schemas.microsoft.com/office/drawing/2014/main" id="{7BBDD2C1-FCAA-CD6D-F56D-38C0BECE4EB7}"/>
+              </a:ext>
+            </a:extLst>
+          </p:cNvPr>
+          <p:cNvPicPr>
+            <a:picLocks noChangeAspect="1"/>
+          </p:cNvPicPr>
+          <p:nvPr/>
+        </p:nvPicPr>
+        <p:blipFill>
+          <a:blip r:embed="rId2"/>
+          <a:stretch>
+            <a:fillRect/>
+          </a:stretch>
+        </p:blipFill>
+        <p:spPr>
+          <a:xfrm>
+            <a:off x="684919" y="4510596"/>
+            <a:ext cx="10822161" cy="1798404"/>
+          </a:xfrm>
+          <a:prstGeom prst="rect">
+            <a:avLst/>
+          </a:prstGeom>
+          <a:ln>
+            <a:solidFill>
+              <a:schemeClr val="bg2">
+                <a:lumMod val="75000"/>
+              </a:schemeClr>
+            </a:solidFill>
+          </a:ln>
+        </p:spPr>
+      </p:pic>
       <p:sp>
         <p:nvSpPr>
           <p:cNvPr id="2" name="Slide Number Placeholder 1"/>
@@ -15270,65 +15315,65 @@
           <a:lstStyle/>
           <a:p>
             <a:r>
-              <a:rPr lang="bg-BG" dirty="0" smtClean="0"/>
+              <a:rPr lang="bg-BG" dirty="0"/>
               <a:t>След като </a:t>
             </a:r>
             <a:r>
-              <a:rPr lang="bg-BG" b="1" dirty="0" smtClean="0"/>
+              <a:rPr lang="bg-BG" b="1" dirty="0"/>
               <a:t>щракнете</a:t>
             </a:r>
             <a:r>
-              <a:rPr lang="bg-BG" dirty="0" smtClean="0"/>
+              <a:rPr lang="bg-BG" dirty="0"/>
               <a:t> върху </a:t>
             </a:r>
             <a:r>
-              <a:rPr lang="bg-BG" b="1" dirty="0" smtClean="0"/>
+              <a:rPr lang="bg-BG" b="1" dirty="0"/>
               <a:t>изображението</a:t>
             </a:r>
             <a:r>
-              <a:rPr lang="bg-BG" dirty="0" smtClean="0"/>
+              <a:rPr lang="bg-BG" dirty="0"/>
               <a:t>, се появяват две нови менюто:</a:t>
             </a:r>
           </a:p>
           <a:p>
             <a:pPr lvl="1"/>
             <a:r>
-              <a:rPr lang="en-US" b="1" dirty="0" smtClean="0"/>
+              <a:rPr lang="en-US" b="1" dirty="0"/>
               <a:t>͏</a:t>
             </a:r>
             <a:r>
-              <a:rPr lang="en-US" b="1" dirty="0" smtClean="0">
+              <a:rPr lang="en-US" b="1" dirty="0">
                 <a:solidFill>
                   <a:schemeClr val="bg1"/>
                 </a:solidFill>
               </a:rPr>
-              <a:t>Format</a:t>
-            </a:r>
-            <a:r>
-              <a:rPr lang="en-US" dirty="0" smtClean="0"/>
+              <a:t>Audio Format</a:t>
+            </a:r>
+            <a:r>
+              <a:rPr lang="en-US" dirty="0"/>
               <a:t> </a:t>
             </a:r>
             <a:r>
-              <a:rPr lang="bg-BG" dirty="0" smtClean="0"/>
+              <a:rPr lang="bg-BG" dirty="0"/>
               <a:t>(</a:t>
             </a:r>
             <a:r>
-              <a:rPr lang="bg-BG" b="1" dirty="0" smtClean="0"/>
+              <a:rPr lang="bg-BG" b="1" dirty="0"/>
               <a:t>Аудиоформат</a:t>
             </a:r>
             <a:r>
-              <a:rPr lang="bg-BG" dirty="0" smtClean="0"/>
+              <a:rPr lang="bg-BG" dirty="0"/>
               <a:t>)</a:t>
             </a:r>
           </a:p>
           <a:p>
             <a:pPr lvl="1"/>
             <a:r>
-              <a:rPr lang="en-US" b="1" dirty="0" smtClean="0"/>
+              <a:rPr lang="en-US" b="1" dirty="0"/>
               <a:t>͏</a:t>
             </a:r>
             <a:r>
-              <a:rPr lang="en-US" b="1" dirty="0" smtClean="0">
+              <a:rPr lang="en-US" b="1" dirty="0">
                 <a:solidFill>
                   <a:schemeClr val="bg1"/>
                 </a:solidFill>
@@ -15336,15 +15381,15 @@
               <a:t>Playback</a:t>
             </a:r>
             <a:r>
-              <a:rPr lang="bg-BG" dirty="0" smtClean="0"/>
+              <a:rPr lang="bg-BG" dirty="0"/>
               <a:t> (</a:t>
             </a:r>
             <a:r>
-              <a:rPr lang="bg-BG" b="1" dirty="0" smtClean="0"/>
+              <a:rPr lang="bg-BG" b="1" dirty="0"/>
               <a:t>Възпроизвеждане</a:t>
             </a:r>
             <a:r>
-              <a:rPr lang="bg-BG" dirty="0" smtClean="0"/>
+              <a:rPr lang="bg-BG" dirty="0"/>
               <a:t>)</a:t>
             </a:r>
             <a:endParaRPr lang="en-US" dirty="0"/>
@@ -15367,54 +15412,25 @@
           <a:lstStyle/>
           <a:p>
             <a:r>
-              <a:rPr lang="bg-BG" dirty="0" smtClean="0"/>
+              <a:rPr lang="bg-BG" dirty="0"/>
               <a:t>Редактиране на звук </a:t>
             </a:r>
             <a:endParaRPr lang="en-US" dirty="0"/>
           </a:p>
         </p:txBody>
       </p:sp>
-      <p:pic>
-        <p:nvPicPr>
-          <p:cNvPr id="7" name="Picture 6"/>
-          <p:cNvPicPr>
-            <a:picLocks noChangeAspect="1"/>
-          </p:cNvPicPr>
-          <p:nvPr/>
-        </p:nvPicPr>
-        <p:blipFill>
-          <a:blip r:embed="rId2"/>
-          <a:stretch>
-            <a:fillRect/>
-          </a:stretch>
-        </p:blipFill>
-        <p:spPr>
-          <a:xfrm>
-            <a:off x="875970" y="4329000"/>
-            <a:ext cx="10446960" cy="1878949"/>
-          </a:xfrm>
-          <a:prstGeom prst="rect">
-            <a:avLst/>
-          </a:prstGeom>
-          <a:ln>
-            <a:solidFill>
-              <a:schemeClr val="bg2">
-                <a:lumMod val="75000"/>
-              </a:schemeClr>
-            </a:solidFill>
-          </a:ln>
-        </p:spPr>
-      </p:pic>
       <p:cxnSp>
         <p:nvCxnSpPr>
           <p:cNvPr id="9" name="Straight Arrow Connector 8"/>
-          <p:cNvCxnSpPr/>
+          <p:cNvCxnSpPr>
+            <a:cxnSpLocks/>
+          </p:cNvCxnSpPr>
           <p:nvPr/>
         </p:nvCxnSpPr>
         <p:spPr>
           <a:xfrm>
-            <a:off x="8751000" y="3834000"/>
-            <a:ext cx="405000" cy="945000"/>
+            <a:off x="9606000" y="3593461"/>
+            <a:ext cx="180000" cy="1002487"/>
           </a:xfrm>
           <a:prstGeom prst="straightConnector1">
             <a:avLst/>
@@ -15446,7 +15462,7 @@
         </p:nvCxnSpPr>
         <p:spPr>
           <a:xfrm flipH="1">
-            <a:off x="10081965" y="3812058"/>
+            <a:off x="10994501" y="3649689"/>
             <a:ext cx="379035" cy="966942"/>
           </a:xfrm>
           <a:prstGeom prst="straightConnector1">
@@ -15523,51 +15539,6 @@
                                           </p:stCondLst>
                                         </p:cTn>
                                         <p:tgtEl>
-                                          <p:spTgt spid="7"/>
-                                        </p:tgtEl>
-                                        <p:attrNameLst>
-                                          <p:attrName>style.visibility</p:attrName>
-                                        </p:attrNameLst>
-                                      </p:cBhvr>
-                                      <p:to>
-                                        <p:strVal val="visible"/>
-                                      </p:to>
-                                    </p:set>
-                                  </p:childTnLst>
-                                </p:cTn>
-                              </p:par>
-                            </p:childTnLst>
-                          </p:cTn>
-                        </p:par>
-                      </p:childTnLst>
-                    </p:cTn>
-                  </p:par>
-                  <p:par>
-                    <p:cTn id="7" fill="hold">
-                      <p:stCondLst>
-                        <p:cond delay="indefinite"/>
-                      </p:stCondLst>
-                      <p:childTnLst>
-                        <p:par>
-                          <p:cTn id="8" fill="hold">
-                            <p:stCondLst>
-                              <p:cond delay="0"/>
-                            </p:stCondLst>
-                            <p:childTnLst>
-                              <p:par>
-                                <p:cTn id="9" presetID="1" presetClass="entr" presetSubtype="0" fill="hold" nodeType="clickEffect">
-                                  <p:stCondLst>
-                                    <p:cond delay="0"/>
-                                  </p:stCondLst>
-                                  <p:childTnLst>
-                                    <p:set>
-                                      <p:cBhvr>
-                                        <p:cTn id="10" dur="1" fill="hold">
-                                          <p:stCondLst>
-                                            <p:cond delay="0"/>
-                                          </p:stCondLst>
-                                        </p:cTn>
-                                        <p:tgtEl>
                                           <p:spTgt spid="3">
                                             <p:txEl>
                                               <p:pRg st="1" end="1"/>
@@ -15586,14 +15557,14 @@
                                 </p:cTn>
                               </p:par>
                               <p:par>
-                                <p:cTn id="11" presetID="1" presetClass="entr" presetSubtype="0" fill="hold" nodeType="withEffect">
+                                <p:cTn id="7" presetID="1" presetClass="entr" presetSubtype="0" fill="hold" nodeType="withEffect">
                                   <p:stCondLst>
                                     <p:cond delay="0"/>
                                   </p:stCondLst>
                                   <p:childTnLst>
                                     <p:set>
                                       <p:cBhvr>
-                                        <p:cTn id="12" dur="1" fill="hold">
+                                        <p:cTn id="8" dur="1" fill="hold">
                                           <p:stCondLst>
                                             <p:cond delay="0"/>
                                           </p:stCondLst>
@@ -15619,26 +15590,26 @@
                     </p:cTn>
                   </p:par>
                   <p:par>
-                    <p:cTn id="13" fill="hold">
+                    <p:cTn id="9" fill="hold">
                       <p:stCondLst>
                         <p:cond delay="indefinite"/>
                       </p:stCondLst>
                       <p:childTnLst>
                         <p:par>
-                          <p:cTn id="14" fill="hold">
+                          <p:cTn id="10" fill="hold">
                             <p:stCondLst>
                               <p:cond delay="0"/>
                             </p:stCondLst>
                             <p:childTnLst>
                               <p:par>
-                                <p:cTn id="15" presetID="1" presetClass="entr" presetSubtype="0" fill="hold" nodeType="clickEffect">
+                                <p:cTn id="11" presetID="1" presetClass="entr" presetSubtype="0" fill="hold" nodeType="clickEffect">
                                   <p:stCondLst>
                                     <p:cond delay="0"/>
                                   </p:stCondLst>
                                   <p:childTnLst>
                                     <p:set>
                                       <p:cBhvr>
-                                        <p:cTn id="16" dur="1" fill="hold">
+                                        <p:cTn id="12" dur="1" fill="hold">
                                           <p:stCondLst>
                                             <p:cond delay="0"/>
                                           </p:stCondLst>
@@ -15662,14 +15633,14 @@
                                 </p:cTn>
                               </p:par>
                               <p:par>
-                                <p:cTn id="17" presetID="1" presetClass="entr" presetSubtype="0" fill="hold" nodeType="withEffect">
+                                <p:cTn id="13" presetID="1" presetClass="entr" presetSubtype="0" fill="hold" nodeType="withEffect">
                                   <p:stCondLst>
                                     <p:cond delay="0"/>
                                   </p:stCondLst>
                                   <p:childTnLst>
                                     <p:set>
                                       <p:cBhvr>
-                                        <p:cTn id="18" dur="1" fill="hold">
+                                        <p:cTn id="14" dur="1" fill="hold">
                                           <p:stCondLst>
                                             <p:cond delay="0"/>
                                           </p:stCondLst>
@@ -15781,77 +15752,77 @@
           <a:lstStyle/>
           <a:p>
             <a:r>
-              <a:rPr lang="bg-BG" sz="3200" dirty="0" smtClean="0"/>
+              <a:rPr lang="bg-BG" sz="3200" dirty="0"/>
               <a:t>От </a:t>
             </a:r>
             <a:r>
-              <a:rPr lang="bg-BG" sz="3200" b="1" dirty="0" smtClean="0"/>
+              <a:rPr lang="bg-BG" sz="3200" b="1" dirty="0"/>
               <a:t>менюто </a:t>
             </a:r>
             <a:r>
-              <a:rPr lang="en-US" sz="3200" b="1" dirty="0" smtClean="0">
+              <a:rPr lang="en-US" sz="3200" b="1" dirty="0">
                 <a:solidFill>
                   <a:schemeClr val="bg1"/>
                 </a:solidFill>
               </a:rPr>
-              <a:t>Format</a:t>
-            </a:r>
-            <a:r>
-              <a:rPr lang="en-US" sz="3200" b="1" dirty="0" smtClean="0"/>
+              <a:t>Audio Format</a:t>
+            </a:r>
+            <a:r>
+              <a:rPr lang="en-US" sz="3200" b="1" dirty="0"/>
               <a:t> </a:t>
             </a:r>
             <a:r>
-              <a:rPr lang="bg-BG" sz="3200" dirty="0" smtClean="0"/>
+              <a:rPr lang="bg-BG" sz="3200" dirty="0"/>
               <a:t>можете да </a:t>
             </a:r>
             <a:r>
-              <a:rPr lang="bg-BG" sz="3200" b="1" dirty="0" smtClean="0"/>
+              <a:rPr lang="bg-BG" sz="3200" b="1" dirty="0"/>
               <a:t>форматирате изображението </a:t>
             </a:r>
             <a:r>
-              <a:rPr lang="bg-BG" sz="3200" dirty="0" smtClean="0"/>
+              <a:rPr lang="bg-BG" sz="3200" dirty="0"/>
               <a:t>на </a:t>
             </a:r>
             <a:r>
-              <a:rPr lang="bg-BG" sz="3200" b="1" dirty="0" smtClean="0"/>
+              <a:rPr lang="bg-BG" sz="3200" b="1" dirty="0"/>
               <a:t>високоговиртеля</a:t>
             </a:r>
             <a:r>
-              <a:rPr lang="bg-BG" sz="3200" dirty="0" smtClean="0"/>
+              <a:rPr lang="bg-BG" sz="3200" dirty="0"/>
               <a:t> подобно на всяко друго вмъкнато изображение</a:t>
             </a:r>
           </a:p>
           <a:p>
             <a:r>
-              <a:rPr lang="bg-BG" sz="3200" dirty="0" smtClean="0"/>
+              <a:rPr lang="bg-BG" sz="3200" dirty="0"/>
               <a:t>Можете да:</a:t>
             </a:r>
           </a:p>
           <a:p>
             <a:pPr lvl="1"/>
             <a:r>
-              <a:rPr lang="bg-BG" sz="2800" dirty="0" smtClean="0"/>
+              <a:rPr lang="bg-BG" sz="2800" dirty="0"/>
               <a:t>Коригирате цвета</a:t>
             </a:r>
           </a:p>
           <a:p>
             <a:pPr lvl="1"/>
             <a:r>
-              <a:rPr lang="bg-BG" sz="2800" dirty="0" smtClean="0"/>
+              <a:rPr lang="bg-BG" sz="2800" dirty="0"/>
               <a:t>Контраста</a:t>
             </a:r>
           </a:p>
           <a:p>
             <a:pPr lvl="1"/>
             <a:r>
-              <a:rPr lang="bg-BG" sz="2800" dirty="0" smtClean="0"/>
+              <a:rPr lang="bg-BG" sz="2800" dirty="0"/>
               <a:t>Яркостта</a:t>
             </a:r>
           </a:p>
           <a:p>
             <a:pPr lvl="1"/>
             <a:r>
-              <a:rPr lang="bg-BG" sz="2800" dirty="0" smtClean="0"/>
+              <a:rPr lang="bg-BG" sz="2800" dirty="0"/>
               <a:t>...</a:t>
             </a:r>
           </a:p>
@@ -15877,47 +15848,17 @@
           <a:lstStyle/>
           <a:p>
             <a:r>
-              <a:rPr lang="en-US" dirty="0" smtClean="0"/>
-              <a:t>Format</a:t>
-            </a:r>
-            <a:r>
-              <a:rPr lang="bg-BG" dirty="0" smtClean="0"/>
+              <a:rPr lang="en-US" dirty="0"/>
+              <a:t>Audio Format</a:t>
+            </a:r>
+            <a:r>
+              <a:rPr lang="bg-BG" dirty="0"/>
               <a:t> меню</a:t>
             </a:r>
             <a:endParaRPr lang="en-US" dirty="0"/>
           </a:p>
         </p:txBody>
       </p:sp>
-      <p:pic>
-        <p:nvPicPr>
-          <p:cNvPr id="5" name="Picture 4"/>
-          <p:cNvPicPr>
-            <a:picLocks noChangeAspect="1"/>
-          </p:cNvPicPr>
-          <p:nvPr/>
-        </p:nvPicPr>
-        <p:blipFill rotWithShape="1">
-          <a:blip r:embed="rId2"/>
-          <a:srcRect t="3789"/>
-          <a:stretch/>
-        </p:blipFill>
-        <p:spPr>
-          <a:xfrm>
-            <a:off x="476201" y="5574506"/>
-            <a:ext cx="11430000" cy="1049494"/>
-          </a:xfrm>
-          <a:prstGeom prst="rect">
-            <a:avLst/>
-          </a:prstGeom>
-          <a:ln>
-            <a:solidFill>
-              <a:schemeClr val="bg2">
-                <a:lumMod val="75000"/>
-              </a:schemeClr>
-            </a:solidFill>
-          </a:ln>
-        </p:spPr>
-      </p:pic>
       <p:pic>
         <p:nvPicPr>
           <p:cNvPr id="6" name="Picture 5"/>
@@ -15927,7 +15868,7 @@
           <p:nvPr/>
         </p:nvPicPr>
         <p:blipFill rotWithShape="1">
-          <a:blip r:embed="rId3"/>
+          <a:blip r:embed="rId2"/>
           <a:srcRect l="12821" t="2521" r="14103" b="21801"/>
           <a:stretch/>
         </p:blipFill>
@@ -15953,7 +15894,7 @@
           <p:nvPr/>
         </p:nvPicPr>
         <p:blipFill rotWithShape="1">
-          <a:blip r:embed="rId4">
+          <a:blip r:embed="rId3">
             <a:duotone>
               <a:prstClr val="black"/>
               <a:schemeClr val="accent3">
@@ -15964,7 +15905,7 @@
             <a:extLst>
               <a:ext uri="{BEBA8EAE-BF5A-486C-A8C5-ECC9F3942E4B}">
                 <a14:imgProps xmlns:a14="http://schemas.microsoft.com/office/drawing/2010/main">
-                  <a14:imgLayer r:embed="rId5">
+                  <a14:imgLayer r:embed="rId4">
                     <a14:imgEffect>
                       <a14:colorTemperature colorTemp="10781"/>
                     </a14:imgEffect>
@@ -16001,11 +15942,11 @@
           <p:nvPr/>
         </p:nvPicPr>
         <p:blipFill rotWithShape="1">
-          <a:blip r:embed="rId6">
+          <a:blip r:embed="rId5">
             <a:extLst>
               <a:ext uri="{BEBA8EAE-BF5A-486C-A8C5-ECC9F3942E4B}">
                 <a14:imgProps xmlns:a14="http://schemas.microsoft.com/office/drawing/2010/main">
-                  <a14:imgLayer r:embed="rId5">
+                  <a14:imgLayer r:embed="rId4">
                     <a14:imgEffect>
                       <a14:brightnessContrast contrast="-56000"/>
                     </a14:imgEffect>
@@ -16039,11 +15980,11 @@
           <p:nvPr/>
         </p:nvPicPr>
         <p:blipFill rotWithShape="1">
-          <a:blip r:embed="rId7">
+          <a:blip r:embed="rId6">
             <a:extLst>
               <a:ext uri="{BEBA8EAE-BF5A-486C-A8C5-ECC9F3942E4B}">
                 <a14:imgProps xmlns:a14="http://schemas.microsoft.com/office/drawing/2010/main">
-                  <a14:imgLayer r:embed="rId5">
+                  <a14:imgLayer r:embed="rId4">
                     <a14:imgEffect>
                       <a14:brightnessContrast bright="18000"/>
                     </a14:imgEffect>
@@ -16065,6 +16006,43 @@
           </a:prstGeom>
           <a:ln>
             <a:noFill/>
+          </a:ln>
+        </p:spPr>
+      </p:pic>
+      <p:pic>
+        <p:nvPicPr>
+          <p:cNvPr id="11" name="Picture 10">
+            <a:extLst>
+              <a:ext uri="{FF2B5EF4-FFF2-40B4-BE49-F238E27FC236}">
+                <a16:creationId xmlns:a16="http://schemas.microsoft.com/office/drawing/2014/main" id="{8743C6AD-020D-B20F-F3A8-69AB95A14FDB}"/>
+              </a:ext>
+            </a:extLst>
+          </p:cNvPr>
+          <p:cNvPicPr>
+            <a:picLocks noChangeAspect="1"/>
+          </p:cNvPicPr>
+          <p:nvPr/>
+        </p:nvPicPr>
+        <p:blipFill>
+          <a:blip r:embed="rId7"/>
+          <a:stretch>
+            <a:fillRect/>
+          </a:stretch>
+        </p:blipFill>
+        <p:spPr>
+          <a:xfrm>
+            <a:off x="3261000" y="5395244"/>
+            <a:ext cx="8312330" cy="1329647"/>
+          </a:xfrm>
+          <a:prstGeom prst="rect">
+            <a:avLst/>
+          </a:prstGeom>
+          <a:ln>
+            <a:solidFill>
+              <a:schemeClr val="bg2">
+                <a:lumMod val="75000"/>
+              </a:schemeClr>
+            </a:solidFill>
           </a:ln>
         </p:spPr>
       </p:pic>
@@ -16473,7 +16451,7 @@
                                           </p:stCondLst>
                                         </p:cTn>
                                         <p:tgtEl>
-                                          <p:spTgt spid="5"/>
+                                          <p:spTgt spid="11"/>
                                         </p:tgtEl>
                                         <p:attrNameLst>
                                           <p:attrName>style.visibility</p:attrName>
@@ -16534,6 +16512,43 @@
           <a:chExt cx="0" cy="0"/>
         </a:xfrm>
       </p:grpSpPr>
+      <p:pic>
+        <p:nvPicPr>
+          <p:cNvPr id="12" name="Picture 11">
+            <a:extLst>
+              <a:ext uri="{FF2B5EF4-FFF2-40B4-BE49-F238E27FC236}">
+                <a16:creationId xmlns:a16="http://schemas.microsoft.com/office/drawing/2014/main" id="{ADD6F9D1-E412-54F5-B880-2A96FA76BF97}"/>
+              </a:ext>
+            </a:extLst>
+          </p:cNvPr>
+          <p:cNvPicPr>
+            <a:picLocks noChangeAspect="1"/>
+          </p:cNvPicPr>
+          <p:nvPr/>
+        </p:nvPicPr>
+        <p:blipFill>
+          <a:blip r:embed="rId2"/>
+          <a:stretch>
+            <a:fillRect/>
+          </a:stretch>
+        </p:blipFill>
+        <p:spPr>
+          <a:xfrm>
+            <a:off x="3336970" y="3280353"/>
+            <a:ext cx="8599766" cy="1354758"/>
+          </a:xfrm>
+          <a:prstGeom prst="rect">
+            <a:avLst/>
+          </a:prstGeom>
+          <a:ln>
+            <a:solidFill>
+              <a:schemeClr val="bg2">
+                <a:lumMod val="75000"/>
+              </a:schemeClr>
+            </a:solidFill>
+          </a:ln>
+        </p:spPr>
+      </p:pic>
       <p:sp>
         <p:nvSpPr>
           <p:cNvPr id="2" name="Slide Number Placeholder 1"/>
@@ -16576,15 +16591,15 @@
           <a:lstStyle/>
           <a:p>
             <a:r>
-              <a:rPr lang="bg-BG" sz="3200" dirty="0" smtClean="0"/>
+              <a:rPr lang="bg-BG" sz="3200" dirty="0"/>
               <a:t>От </a:t>
             </a:r>
             <a:r>
-              <a:rPr lang="bg-BG" sz="3200" b="1" dirty="0" smtClean="0"/>
+              <a:rPr lang="bg-BG" sz="3200" b="1" dirty="0"/>
               <a:t>менюто </a:t>
             </a:r>
             <a:r>
-              <a:rPr lang="en-US" sz="3200" b="1" dirty="0" smtClean="0">
+              <a:rPr lang="en-US" sz="3200" b="1" dirty="0">
                 <a:solidFill>
                   <a:schemeClr val="bg1"/>
                 </a:solidFill>
@@ -16592,99 +16607,99 @@
               <a:t>Playback</a:t>
             </a:r>
             <a:r>
-              <a:rPr lang="en-US" sz="3200" b="1" dirty="0" smtClean="0"/>
+              <a:rPr lang="en-US" sz="3200" b="1" dirty="0"/>
               <a:t> </a:t>
             </a:r>
             <a:r>
-              <a:rPr lang="bg-BG" sz="3200" dirty="0" smtClean="0"/>
+              <a:rPr lang="bg-BG" sz="3200" dirty="0"/>
               <a:t>можете да </a:t>
             </a:r>
             <a:r>
-              <a:rPr lang="bg-BG" sz="3200" b="1" dirty="0" smtClean="0"/>
+              <a:rPr lang="bg-BG" sz="3200" b="1" dirty="0"/>
               <a:t>задавате</a:t>
             </a:r>
             <a:r>
-              <a:rPr lang="bg-BG" sz="3200" dirty="0" smtClean="0"/>
+              <a:rPr lang="bg-BG" sz="3200" dirty="0"/>
               <a:t> различни </a:t>
             </a:r>
             <a:r>
-              <a:rPr lang="bg-BG" sz="3200" b="1" dirty="0" smtClean="0"/>
+              <a:rPr lang="bg-BG" sz="3200" b="1" dirty="0"/>
               <a:t>характеристики</a:t>
             </a:r>
             <a:r>
-              <a:rPr lang="bg-BG" sz="3200" dirty="0" smtClean="0"/>
+              <a:rPr lang="bg-BG" sz="3200" dirty="0"/>
               <a:t> на </a:t>
             </a:r>
             <a:r>
-              <a:rPr lang="bg-BG" sz="3200" b="1" dirty="0" smtClean="0"/>
+              <a:rPr lang="bg-BG" sz="3200" b="1" dirty="0"/>
               <a:t>звукозаписа</a:t>
             </a:r>
           </a:p>
           <a:p>
             <a:r>
-              <a:rPr lang="bg-BG" sz="3200" b="1" dirty="0" smtClean="0"/>
+              <a:rPr lang="bg-BG" sz="3200" b="1" dirty="0"/>
               <a:t>Панелите</a:t>
             </a:r>
             <a:r>
-              <a:rPr lang="bg-BG" sz="3200" dirty="0" smtClean="0"/>
+              <a:rPr lang="bg-BG" sz="3200" dirty="0"/>
               <a:t> на менюто са:</a:t>
             </a:r>
           </a:p>
           <a:p>
             <a:pPr lvl="1"/>
             <a:r>
-              <a:rPr lang="en-US" sz="2800" dirty="0" smtClean="0"/>
+              <a:rPr lang="en-US" sz="2800" dirty="0"/>
               <a:t>Preview</a:t>
             </a:r>
           </a:p>
           <a:p>
             <a:pPr lvl="1"/>
             <a:r>
-              <a:rPr lang="en-US" sz="2800" dirty="0" smtClean="0"/>
+              <a:rPr lang="en-US" sz="2800" dirty="0"/>
               <a:t>Bookmarks</a:t>
             </a:r>
           </a:p>
           <a:p>
             <a:pPr lvl="1"/>
             <a:r>
-              <a:rPr lang="en-US" sz="2800" dirty="0" smtClean="0"/>
+              <a:rPr lang="en-US" sz="2800" dirty="0"/>
               <a:t>Editing</a:t>
             </a:r>
           </a:p>
           <a:p>
             <a:pPr lvl="1"/>
             <a:r>
-              <a:rPr lang="en-US" sz="2800" dirty="0" smtClean="0"/>
+              <a:rPr lang="en-US" sz="2800" dirty="0"/>
               <a:t>Audio Options</a:t>
             </a:r>
           </a:p>
           <a:p>
             <a:pPr lvl="1"/>
             <a:r>
-              <a:rPr lang="en-US" sz="2800" dirty="0" smtClean="0"/>
+              <a:rPr lang="en-US" sz="2800" dirty="0"/>
               <a:t>Audio Styles</a:t>
             </a:r>
-            <a:endParaRPr lang="bg-BG" sz="2800" dirty="0" smtClean="0"/>
-          </a:p>
-          <a:p>
-            <a:r>
-              <a:rPr lang="bg-BG" sz="3200" dirty="0" smtClean="0"/>
+            <a:endParaRPr lang="bg-BG" sz="2800" dirty="0"/>
+          </a:p>
+          <a:p>
+            <a:r>
+              <a:rPr lang="bg-BG" sz="3200" dirty="0"/>
               <a:t>С </a:t>
             </a:r>
             <a:r>
-              <a:rPr lang="bg-BG" sz="3200" b="1" dirty="0" smtClean="0"/>
+              <a:rPr lang="bg-BG" sz="3200" b="1" dirty="0"/>
               <a:t>бутона</a:t>
             </a:r>
             <a:r>
-              <a:rPr lang="bg-BG" sz="3200" dirty="0" smtClean="0"/>
+              <a:rPr lang="bg-BG" sz="3200" dirty="0"/>
               <a:t> </a:t>
             </a:r>
             <a:r>
-              <a:rPr lang="en-US" sz="3200" dirty="0" smtClean="0"/>
+              <a:rPr lang="en-US" sz="3200" dirty="0"/>
               <a:t>[</a:t>
             </a:r>
             <a:r>
-              <a:rPr lang="en-US" sz="3200" b="1" dirty="0" smtClean="0">
+              <a:rPr lang="en-US" sz="3200" b="1" dirty="0">
                 <a:solidFill>
                   <a:schemeClr val="bg1"/>
                 </a:solidFill>
@@ -16692,19 +16707,19 @@
               <a:t>Play</a:t>
             </a:r>
             <a:r>
-              <a:rPr lang="en-US" sz="3200" dirty="0" smtClean="0"/>
+              <a:rPr lang="en-US" sz="3200" dirty="0"/>
               <a:t>]</a:t>
             </a:r>
             <a:r>
-              <a:rPr lang="bg-BG" sz="3200" dirty="0" smtClean="0"/>
+              <a:rPr lang="bg-BG" sz="3200" dirty="0"/>
               <a:t> от </a:t>
             </a:r>
             <a:r>
-              <a:rPr lang="bg-BG" sz="3200" b="1" dirty="0" smtClean="0"/>
+              <a:rPr lang="bg-BG" sz="3200" b="1" dirty="0"/>
               <a:t>панела </a:t>
             </a:r>
             <a:r>
-              <a:rPr lang="en-US" sz="3200" b="1" dirty="0" smtClean="0">
+              <a:rPr lang="en-US" sz="3200" b="1" dirty="0">
                 <a:solidFill>
                   <a:schemeClr val="bg1"/>
                 </a:solidFill>
@@ -16712,11 +16727,11 @@
               <a:t>Preview</a:t>
             </a:r>
             <a:r>
-              <a:rPr lang="en-US" sz="3200" b="1" dirty="0" smtClean="0"/>
+              <a:rPr lang="en-US" sz="3200" b="1" dirty="0"/>
               <a:t> </a:t>
             </a:r>
             <a:r>
-              <a:rPr lang="bg-BG" sz="3200" dirty="0" smtClean="0"/>
+              <a:rPr lang="bg-BG" sz="3200" dirty="0"/>
               <a:t>се стартира записа</a:t>
             </a:r>
             <a:endParaRPr lang="en-US" sz="3200" dirty="0"/>
@@ -16739,48 +16754,17 @@
           <a:lstStyle/>
           <a:p>
             <a:r>
-              <a:rPr lang="en-US" dirty="0" smtClean="0"/>
+              <a:rPr lang="en-US" dirty="0"/>
               <a:t>Playback </a:t>
             </a:r>
             <a:r>
-              <a:rPr lang="bg-BG" dirty="0" smtClean="0"/>
+              <a:rPr lang="bg-BG" dirty="0"/>
               <a:t>меню</a:t>
             </a:r>
             <a:endParaRPr lang="en-US" dirty="0"/>
           </a:p>
         </p:txBody>
       </p:sp>
-      <p:pic>
-        <p:nvPicPr>
-          <p:cNvPr id="6" name="Picture 5"/>
-          <p:cNvPicPr>
-            <a:picLocks noChangeAspect="1"/>
-          </p:cNvPicPr>
-          <p:nvPr/>
-        </p:nvPicPr>
-        <p:blipFill>
-          <a:blip r:embed="rId2"/>
-          <a:stretch>
-            <a:fillRect/>
-          </a:stretch>
-        </p:blipFill>
-        <p:spPr>
-          <a:xfrm>
-            <a:off x="3207496" y="3789000"/>
-            <a:ext cx="8729241" cy="942077"/>
-          </a:xfrm>
-          <a:prstGeom prst="rect">
-            <a:avLst/>
-          </a:prstGeom>
-          <a:ln>
-            <a:solidFill>
-              <a:schemeClr val="bg2">
-                <a:lumMod val="75000"/>
-              </a:schemeClr>
-            </a:solidFill>
-          </a:ln>
-        </p:spPr>
-      </p:pic>
       <p:sp>
         <p:nvSpPr>
           <p:cNvPr id="5" name="Rectangle 4"/>
@@ -16789,8 +16773,8 @@
         </p:nvSpPr>
         <p:spPr bwMode="auto">
           <a:xfrm>
-            <a:off x="3207496" y="3789000"/>
-            <a:ext cx="503504" cy="942077"/>
+            <a:off x="3369670" y="3581110"/>
+            <a:ext cx="673582" cy="1051989"/>
           </a:xfrm>
           <a:prstGeom prst="rect">
             <a:avLst/>
@@ -16855,8 +16839,8 @@
         </p:nvSpPr>
         <p:spPr bwMode="auto">
           <a:xfrm>
-            <a:off x="3711000" y="3794381"/>
-            <a:ext cx="1260000" cy="942077"/>
+            <a:off x="4836000" y="3575074"/>
+            <a:ext cx="2205000" cy="1056013"/>
           </a:xfrm>
           <a:prstGeom prst="rect">
             <a:avLst/>
@@ -16921,8 +16905,8 @@
         </p:nvSpPr>
         <p:spPr bwMode="auto">
           <a:xfrm>
-            <a:off x="4971000" y="3794381"/>
-            <a:ext cx="2025000" cy="942077"/>
+            <a:off x="7041000" y="3575074"/>
+            <a:ext cx="720000" cy="1051989"/>
           </a:xfrm>
           <a:prstGeom prst="rect">
             <a:avLst/>
@@ -16987,8 +16971,8 @@
         </p:nvSpPr>
         <p:spPr bwMode="auto">
           <a:xfrm>
-            <a:off x="6996000" y="3795975"/>
-            <a:ext cx="3735000" cy="942077"/>
+            <a:off x="7772040" y="3575500"/>
+            <a:ext cx="1338960" cy="1051563"/>
           </a:xfrm>
           <a:prstGeom prst="rect">
             <a:avLst/>
@@ -17047,14 +17031,20 @@
       </p:sp>
       <p:sp>
         <p:nvSpPr>
-          <p:cNvPr id="10" name="Rectangle 9"/>
+          <p:cNvPr id="13" name="Rectangle 12">
+            <a:extLst>
+              <a:ext uri="{FF2B5EF4-FFF2-40B4-BE49-F238E27FC236}">
+                <a16:creationId xmlns:a16="http://schemas.microsoft.com/office/drawing/2014/main" id="{FB1D895F-610A-F8CD-2E39-AF41F2F7BEFD}"/>
+              </a:ext>
+            </a:extLst>
+          </p:cNvPr>
           <p:cNvSpPr/>
           <p:nvPr/>
         </p:nvSpPr>
         <p:spPr bwMode="auto">
           <a:xfrm>
-            <a:off x="10730999" y="3795975"/>
-            <a:ext cx="1205737" cy="942077"/>
+            <a:off x="4038272" y="3581110"/>
+            <a:ext cx="797728" cy="1051989"/>
           </a:xfrm>
           <a:prstGeom prst="rect">
             <a:avLst/>
@@ -17194,7 +17184,7 @@
                                           </p:stCondLst>
                                         </p:cTn>
                                         <p:tgtEl>
-                                          <p:spTgt spid="6"/>
+                                          <p:spTgt spid="12"/>
                                         </p:tgtEl>
                                         <p:attrNameLst>
                                           <p:attrName>style.visibility</p:attrName>
@@ -17346,7 +17336,7 @@
                                           </p:stCondLst>
                                         </p:cTn>
                                         <p:tgtEl>
-                                          <p:spTgt spid="7"/>
+                                          <p:spTgt spid="13"/>
                                         </p:tgtEl>
                                         <p:attrNameLst>
                                           <p:attrName>style.visibility</p:attrName>
@@ -17422,7 +17412,7 @@
                                           </p:stCondLst>
                                         </p:cTn>
                                         <p:tgtEl>
-                                          <p:spTgt spid="8"/>
+                                          <p:spTgt spid="7"/>
                                         </p:tgtEl>
                                         <p:attrNameLst>
                                           <p:attrName>style.visibility</p:attrName>
@@ -17498,7 +17488,7 @@
                                           </p:stCondLst>
                                         </p:cTn>
                                         <p:tgtEl>
-                                          <p:spTgt spid="9"/>
+                                          <p:spTgt spid="8"/>
                                         </p:tgtEl>
                                         <p:attrNameLst>
                                           <p:attrName>style.visibility</p:attrName>
@@ -17574,7 +17564,7 @@
                                           </p:stCondLst>
                                         </p:cTn>
                                         <p:tgtEl>
-                                          <p:spTgt spid="10"/>
+                                          <p:spTgt spid="9"/>
                                         </p:tgtEl>
                                         <p:attrNameLst>
                                           <p:attrName>style.visibility</p:attrName>
@@ -17668,7 +17658,7 @@
       <p:bldP spid="7" grpId="0" animBg="1"/>
       <p:bldP spid="8" grpId="0" animBg="1"/>
       <p:bldP spid="9" grpId="0" animBg="1"/>
-      <p:bldP spid="10" grpId="0" animBg="1"/>
+      <p:bldP spid="13" grpId="0" animBg="1"/>
     </p:bldLst>
   </p:timing>
 </p:sld>

--- a/Courses/Computer-Modeling-and-IT/Computer-Modeling-and-IT-6-Class/17-Using-Sound-Files-and-Design-Editing/17-Using-Sound-Files-and-Design-Editing.pptx
+++ b/Courses/Computer-Modeling-and-IT/Computer-Modeling-and-IT-6-Class/17-Using-Sound-Files-and-Design-Editing/17-Using-Sound-Files-and-Design-Editing.pptx
@@ -5,30 +5,31 @@
     <p:sldMasterId id="2147483675" r:id="rId1"/>
   </p:sldMasterIdLst>
   <p:notesMasterIdLst>
-    <p:notesMasterId r:id="rId20"/>
+    <p:notesMasterId r:id="rId21"/>
   </p:notesMasterIdLst>
   <p:handoutMasterIdLst>
-    <p:handoutMasterId r:id="rId21"/>
+    <p:handoutMasterId r:id="rId22"/>
   </p:handoutMasterIdLst>
   <p:sldIdLst>
     <p:sldId id="503" r:id="rId2"/>
     <p:sldId id="276" r:id="rId3"/>
-    <p:sldId id="587" r:id="rId4"/>
-    <p:sldId id="588" r:id="rId5"/>
-    <p:sldId id="589" r:id="rId6"/>
-    <p:sldId id="590" r:id="rId7"/>
-    <p:sldId id="591" r:id="rId8"/>
-    <p:sldId id="592" r:id="rId9"/>
-    <p:sldId id="593" r:id="rId10"/>
-    <p:sldId id="594" r:id="rId11"/>
-    <p:sldId id="595" r:id="rId12"/>
-    <p:sldId id="596" r:id="rId13"/>
-    <p:sldId id="597" r:id="rId14"/>
-    <p:sldId id="598" r:id="rId15"/>
-    <p:sldId id="599" r:id="rId16"/>
-    <p:sldId id="586" r:id="rId17"/>
-    <p:sldId id="504" r:id="rId18"/>
-    <p:sldId id="505" r:id="rId19"/>
+    <p:sldId id="600" r:id="rId4"/>
+    <p:sldId id="587" r:id="rId5"/>
+    <p:sldId id="588" r:id="rId6"/>
+    <p:sldId id="589" r:id="rId7"/>
+    <p:sldId id="590" r:id="rId8"/>
+    <p:sldId id="591" r:id="rId9"/>
+    <p:sldId id="592" r:id="rId10"/>
+    <p:sldId id="593" r:id="rId11"/>
+    <p:sldId id="594" r:id="rId12"/>
+    <p:sldId id="595" r:id="rId13"/>
+    <p:sldId id="596" r:id="rId14"/>
+    <p:sldId id="597" r:id="rId15"/>
+    <p:sldId id="598" r:id="rId16"/>
+    <p:sldId id="599" r:id="rId17"/>
+    <p:sldId id="586" r:id="rId18"/>
+    <p:sldId id="504" r:id="rId19"/>
+    <p:sldId id="505" r:id="rId20"/>
   </p:sldIdLst>
   <p:sldSz cx="12192000" cy="6858000"/>
   <p:notesSz cx="6858000" cy="9144000"/>
@@ -136,6 +137,11 @@
             <p14:sldId id="276"/>
           </p14:sldIdLst>
         </p14:section>
+        <p14:section name="Нека си припомним!" id="{35F39DDA-85A6-4F00-8E9E-11600D76B48B}">
+          <p14:sldIdLst>
+            <p14:sldId id="600"/>
+          </p14:sldIdLst>
+        </p14:section>
         <p14:section name="͏Вмъкване на звук" id="{0C11AC04-5269-4CAD-B393-5C3FF7FF1941}">
           <p14:sldIdLst>
             <p14:sldId id="587"/>
@@ -281,7 +287,7 @@
           <a:p>
             <a:fld id="{4E087215-0C8F-4762-A664-737A353EC9A4}" type="datetimeFigureOut">
               <a:rPr lang="bg-BG" smtClean="0"/>
-              <a:t>24.7.2025 г.</a:t>
+              <a:t>6.9.2025 г.</a:t>
             </a:fld>
             <a:endParaRPr lang="bg-BG"/>
           </a:p>
@@ -477,7 +483,7 @@
           <a:p>
             <a:fld id="{72D84649-876A-46C9-8472-14CB09C070D8}" type="datetimeFigureOut">
               <a:rPr lang="en-US" smtClean="0"/>
-              <a:t>7/24/2025</a:t>
+              <a:t>9/6/2025</a:t>
             </a:fld>
             <a:endParaRPr lang="en-US"/>
           </a:p>
@@ -1262,7 +1268,7 @@
             <a:fld id="{3EBA5BD7-F043-4D1B-AA17-CD412FC534DE}" type="slidenum">
               <a:rPr lang="en-US" smtClean="0"/>
               <a:pPr/>
-              <a:t>16</a:t>
+              <a:t>17</a:t>
             </a:fld>
             <a:endParaRPr lang="en-US" dirty="0"/>
           </a:p>
@@ -1453,7 +1459,7 @@
             <a:fld id="{3EBA5BD7-F043-4D1B-AA17-CD412FC534DE}" type="slidenum">
               <a:rPr lang="en-US" smtClean="0"/>
               <a:pPr/>
-              <a:t>17</a:t>
+              <a:t>18</a:t>
             </a:fld>
             <a:endParaRPr lang="en-US" dirty="0"/>
           </a:p>
@@ -1683,7 +1689,7 @@
             <a:fld id="{3EBA5BD7-F043-4D1B-AA17-CD412FC534DE}" type="slidenum">
               <a:rPr lang="en-US" smtClean="0"/>
               <a:pPr/>
-              <a:t>18</a:t>
+              <a:t>19</a:t>
             </a:fld>
             <a:endParaRPr lang="en-US" dirty="0"/>
           </a:p>
@@ -7061,6 +7067,1175 @@
           <a:chExt cx="0" cy="0"/>
         </a:xfrm>
       </p:grpSpPr>
+      <p:pic>
+        <p:nvPicPr>
+          <p:cNvPr id="12" name="Picture 11">
+            <a:extLst>
+              <a:ext uri="{FF2B5EF4-FFF2-40B4-BE49-F238E27FC236}">
+                <a16:creationId xmlns:a16="http://schemas.microsoft.com/office/drawing/2014/main" id="{ADD6F9D1-E412-54F5-B880-2A96FA76BF97}"/>
+              </a:ext>
+            </a:extLst>
+          </p:cNvPr>
+          <p:cNvPicPr>
+            <a:picLocks noChangeAspect="1"/>
+          </p:cNvPicPr>
+          <p:nvPr/>
+        </p:nvPicPr>
+        <p:blipFill>
+          <a:blip r:embed="rId2"/>
+          <a:stretch>
+            <a:fillRect/>
+          </a:stretch>
+        </p:blipFill>
+        <p:spPr>
+          <a:xfrm>
+            <a:off x="3336970" y="3280353"/>
+            <a:ext cx="8599766" cy="1354758"/>
+          </a:xfrm>
+          <a:prstGeom prst="rect">
+            <a:avLst/>
+          </a:prstGeom>
+          <a:ln>
+            <a:solidFill>
+              <a:schemeClr val="bg2">
+                <a:lumMod val="75000"/>
+              </a:schemeClr>
+            </a:solidFill>
+          </a:ln>
+        </p:spPr>
+      </p:pic>
+      <p:sp>
+        <p:nvSpPr>
+          <p:cNvPr id="2" name="Slide Number Placeholder 1"/>
+          <p:cNvSpPr>
+            <a:spLocks noGrp="1"/>
+          </p:cNvSpPr>
+          <p:nvPr>
+            <p:ph type="sldNum" sz="quarter" idx="5"/>
+          </p:nvPr>
+        </p:nvSpPr>
+        <p:spPr/>
+        <p:txBody>
+          <a:bodyPr/>
+          <a:lstStyle/>
+          <a:p>
+            <a:fld id="{2BF067CD-8E6B-4360-9AA8-C5DF2A48A6D1}" type="slidenum">
+              <a:rPr lang="en-US" noProof="0" smtClean="0"/>
+              <a:pPr/>
+              <a:t>10</a:t>
+            </a:fld>
+            <a:endParaRPr lang="en-US" noProof="0" dirty="0"/>
+          </a:p>
+        </p:txBody>
+      </p:sp>
+      <p:sp>
+        <p:nvSpPr>
+          <p:cNvPr id="3" name="Text Placeholder 2"/>
+          <p:cNvSpPr>
+            <a:spLocks noGrp="1"/>
+          </p:cNvSpPr>
+          <p:nvPr>
+            <p:ph type="body" sz="quarter" idx="10"/>
+          </p:nvPr>
+        </p:nvSpPr>
+        <p:spPr/>
+        <p:txBody>
+          <a:bodyPr>
+            <a:normAutofit/>
+          </a:bodyPr>
+          <a:lstStyle/>
+          <a:p>
+            <a:r>
+              <a:rPr lang="bg-BG" sz="3200" dirty="0"/>
+              <a:t>От </a:t>
+            </a:r>
+            <a:r>
+              <a:rPr lang="bg-BG" sz="3200" b="1" dirty="0"/>
+              <a:t>менюто </a:t>
+            </a:r>
+            <a:r>
+              <a:rPr lang="en-US" sz="3200" b="1" dirty="0">
+                <a:solidFill>
+                  <a:schemeClr val="bg1"/>
+                </a:solidFill>
+              </a:rPr>
+              <a:t>Playback</a:t>
+            </a:r>
+            <a:r>
+              <a:rPr lang="en-US" sz="3200" b="1" dirty="0"/>
+              <a:t> </a:t>
+            </a:r>
+            <a:r>
+              <a:rPr lang="bg-BG" sz="3200" dirty="0"/>
+              <a:t>можете да </a:t>
+            </a:r>
+            <a:r>
+              <a:rPr lang="bg-BG" sz="3200" b="1" dirty="0"/>
+              <a:t>задавате</a:t>
+            </a:r>
+            <a:r>
+              <a:rPr lang="bg-BG" sz="3200" dirty="0"/>
+              <a:t> различни </a:t>
+            </a:r>
+            <a:r>
+              <a:rPr lang="bg-BG" sz="3200" b="1" dirty="0"/>
+              <a:t>характеристики</a:t>
+            </a:r>
+            <a:r>
+              <a:rPr lang="bg-BG" sz="3200" dirty="0"/>
+              <a:t> на </a:t>
+            </a:r>
+            <a:r>
+              <a:rPr lang="bg-BG" sz="3200" b="1" dirty="0"/>
+              <a:t>звукозаписа</a:t>
+            </a:r>
+          </a:p>
+          <a:p>
+            <a:r>
+              <a:rPr lang="bg-BG" sz="3200" b="1" dirty="0"/>
+              <a:t>Панелите</a:t>
+            </a:r>
+            <a:r>
+              <a:rPr lang="bg-BG" sz="3200" dirty="0"/>
+              <a:t> на менюто са:</a:t>
+            </a:r>
+          </a:p>
+          <a:p>
+            <a:pPr lvl="1"/>
+            <a:r>
+              <a:rPr lang="en-US" sz="2800" dirty="0"/>
+              <a:t>Preview</a:t>
+            </a:r>
+          </a:p>
+          <a:p>
+            <a:pPr lvl="1"/>
+            <a:r>
+              <a:rPr lang="en-US" sz="2800" dirty="0"/>
+              <a:t>Bookmarks</a:t>
+            </a:r>
+          </a:p>
+          <a:p>
+            <a:pPr lvl="1"/>
+            <a:r>
+              <a:rPr lang="en-US" sz="2800" dirty="0"/>
+              <a:t>Editing</a:t>
+            </a:r>
+          </a:p>
+          <a:p>
+            <a:pPr lvl="1"/>
+            <a:r>
+              <a:rPr lang="en-US" sz="2800" dirty="0"/>
+              <a:t>Audio Options</a:t>
+            </a:r>
+          </a:p>
+          <a:p>
+            <a:pPr lvl="1"/>
+            <a:r>
+              <a:rPr lang="en-US" sz="2800" dirty="0"/>
+              <a:t>Audio Styles</a:t>
+            </a:r>
+            <a:endParaRPr lang="bg-BG" sz="2800" dirty="0"/>
+          </a:p>
+          <a:p>
+            <a:r>
+              <a:rPr lang="bg-BG" sz="3200" dirty="0"/>
+              <a:t>С </a:t>
+            </a:r>
+            <a:r>
+              <a:rPr lang="bg-BG" sz="3200" b="1" dirty="0"/>
+              <a:t>бутона</a:t>
+            </a:r>
+            <a:r>
+              <a:rPr lang="bg-BG" sz="3200" dirty="0"/>
+              <a:t> </a:t>
+            </a:r>
+            <a:r>
+              <a:rPr lang="en-US" sz="3200" dirty="0"/>
+              <a:t>[</a:t>
+            </a:r>
+            <a:r>
+              <a:rPr lang="en-US" sz="3200" b="1" dirty="0">
+                <a:solidFill>
+                  <a:schemeClr val="bg1"/>
+                </a:solidFill>
+              </a:rPr>
+              <a:t>Play</a:t>
+            </a:r>
+            <a:r>
+              <a:rPr lang="en-US" sz="3200" dirty="0"/>
+              <a:t>]</a:t>
+            </a:r>
+            <a:r>
+              <a:rPr lang="bg-BG" sz="3200" dirty="0"/>
+              <a:t> от </a:t>
+            </a:r>
+            <a:r>
+              <a:rPr lang="bg-BG" sz="3200" b="1" dirty="0"/>
+              <a:t>панела </a:t>
+            </a:r>
+            <a:r>
+              <a:rPr lang="en-US" sz="3200" b="1" dirty="0">
+                <a:solidFill>
+                  <a:schemeClr val="bg1"/>
+                </a:solidFill>
+              </a:rPr>
+              <a:t>Preview</a:t>
+            </a:r>
+            <a:r>
+              <a:rPr lang="en-US" sz="3200" b="1" dirty="0"/>
+              <a:t> </a:t>
+            </a:r>
+            <a:r>
+              <a:rPr lang="bg-BG" sz="3200" dirty="0"/>
+              <a:t>се стартира записа</a:t>
+            </a:r>
+            <a:endParaRPr lang="en-US" sz="3200" dirty="0"/>
+          </a:p>
+        </p:txBody>
+      </p:sp>
+      <p:sp>
+        <p:nvSpPr>
+          <p:cNvPr id="4" name="Title 3"/>
+          <p:cNvSpPr>
+            <a:spLocks noGrp="1"/>
+          </p:cNvSpPr>
+          <p:nvPr>
+            <p:ph type="title"/>
+          </p:nvPr>
+        </p:nvSpPr>
+        <p:spPr/>
+        <p:txBody>
+          <a:bodyPr/>
+          <a:lstStyle/>
+          <a:p>
+            <a:r>
+              <a:rPr lang="en-US" dirty="0"/>
+              <a:t>Playback </a:t>
+            </a:r>
+            <a:r>
+              <a:rPr lang="bg-BG" dirty="0"/>
+              <a:t>меню</a:t>
+            </a:r>
+            <a:endParaRPr lang="en-US" dirty="0"/>
+          </a:p>
+        </p:txBody>
+      </p:sp>
+      <p:sp>
+        <p:nvSpPr>
+          <p:cNvPr id="5" name="Rectangle 4"/>
+          <p:cNvSpPr/>
+          <p:nvPr/>
+        </p:nvSpPr>
+        <p:spPr bwMode="auto">
+          <a:xfrm>
+            <a:off x="3369670" y="3581110"/>
+            <a:ext cx="673582" cy="1051989"/>
+          </a:xfrm>
+          <a:prstGeom prst="rect">
+            <a:avLst/>
+          </a:prstGeom>
+          <a:noFill/>
+          <a:ln w="38100">
+            <a:solidFill>
+              <a:schemeClr val="tx1">
+                <a:lumMod val="75000"/>
+                <a:alpha val="80000"/>
+              </a:schemeClr>
+            </a:solidFill>
+          </a:ln>
+          <a:effectLst/>
+        </p:spPr>
+        <p:style>
+          <a:lnRef idx="2">
+            <a:schemeClr val="accent1">
+              <a:shade val="50000"/>
+            </a:schemeClr>
+          </a:lnRef>
+          <a:fillRef idx="1001">
+            <a:schemeClr val="dk2"/>
+          </a:fillRef>
+          <a:effectRef idx="0">
+            <a:schemeClr val="accent1"/>
+          </a:effectRef>
+          <a:fontRef idx="minor">
+            <a:schemeClr val="lt1"/>
+          </a:fontRef>
+        </p:style>
+        <p:txBody>
+          <a:bodyPr rot="0" spcFirstLastPara="0" vertOverflow="overflow" horzOverflow="overflow" vert="horz" wrap="square" lIns="91440" tIns="45720" rIns="91440" bIns="45720" numCol="1" spcCol="0" rtlCol="0" fromWordArt="0" anchor="ctr" anchorCtr="0" forceAA="0" compatLnSpc="1">
+            <a:prstTxWarp prst="textNoShape">
+              <a:avLst/>
+            </a:prstTxWarp>
+            <a:noAutofit/>
+          </a:bodyPr>
+          <a:lstStyle/>
+          <a:p>
+            <a:pPr algn="ctr"/>
+            <a:endParaRPr lang="en-US" sz="2800" b="1" dirty="0">
+              <a:solidFill>
+                <a:srgbClr val="FFFFFF"/>
+              </a:solidFill>
+              <a:effectLst>
+                <a:outerShdw blurRad="38100" dist="38100" dir="2700000" algn="tl">
+                  <a:srgbClr val="000000">
+                    <a:alpha val="43137"/>
+                  </a:srgbClr>
+                </a:outerShdw>
+              </a:effectLst>
+            </a:endParaRPr>
+          </a:p>
+        </p:txBody>
+      </p:sp>
+      <p:sp>
+        <p:nvSpPr>
+          <p:cNvPr id="7" name="Rectangle 6"/>
+          <p:cNvSpPr/>
+          <p:nvPr/>
+        </p:nvSpPr>
+        <p:spPr bwMode="auto">
+          <a:xfrm>
+            <a:off x="4836000" y="3575074"/>
+            <a:ext cx="2205000" cy="1056013"/>
+          </a:xfrm>
+          <a:prstGeom prst="rect">
+            <a:avLst/>
+          </a:prstGeom>
+          <a:noFill/>
+          <a:ln w="38100">
+            <a:solidFill>
+              <a:schemeClr val="tx1">
+                <a:lumMod val="75000"/>
+                <a:alpha val="80000"/>
+              </a:schemeClr>
+            </a:solidFill>
+          </a:ln>
+          <a:effectLst/>
+        </p:spPr>
+        <p:style>
+          <a:lnRef idx="2">
+            <a:schemeClr val="accent1">
+              <a:shade val="50000"/>
+            </a:schemeClr>
+          </a:lnRef>
+          <a:fillRef idx="1001">
+            <a:schemeClr val="dk2"/>
+          </a:fillRef>
+          <a:effectRef idx="0">
+            <a:schemeClr val="accent1"/>
+          </a:effectRef>
+          <a:fontRef idx="minor">
+            <a:schemeClr val="lt1"/>
+          </a:fontRef>
+        </p:style>
+        <p:txBody>
+          <a:bodyPr rot="0" spcFirstLastPara="0" vertOverflow="overflow" horzOverflow="overflow" vert="horz" wrap="square" lIns="91440" tIns="45720" rIns="91440" bIns="45720" numCol="1" spcCol="0" rtlCol="0" fromWordArt="0" anchor="ctr" anchorCtr="0" forceAA="0" compatLnSpc="1">
+            <a:prstTxWarp prst="textNoShape">
+              <a:avLst/>
+            </a:prstTxWarp>
+            <a:noAutofit/>
+          </a:bodyPr>
+          <a:lstStyle/>
+          <a:p>
+            <a:pPr algn="ctr"/>
+            <a:endParaRPr lang="en-US" sz="2800" b="1" dirty="0">
+              <a:solidFill>
+                <a:srgbClr val="FFFFFF"/>
+              </a:solidFill>
+              <a:effectLst>
+                <a:outerShdw blurRad="38100" dist="38100" dir="2700000" algn="tl">
+                  <a:srgbClr val="000000">
+                    <a:alpha val="43137"/>
+                  </a:srgbClr>
+                </a:outerShdw>
+              </a:effectLst>
+            </a:endParaRPr>
+          </a:p>
+        </p:txBody>
+      </p:sp>
+      <p:sp>
+        <p:nvSpPr>
+          <p:cNvPr id="8" name="Rectangle 7"/>
+          <p:cNvSpPr/>
+          <p:nvPr/>
+        </p:nvSpPr>
+        <p:spPr bwMode="auto">
+          <a:xfrm>
+            <a:off x="7041000" y="3575074"/>
+            <a:ext cx="720000" cy="1051989"/>
+          </a:xfrm>
+          <a:prstGeom prst="rect">
+            <a:avLst/>
+          </a:prstGeom>
+          <a:noFill/>
+          <a:ln w="38100">
+            <a:solidFill>
+              <a:schemeClr val="tx1">
+                <a:lumMod val="75000"/>
+                <a:alpha val="80000"/>
+              </a:schemeClr>
+            </a:solidFill>
+          </a:ln>
+          <a:effectLst/>
+        </p:spPr>
+        <p:style>
+          <a:lnRef idx="2">
+            <a:schemeClr val="accent1">
+              <a:shade val="50000"/>
+            </a:schemeClr>
+          </a:lnRef>
+          <a:fillRef idx="1001">
+            <a:schemeClr val="dk2"/>
+          </a:fillRef>
+          <a:effectRef idx="0">
+            <a:schemeClr val="accent1"/>
+          </a:effectRef>
+          <a:fontRef idx="minor">
+            <a:schemeClr val="lt1"/>
+          </a:fontRef>
+        </p:style>
+        <p:txBody>
+          <a:bodyPr rot="0" spcFirstLastPara="0" vertOverflow="overflow" horzOverflow="overflow" vert="horz" wrap="square" lIns="91440" tIns="45720" rIns="91440" bIns="45720" numCol="1" spcCol="0" rtlCol="0" fromWordArt="0" anchor="ctr" anchorCtr="0" forceAA="0" compatLnSpc="1">
+            <a:prstTxWarp prst="textNoShape">
+              <a:avLst/>
+            </a:prstTxWarp>
+            <a:noAutofit/>
+          </a:bodyPr>
+          <a:lstStyle/>
+          <a:p>
+            <a:pPr algn="ctr"/>
+            <a:endParaRPr lang="en-US" sz="2800" b="1" dirty="0">
+              <a:solidFill>
+                <a:srgbClr val="FFFFFF"/>
+              </a:solidFill>
+              <a:effectLst>
+                <a:outerShdw blurRad="38100" dist="38100" dir="2700000" algn="tl">
+                  <a:srgbClr val="000000">
+                    <a:alpha val="43137"/>
+                  </a:srgbClr>
+                </a:outerShdw>
+              </a:effectLst>
+            </a:endParaRPr>
+          </a:p>
+        </p:txBody>
+      </p:sp>
+      <p:sp>
+        <p:nvSpPr>
+          <p:cNvPr id="9" name="Rectangle 8"/>
+          <p:cNvSpPr/>
+          <p:nvPr/>
+        </p:nvSpPr>
+        <p:spPr bwMode="auto">
+          <a:xfrm>
+            <a:off x="7772040" y="3575500"/>
+            <a:ext cx="1338960" cy="1051563"/>
+          </a:xfrm>
+          <a:prstGeom prst="rect">
+            <a:avLst/>
+          </a:prstGeom>
+          <a:noFill/>
+          <a:ln w="38100">
+            <a:solidFill>
+              <a:schemeClr val="tx1">
+                <a:lumMod val="75000"/>
+                <a:alpha val="80000"/>
+              </a:schemeClr>
+            </a:solidFill>
+          </a:ln>
+          <a:effectLst/>
+        </p:spPr>
+        <p:style>
+          <a:lnRef idx="2">
+            <a:schemeClr val="accent1">
+              <a:shade val="50000"/>
+            </a:schemeClr>
+          </a:lnRef>
+          <a:fillRef idx="1001">
+            <a:schemeClr val="dk2"/>
+          </a:fillRef>
+          <a:effectRef idx="0">
+            <a:schemeClr val="accent1"/>
+          </a:effectRef>
+          <a:fontRef idx="minor">
+            <a:schemeClr val="lt1"/>
+          </a:fontRef>
+        </p:style>
+        <p:txBody>
+          <a:bodyPr rot="0" spcFirstLastPara="0" vertOverflow="overflow" horzOverflow="overflow" vert="horz" wrap="square" lIns="91440" tIns="45720" rIns="91440" bIns="45720" numCol="1" spcCol="0" rtlCol="0" fromWordArt="0" anchor="ctr" anchorCtr="0" forceAA="0" compatLnSpc="1">
+            <a:prstTxWarp prst="textNoShape">
+              <a:avLst/>
+            </a:prstTxWarp>
+            <a:noAutofit/>
+          </a:bodyPr>
+          <a:lstStyle/>
+          <a:p>
+            <a:pPr algn="ctr"/>
+            <a:endParaRPr lang="en-US" sz="2800" b="1" dirty="0">
+              <a:solidFill>
+                <a:srgbClr val="FFFFFF"/>
+              </a:solidFill>
+              <a:effectLst>
+                <a:outerShdw blurRad="38100" dist="38100" dir="2700000" algn="tl">
+                  <a:srgbClr val="000000">
+                    <a:alpha val="43137"/>
+                  </a:srgbClr>
+                </a:outerShdw>
+              </a:effectLst>
+            </a:endParaRPr>
+          </a:p>
+        </p:txBody>
+      </p:sp>
+      <p:sp>
+        <p:nvSpPr>
+          <p:cNvPr id="13" name="Rectangle 12">
+            <a:extLst>
+              <a:ext uri="{FF2B5EF4-FFF2-40B4-BE49-F238E27FC236}">
+                <a16:creationId xmlns:a16="http://schemas.microsoft.com/office/drawing/2014/main" id="{FB1D895F-610A-F8CD-2E39-AF41F2F7BEFD}"/>
+              </a:ext>
+            </a:extLst>
+          </p:cNvPr>
+          <p:cNvSpPr/>
+          <p:nvPr/>
+        </p:nvSpPr>
+        <p:spPr bwMode="auto">
+          <a:xfrm>
+            <a:off x="4038272" y="3581110"/>
+            <a:ext cx="797728" cy="1051989"/>
+          </a:xfrm>
+          <a:prstGeom prst="rect">
+            <a:avLst/>
+          </a:prstGeom>
+          <a:noFill/>
+          <a:ln w="38100">
+            <a:solidFill>
+              <a:schemeClr val="tx1">
+                <a:lumMod val="75000"/>
+                <a:alpha val="80000"/>
+              </a:schemeClr>
+            </a:solidFill>
+          </a:ln>
+          <a:effectLst/>
+        </p:spPr>
+        <p:style>
+          <a:lnRef idx="2">
+            <a:schemeClr val="accent1">
+              <a:shade val="50000"/>
+            </a:schemeClr>
+          </a:lnRef>
+          <a:fillRef idx="1001">
+            <a:schemeClr val="dk2"/>
+          </a:fillRef>
+          <a:effectRef idx="0">
+            <a:schemeClr val="accent1"/>
+          </a:effectRef>
+          <a:fontRef idx="minor">
+            <a:schemeClr val="lt1"/>
+          </a:fontRef>
+        </p:style>
+        <p:txBody>
+          <a:bodyPr rot="0" spcFirstLastPara="0" vertOverflow="overflow" horzOverflow="overflow" vert="horz" wrap="square" lIns="91440" tIns="45720" rIns="91440" bIns="45720" numCol="1" spcCol="0" rtlCol="0" fromWordArt="0" anchor="ctr" anchorCtr="0" forceAA="0" compatLnSpc="1">
+            <a:prstTxWarp prst="textNoShape">
+              <a:avLst/>
+            </a:prstTxWarp>
+            <a:noAutofit/>
+          </a:bodyPr>
+          <a:lstStyle/>
+          <a:p>
+            <a:pPr algn="ctr"/>
+            <a:endParaRPr lang="en-US" sz="2800" b="1" dirty="0">
+              <a:solidFill>
+                <a:srgbClr val="FFFFFF"/>
+              </a:solidFill>
+              <a:effectLst>
+                <a:outerShdw blurRad="38100" dist="38100" dir="2700000" algn="tl">
+                  <a:srgbClr val="000000">
+                    <a:alpha val="43137"/>
+                  </a:srgbClr>
+                </a:outerShdw>
+              </a:effectLst>
+            </a:endParaRPr>
+          </a:p>
+        </p:txBody>
+      </p:sp>
+    </p:spTree>
+    <p:extLst>
+      <p:ext uri="{BB962C8B-B14F-4D97-AF65-F5344CB8AC3E}">
+        <p14:creationId xmlns:p14="http://schemas.microsoft.com/office/powerpoint/2010/main" val="2558109138"/>
+      </p:ext>
+    </p:extLst>
+  </p:cSld>
+  <p:clrMapOvr>
+    <a:masterClrMapping/>
+  </p:clrMapOvr>
+  <mc:AlternateContent xmlns:mc="http://schemas.openxmlformats.org/markup-compatibility/2006" xmlns:p14="http://schemas.microsoft.com/office/powerpoint/2010/main">
+    <mc:Choice Requires="p14">
+      <p:transition spd="slow" p14:dur="2000" advClick="0" advTm="5000"/>
+    </mc:Choice>
+    <mc:Fallback xmlns="">
+      <p:transition spd="slow" advClick="0" advTm="5000"/>
+    </mc:Fallback>
+  </mc:AlternateContent>
+  <p:timing>
+    <p:tnLst>
+      <p:par>
+        <p:cTn id="1" dur="indefinite" restart="never" nodeType="tmRoot">
+          <p:childTnLst>
+            <p:seq concurrent="1" nextAc="seek">
+              <p:cTn id="2" dur="indefinite" nodeType="mainSeq">
+                <p:childTnLst>
+                  <p:par>
+                    <p:cTn id="3" fill="hold">
+                      <p:stCondLst>
+                        <p:cond delay="indefinite"/>
+                      </p:stCondLst>
+                      <p:childTnLst>
+                        <p:par>
+                          <p:cTn id="4" fill="hold">
+                            <p:stCondLst>
+                              <p:cond delay="0"/>
+                            </p:stCondLst>
+                            <p:childTnLst>
+                              <p:par>
+                                <p:cTn id="5" presetID="1" presetClass="entr" presetSubtype="0" fill="hold" nodeType="clickEffect">
+                                  <p:stCondLst>
+                                    <p:cond delay="0"/>
+                                  </p:stCondLst>
+                                  <p:childTnLst>
+                                    <p:set>
+                                      <p:cBhvr>
+                                        <p:cTn id="6" dur="1" fill="hold">
+                                          <p:stCondLst>
+                                            <p:cond delay="0"/>
+                                          </p:stCondLst>
+                                        </p:cTn>
+                                        <p:tgtEl>
+                                          <p:spTgt spid="3">
+                                            <p:txEl>
+                                              <p:pRg st="1" end="1"/>
+                                            </p:txEl>
+                                          </p:spTgt>
+                                        </p:tgtEl>
+                                        <p:attrNameLst>
+                                          <p:attrName>style.visibility</p:attrName>
+                                        </p:attrNameLst>
+                                      </p:cBhvr>
+                                      <p:to>
+                                        <p:strVal val="visible"/>
+                                      </p:to>
+                                    </p:set>
+                                  </p:childTnLst>
+                                </p:cTn>
+                              </p:par>
+                              <p:par>
+                                <p:cTn id="7" presetID="1" presetClass="entr" presetSubtype="0" fill="hold" nodeType="withEffect">
+                                  <p:stCondLst>
+                                    <p:cond delay="0"/>
+                                  </p:stCondLst>
+                                  <p:childTnLst>
+                                    <p:set>
+                                      <p:cBhvr>
+                                        <p:cTn id="8" dur="1" fill="hold">
+                                          <p:stCondLst>
+                                            <p:cond delay="0"/>
+                                          </p:stCondLst>
+                                        </p:cTn>
+                                        <p:tgtEl>
+                                          <p:spTgt spid="12"/>
+                                        </p:tgtEl>
+                                        <p:attrNameLst>
+                                          <p:attrName>style.visibility</p:attrName>
+                                        </p:attrNameLst>
+                                      </p:cBhvr>
+                                      <p:to>
+                                        <p:strVal val="visible"/>
+                                      </p:to>
+                                    </p:set>
+                                  </p:childTnLst>
+                                </p:cTn>
+                              </p:par>
+                            </p:childTnLst>
+                          </p:cTn>
+                        </p:par>
+                      </p:childTnLst>
+                    </p:cTn>
+                  </p:par>
+                  <p:par>
+                    <p:cTn id="9" fill="hold">
+                      <p:stCondLst>
+                        <p:cond delay="indefinite"/>
+                      </p:stCondLst>
+                      <p:childTnLst>
+                        <p:par>
+                          <p:cTn id="10" fill="hold">
+                            <p:stCondLst>
+                              <p:cond delay="0"/>
+                            </p:stCondLst>
+                            <p:childTnLst>
+                              <p:par>
+                                <p:cTn id="11" presetID="1" presetClass="entr" presetSubtype="0" fill="hold" nodeType="clickEffect">
+                                  <p:stCondLst>
+                                    <p:cond delay="0"/>
+                                  </p:stCondLst>
+                                  <p:childTnLst>
+                                    <p:set>
+                                      <p:cBhvr>
+                                        <p:cTn id="12" dur="1" fill="hold">
+                                          <p:stCondLst>
+                                            <p:cond delay="0"/>
+                                          </p:stCondLst>
+                                        </p:cTn>
+                                        <p:tgtEl>
+                                          <p:spTgt spid="3">
+                                            <p:txEl>
+                                              <p:pRg st="2" end="2"/>
+                                            </p:txEl>
+                                          </p:spTgt>
+                                        </p:tgtEl>
+                                        <p:attrNameLst>
+                                          <p:attrName>style.visibility</p:attrName>
+                                        </p:attrNameLst>
+                                      </p:cBhvr>
+                                      <p:to>
+                                        <p:strVal val="visible"/>
+                                      </p:to>
+                                    </p:set>
+                                  </p:childTnLst>
+                                </p:cTn>
+                              </p:par>
+                              <p:par>
+                                <p:cTn id="13" presetID="1" presetClass="entr" presetSubtype="0" fill="hold" grpId="0" nodeType="withEffect">
+                                  <p:stCondLst>
+                                    <p:cond delay="0"/>
+                                  </p:stCondLst>
+                                  <p:childTnLst>
+                                    <p:set>
+                                      <p:cBhvr>
+                                        <p:cTn id="14" dur="1" fill="hold">
+                                          <p:stCondLst>
+                                            <p:cond delay="0"/>
+                                          </p:stCondLst>
+                                        </p:cTn>
+                                        <p:tgtEl>
+                                          <p:spTgt spid="5"/>
+                                        </p:tgtEl>
+                                        <p:attrNameLst>
+                                          <p:attrName>style.visibility</p:attrName>
+                                        </p:attrNameLst>
+                                      </p:cBhvr>
+                                      <p:to>
+                                        <p:strVal val="visible"/>
+                                      </p:to>
+                                    </p:set>
+                                  </p:childTnLst>
+                                </p:cTn>
+                              </p:par>
+                            </p:childTnLst>
+                          </p:cTn>
+                        </p:par>
+                      </p:childTnLst>
+                    </p:cTn>
+                  </p:par>
+                  <p:par>
+                    <p:cTn id="15" fill="hold">
+                      <p:stCondLst>
+                        <p:cond delay="indefinite"/>
+                      </p:stCondLst>
+                      <p:childTnLst>
+                        <p:par>
+                          <p:cTn id="16" fill="hold">
+                            <p:stCondLst>
+                              <p:cond delay="0"/>
+                            </p:stCondLst>
+                            <p:childTnLst>
+                              <p:par>
+                                <p:cTn id="17" presetID="1" presetClass="entr" presetSubtype="0" fill="hold" nodeType="clickEffect">
+                                  <p:stCondLst>
+                                    <p:cond delay="0"/>
+                                  </p:stCondLst>
+                                  <p:childTnLst>
+                                    <p:set>
+                                      <p:cBhvr>
+                                        <p:cTn id="18" dur="1" fill="hold">
+                                          <p:stCondLst>
+                                            <p:cond delay="0"/>
+                                          </p:stCondLst>
+                                        </p:cTn>
+                                        <p:tgtEl>
+                                          <p:spTgt spid="3">
+                                            <p:txEl>
+                                              <p:pRg st="3" end="3"/>
+                                            </p:txEl>
+                                          </p:spTgt>
+                                        </p:tgtEl>
+                                        <p:attrNameLst>
+                                          <p:attrName>style.visibility</p:attrName>
+                                        </p:attrNameLst>
+                                      </p:cBhvr>
+                                      <p:to>
+                                        <p:strVal val="visible"/>
+                                      </p:to>
+                                    </p:set>
+                                  </p:childTnLst>
+                                </p:cTn>
+                              </p:par>
+                              <p:par>
+                                <p:cTn id="19" presetID="1" presetClass="entr" presetSubtype="0" fill="hold" grpId="0" nodeType="withEffect">
+                                  <p:stCondLst>
+                                    <p:cond delay="0"/>
+                                  </p:stCondLst>
+                                  <p:childTnLst>
+                                    <p:set>
+                                      <p:cBhvr>
+                                        <p:cTn id="20" dur="1" fill="hold">
+                                          <p:stCondLst>
+                                            <p:cond delay="0"/>
+                                          </p:stCondLst>
+                                        </p:cTn>
+                                        <p:tgtEl>
+                                          <p:spTgt spid="13"/>
+                                        </p:tgtEl>
+                                        <p:attrNameLst>
+                                          <p:attrName>style.visibility</p:attrName>
+                                        </p:attrNameLst>
+                                      </p:cBhvr>
+                                      <p:to>
+                                        <p:strVal val="visible"/>
+                                      </p:to>
+                                    </p:set>
+                                  </p:childTnLst>
+                                </p:cTn>
+                              </p:par>
+                            </p:childTnLst>
+                          </p:cTn>
+                        </p:par>
+                      </p:childTnLst>
+                    </p:cTn>
+                  </p:par>
+                  <p:par>
+                    <p:cTn id="21" fill="hold">
+                      <p:stCondLst>
+                        <p:cond delay="indefinite"/>
+                      </p:stCondLst>
+                      <p:childTnLst>
+                        <p:par>
+                          <p:cTn id="22" fill="hold">
+                            <p:stCondLst>
+                              <p:cond delay="0"/>
+                            </p:stCondLst>
+                            <p:childTnLst>
+                              <p:par>
+                                <p:cTn id="23" presetID="1" presetClass="entr" presetSubtype="0" fill="hold" nodeType="clickEffect">
+                                  <p:stCondLst>
+                                    <p:cond delay="0"/>
+                                  </p:stCondLst>
+                                  <p:childTnLst>
+                                    <p:set>
+                                      <p:cBhvr>
+                                        <p:cTn id="24" dur="1" fill="hold">
+                                          <p:stCondLst>
+                                            <p:cond delay="0"/>
+                                          </p:stCondLst>
+                                        </p:cTn>
+                                        <p:tgtEl>
+                                          <p:spTgt spid="3">
+                                            <p:txEl>
+                                              <p:pRg st="4" end="4"/>
+                                            </p:txEl>
+                                          </p:spTgt>
+                                        </p:tgtEl>
+                                        <p:attrNameLst>
+                                          <p:attrName>style.visibility</p:attrName>
+                                        </p:attrNameLst>
+                                      </p:cBhvr>
+                                      <p:to>
+                                        <p:strVal val="visible"/>
+                                      </p:to>
+                                    </p:set>
+                                  </p:childTnLst>
+                                </p:cTn>
+                              </p:par>
+                              <p:par>
+                                <p:cTn id="25" presetID="1" presetClass="entr" presetSubtype="0" fill="hold" grpId="0" nodeType="withEffect">
+                                  <p:stCondLst>
+                                    <p:cond delay="0"/>
+                                  </p:stCondLst>
+                                  <p:childTnLst>
+                                    <p:set>
+                                      <p:cBhvr>
+                                        <p:cTn id="26" dur="1" fill="hold">
+                                          <p:stCondLst>
+                                            <p:cond delay="0"/>
+                                          </p:stCondLst>
+                                        </p:cTn>
+                                        <p:tgtEl>
+                                          <p:spTgt spid="7"/>
+                                        </p:tgtEl>
+                                        <p:attrNameLst>
+                                          <p:attrName>style.visibility</p:attrName>
+                                        </p:attrNameLst>
+                                      </p:cBhvr>
+                                      <p:to>
+                                        <p:strVal val="visible"/>
+                                      </p:to>
+                                    </p:set>
+                                  </p:childTnLst>
+                                </p:cTn>
+                              </p:par>
+                            </p:childTnLst>
+                          </p:cTn>
+                        </p:par>
+                      </p:childTnLst>
+                    </p:cTn>
+                  </p:par>
+                  <p:par>
+                    <p:cTn id="27" fill="hold">
+                      <p:stCondLst>
+                        <p:cond delay="indefinite"/>
+                      </p:stCondLst>
+                      <p:childTnLst>
+                        <p:par>
+                          <p:cTn id="28" fill="hold">
+                            <p:stCondLst>
+                              <p:cond delay="0"/>
+                            </p:stCondLst>
+                            <p:childTnLst>
+                              <p:par>
+                                <p:cTn id="29" presetID="1" presetClass="entr" presetSubtype="0" fill="hold" nodeType="clickEffect">
+                                  <p:stCondLst>
+                                    <p:cond delay="0"/>
+                                  </p:stCondLst>
+                                  <p:childTnLst>
+                                    <p:set>
+                                      <p:cBhvr>
+                                        <p:cTn id="30" dur="1" fill="hold">
+                                          <p:stCondLst>
+                                            <p:cond delay="0"/>
+                                          </p:stCondLst>
+                                        </p:cTn>
+                                        <p:tgtEl>
+                                          <p:spTgt spid="3">
+                                            <p:txEl>
+                                              <p:pRg st="5" end="5"/>
+                                            </p:txEl>
+                                          </p:spTgt>
+                                        </p:tgtEl>
+                                        <p:attrNameLst>
+                                          <p:attrName>style.visibility</p:attrName>
+                                        </p:attrNameLst>
+                                      </p:cBhvr>
+                                      <p:to>
+                                        <p:strVal val="visible"/>
+                                      </p:to>
+                                    </p:set>
+                                  </p:childTnLst>
+                                </p:cTn>
+                              </p:par>
+                              <p:par>
+                                <p:cTn id="31" presetID="1" presetClass="entr" presetSubtype="0" fill="hold" grpId="0" nodeType="withEffect">
+                                  <p:stCondLst>
+                                    <p:cond delay="0"/>
+                                  </p:stCondLst>
+                                  <p:childTnLst>
+                                    <p:set>
+                                      <p:cBhvr>
+                                        <p:cTn id="32" dur="1" fill="hold">
+                                          <p:stCondLst>
+                                            <p:cond delay="0"/>
+                                          </p:stCondLst>
+                                        </p:cTn>
+                                        <p:tgtEl>
+                                          <p:spTgt spid="8"/>
+                                        </p:tgtEl>
+                                        <p:attrNameLst>
+                                          <p:attrName>style.visibility</p:attrName>
+                                        </p:attrNameLst>
+                                      </p:cBhvr>
+                                      <p:to>
+                                        <p:strVal val="visible"/>
+                                      </p:to>
+                                    </p:set>
+                                  </p:childTnLst>
+                                </p:cTn>
+                              </p:par>
+                            </p:childTnLst>
+                          </p:cTn>
+                        </p:par>
+                      </p:childTnLst>
+                    </p:cTn>
+                  </p:par>
+                  <p:par>
+                    <p:cTn id="33" fill="hold">
+                      <p:stCondLst>
+                        <p:cond delay="indefinite"/>
+                      </p:stCondLst>
+                      <p:childTnLst>
+                        <p:par>
+                          <p:cTn id="34" fill="hold">
+                            <p:stCondLst>
+                              <p:cond delay="0"/>
+                            </p:stCondLst>
+                            <p:childTnLst>
+                              <p:par>
+                                <p:cTn id="35" presetID="1" presetClass="entr" presetSubtype="0" fill="hold" nodeType="clickEffect">
+                                  <p:stCondLst>
+                                    <p:cond delay="0"/>
+                                  </p:stCondLst>
+                                  <p:childTnLst>
+                                    <p:set>
+                                      <p:cBhvr>
+                                        <p:cTn id="36" dur="1" fill="hold">
+                                          <p:stCondLst>
+                                            <p:cond delay="0"/>
+                                          </p:stCondLst>
+                                        </p:cTn>
+                                        <p:tgtEl>
+                                          <p:spTgt spid="3">
+                                            <p:txEl>
+                                              <p:pRg st="6" end="6"/>
+                                            </p:txEl>
+                                          </p:spTgt>
+                                        </p:tgtEl>
+                                        <p:attrNameLst>
+                                          <p:attrName>style.visibility</p:attrName>
+                                        </p:attrNameLst>
+                                      </p:cBhvr>
+                                      <p:to>
+                                        <p:strVal val="visible"/>
+                                      </p:to>
+                                    </p:set>
+                                  </p:childTnLst>
+                                </p:cTn>
+                              </p:par>
+                              <p:par>
+                                <p:cTn id="37" presetID="1" presetClass="entr" presetSubtype="0" fill="hold" grpId="0" nodeType="withEffect">
+                                  <p:stCondLst>
+                                    <p:cond delay="0"/>
+                                  </p:stCondLst>
+                                  <p:childTnLst>
+                                    <p:set>
+                                      <p:cBhvr>
+                                        <p:cTn id="38" dur="1" fill="hold">
+                                          <p:stCondLst>
+                                            <p:cond delay="0"/>
+                                          </p:stCondLst>
+                                        </p:cTn>
+                                        <p:tgtEl>
+                                          <p:spTgt spid="9"/>
+                                        </p:tgtEl>
+                                        <p:attrNameLst>
+                                          <p:attrName>style.visibility</p:attrName>
+                                        </p:attrNameLst>
+                                      </p:cBhvr>
+                                      <p:to>
+                                        <p:strVal val="visible"/>
+                                      </p:to>
+                                    </p:set>
+                                  </p:childTnLst>
+                                </p:cTn>
+                              </p:par>
+                            </p:childTnLst>
+                          </p:cTn>
+                        </p:par>
+                      </p:childTnLst>
+                    </p:cTn>
+                  </p:par>
+                  <p:par>
+                    <p:cTn id="39" fill="hold">
+                      <p:stCondLst>
+                        <p:cond delay="indefinite"/>
+                      </p:stCondLst>
+                      <p:childTnLst>
+                        <p:par>
+                          <p:cTn id="40" fill="hold">
+                            <p:stCondLst>
+                              <p:cond delay="0"/>
+                            </p:stCondLst>
+                            <p:childTnLst>
+                              <p:par>
+                                <p:cTn id="41" presetID="1" presetClass="entr" presetSubtype="0" fill="hold" nodeType="clickEffect">
+                                  <p:stCondLst>
+                                    <p:cond delay="0"/>
+                                  </p:stCondLst>
+                                  <p:childTnLst>
+                                    <p:set>
+                                      <p:cBhvr>
+                                        <p:cTn id="42" dur="1" fill="hold">
+                                          <p:stCondLst>
+                                            <p:cond delay="0"/>
+                                          </p:stCondLst>
+                                        </p:cTn>
+                                        <p:tgtEl>
+                                          <p:spTgt spid="3">
+                                            <p:txEl>
+                                              <p:pRg st="7" end="7"/>
+                                            </p:txEl>
+                                          </p:spTgt>
+                                        </p:tgtEl>
+                                        <p:attrNameLst>
+                                          <p:attrName>style.visibility</p:attrName>
+                                        </p:attrNameLst>
+                                      </p:cBhvr>
+                                      <p:to>
+                                        <p:strVal val="visible"/>
+                                      </p:to>
+                                    </p:set>
+                                  </p:childTnLst>
+                                </p:cTn>
+                              </p:par>
+                            </p:childTnLst>
+                          </p:cTn>
+                        </p:par>
+                      </p:childTnLst>
+                    </p:cTn>
+                  </p:par>
+                </p:childTnLst>
+              </p:cTn>
+              <p:prevCondLst>
+                <p:cond evt="onPrev" delay="0">
+                  <p:tgtEl>
+                    <p:sldTgt/>
+                  </p:tgtEl>
+                </p:cond>
+              </p:prevCondLst>
+              <p:nextCondLst>
+                <p:cond evt="onNext" delay="0">
+                  <p:tgtEl>
+                    <p:sldTgt/>
+                  </p:tgtEl>
+                </p:cond>
+              </p:nextCondLst>
+            </p:seq>
+          </p:childTnLst>
+        </p:cTn>
+      </p:par>
+    </p:tnLst>
+    <p:bldLst>
+      <p:bldP spid="5" grpId="0" animBg="1"/>
+      <p:bldP spid="7" grpId="0" animBg="1"/>
+      <p:bldP spid="8" grpId="0" animBg="1"/>
+      <p:bldP spid="9" grpId="0" animBg="1"/>
+      <p:bldP spid="13" grpId="0" animBg="1"/>
+    </p:bldLst>
+  </p:timing>
+</p:sld>
+</file>
+
+<file path=ppt/slides/slide11.xml><?xml version="1.0" encoding="utf-8"?>
+<p:sld xmlns:a="http://schemas.openxmlformats.org/drawingml/2006/main" xmlns:r="http://schemas.openxmlformats.org/officeDocument/2006/relationships" xmlns:p="http://schemas.openxmlformats.org/presentationml/2006/main">
+  <p:cSld>
+    <p:spTree>
+      <p:nvGrpSpPr>
+        <p:cNvPr id="1" name=""/>
+        <p:cNvGrpSpPr/>
+        <p:nvPr/>
+      </p:nvGrpSpPr>
+      <p:grpSpPr>
+        <a:xfrm>
+          <a:off x="0" y="0"/>
+          <a:ext cx="0" cy="0"/>
+          <a:chOff x="0" y="0"/>
+          <a:chExt cx="0" cy="0"/>
+        </a:xfrm>
+      </p:grpSpPr>
       <p:sp>
         <p:nvSpPr>
           <p:cNvPr id="3" name="Text Placeholder 2"/>
@@ -7325,7 +8500,7 @@
             <a:fld id="{2BF067CD-8E6B-4360-9AA8-C5DF2A48A6D1}" type="slidenum">
               <a:rPr lang="en-US" noProof="0" smtClean="0"/>
               <a:pPr/>
-              <a:t>10</a:t>
+              <a:t>11</a:t>
             </a:fld>
             <a:endParaRPr lang="en-US" noProof="0" dirty="0"/>
           </a:p>
@@ -7701,7 +8876,7 @@
 </p:sld>
 </file>
 
-<file path=ppt/slides/slide11.xml><?xml version="1.0" encoding="utf-8"?>
+<file path=ppt/slides/slide12.xml><?xml version="1.0" encoding="utf-8"?>
 <p:sld xmlns:a="http://schemas.openxmlformats.org/drawingml/2006/main" xmlns:r="http://schemas.openxmlformats.org/officeDocument/2006/relationships" xmlns:p="http://schemas.openxmlformats.org/presentationml/2006/main">
   <p:cSld>
     <p:spTree>
@@ -7736,7 +8911,7 @@
             <a:fld id="{2BF067CD-8E6B-4360-9AA8-C5DF2A48A6D1}" type="slidenum">
               <a:rPr lang="en-US" noProof="0" smtClean="0"/>
               <a:pPr/>
-              <a:t>11</a:t>
+              <a:t>12</a:t>
             </a:fld>
             <a:endParaRPr lang="en-US" noProof="0" dirty="0"/>
           </a:p>
@@ -8354,7 +9529,7 @@
 </p:sld>
 </file>
 
-<file path=ppt/slides/slide12.xml><?xml version="1.0" encoding="utf-8"?>
+<file path=ppt/slides/slide13.xml><?xml version="1.0" encoding="utf-8"?>
 <p:sld xmlns:a="http://schemas.openxmlformats.org/drawingml/2006/main" xmlns:r="http://schemas.openxmlformats.org/officeDocument/2006/relationships" xmlns:p="http://schemas.openxmlformats.org/presentationml/2006/main">
   <p:cSld>
     <p:spTree>
@@ -8389,7 +9564,7 @@
             <a:fld id="{2BF067CD-8E6B-4360-9AA8-C5DF2A48A6D1}" type="slidenum">
               <a:rPr lang="en-US" noProof="0" smtClean="0"/>
               <a:pPr/>
-              <a:t>12</a:t>
+              <a:t>13</a:t>
             </a:fld>
             <a:endParaRPr lang="en-US" noProof="0" dirty="0"/>
           </a:p>
@@ -9475,7 +10650,7 @@
 </p:sld>
 </file>
 
-<file path=ppt/slides/slide13.xml><?xml version="1.0" encoding="utf-8"?>
+<file path=ppt/slides/slide14.xml><?xml version="1.0" encoding="utf-8"?>
 <p:sld xmlns:a="http://schemas.openxmlformats.org/drawingml/2006/main" xmlns:r="http://schemas.openxmlformats.org/officeDocument/2006/relationships" xmlns:p="http://schemas.openxmlformats.org/presentationml/2006/main">
   <p:cSld>
     <p:spTree>
@@ -9589,7 +10764,7 @@
 </p:sld>
 </file>
 
-<file path=ppt/slides/slide14.xml><?xml version="1.0" encoding="utf-8"?>
+<file path=ppt/slides/slide15.xml><?xml version="1.0" encoding="utf-8"?>
 <p:sld xmlns:a="http://schemas.openxmlformats.org/drawingml/2006/main" xmlns:r="http://schemas.openxmlformats.org/officeDocument/2006/relationships" xmlns:p="http://schemas.openxmlformats.org/presentationml/2006/main">
   <p:cSld>
     <p:spTree>
@@ -9989,7 +11164,7 @@
 </p:sld>
 </file>
 
-<file path=ppt/slides/slide15.xml><?xml version="1.0" encoding="utf-8"?>
+<file path=ppt/slides/slide16.xml><?xml version="1.0" encoding="utf-8"?>
 <p:sld xmlns:a="http://schemas.openxmlformats.org/drawingml/2006/main" xmlns:r="http://schemas.openxmlformats.org/officeDocument/2006/relationships" xmlns:p="http://schemas.openxmlformats.org/presentationml/2006/main">
   <p:cSld>
     <p:spTree>
@@ -10024,7 +11199,7 @@
             <a:fld id="{2BF067CD-8E6B-4360-9AA8-C5DF2A48A6D1}" type="slidenum">
               <a:rPr lang="en-US" noProof="0" smtClean="0"/>
               <a:pPr/>
-              <a:t>15</a:t>
+              <a:t>16</a:t>
             </a:fld>
             <a:endParaRPr lang="en-US" noProof="0" dirty="0"/>
           </a:p>
@@ -10783,7 +11958,7 @@
 </p:sld>
 </file>
 
-<file path=ppt/slides/slide16.xml><?xml version="1.0" encoding="utf-8"?>
+<file path=ppt/slides/slide17.xml><?xml version="1.0" encoding="utf-8"?>
 <p:sld xmlns:a="http://schemas.openxmlformats.org/drawingml/2006/main" xmlns:r="http://schemas.openxmlformats.org/officeDocument/2006/relationships" xmlns:p="http://schemas.openxmlformats.org/presentationml/2006/main">
   <p:cSld>
     <p:spTree>
@@ -11045,7 +12220,7 @@
             <a:fld id="{C014DD1E-5D91-48A3-AD6D-45FBA980D106}" type="slidenum">
               <a:rPr lang="en-US" smtClean="0"/>
               <a:pPr/>
-              <a:t>16</a:t>
+              <a:t>17</a:t>
             </a:fld>
             <a:endParaRPr lang="en-US" dirty="0"/>
           </a:p>
@@ -11966,7 +13141,7 @@
 </p:sld>
 </file>
 
-<file path=ppt/slides/slide17.xml><?xml version="1.0" encoding="utf-8"?>
+<file path=ppt/slides/slide18.xml><?xml version="1.0" encoding="utf-8"?>
 <p:sld xmlns:a="http://schemas.openxmlformats.org/drawingml/2006/main" xmlns:r="http://schemas.openxmlformats.org/officeDocument/2006/relationships" xmlns:p="http://schemas.openxmlformats.org/presentationml/2006/main">
   <p:cSld>
     <p:spTree>
@@ -12156,7 +13331,7 @@
 </p:sld>
 </file>
 
-<file path=ppt/slides/slide18.xml><?xml version="1.0" encoding="utf-8"?>
+<file path=ppt/slides/slide19.xml><?xml version="1.0" encoding="utf-8"?>
 <p:sld xmlns:a="http://schemas.openxmlformats.org/drawingml/2006/main" xmlns:r="http://schemas.openxmlformats.org/officeDocument/2006/relationships" xmlns:p="http://schemas.openxmlformats.org/presentationml/2006/main" show="0">
   <p:cSld>
     <p:spTree>
@@ -12209,7 +13384,7 @@
             <a:fld id="{2BF067CD-8E6B-4360-9AA8-C5DF2A48A6D1}" type="slidenum">
               <a:rPr lang="en-US" smtClean="0"/>
               <a:pPr/>
-              <a:t>18</a:t>
+              <a:t>19</a:t>
             </a:fld>
             <a:endParaRPr lang="en-US" dirty="0"/>
           </a:p>
@@ -12935,6 +14110,459 @@
       </p:grpSpPr>
       <p:sp>
         <p:nvSpPr>
+          <p:cNvPr id="2" name="Slide Number Placeholder 1">
+            <a:extLst>
+              <a:ext uri="{FF2B5EF4-FFF2-40B4-BE49-F238E27FC236}">
+                <a16:creationId xmlns:a16="http://schemas.microsoft.com/office/drawing/2014/main" id="{4013D5A0-BA55-FFF2-B105-5CAB88507E66}"/>
+              </a:ext>
+            </a:extLst>
+          </p:cNvPr>
+          <p:cNvSpPr>
+            <a:spLocks noGrp="1"/>
+          </p:cNvSpPr>
+          <p:nvPr>
+            <p:ph type="sldNum" sz="quarter" idx="5"/>
+          </p:nvPr>
+        </p:nvSpPr>
+        <p:spPr/>
+        <p:txBody>
+          <a:bodyPr/>
+          <a:lstStyle/>
+          <a:p>
+            <a:fld id="{2BF067CD-8E6B-4360-9AA8-C5DF2A48A6D1}" type="slidenum">
+              <a:rPr lang="en-US" noProof="0" smtClean="0"/>
+              <a:pPr/>
+              <a:t>3</a:t>
+            </a:fld>
+            <a:endParaRPr lang="en-US" noProof="0"/>
+          </a:p>
+        </p:txBody>
+      </p:sp>
+      <p:sp>
+        <p:nvSpPr>
+          <p:cNvPr id="5" name="Text Placeholder 4">
+            <a:extLst>
+              <a:ext uri="{FF2B5EF4-FFF2-40B4-BE49-F238E27FC236}">
+                <a16:creationId xmlns:a16="http://schemas.microsoft.com/office/drawing/2014/main" id="{2C793CA9-21CD-5919-D26C-DF1C384C4944}"/>
+              </a:ext>
+            </a:extLst>
+          </p:cNvPr>
+          <p:cNvSpPr>
+            <a:spLocks noGrp="1"/>
+          </p:cNvSpPr>
+          <p:nvPr>
+            <p:ph type="body" sz="quarter" idx="10"/>
+          </p:nvPr>
+        </p:nvSpPr>
+        <p:spPr/>
+        <p:txBody>
+          <a:bodyPr/>
+          <a:lstStyle/>
+          <a:p>
+            <a:r>
+              <a:rPr lang="en-US" b="1" dirty="0"/>
+              <a:t>͏</a:t>
+            </a:r>
+            <a:r>
+              <a:rPr lang="en-GB" b="1" dirty="0">
+                <a:solidFill>
+                  <a:schemeClr val="bg1"/>
+                </a:solidFill>
+              </a:rPr>
+              <a:t>PowerPoint</a:t>
+            </a:r>
+            <a:r>
+              <a:rPr lang="en-GB" dirty="0"/>
+              <a:t> </a:t>
+            </a:r>
+            <a:r>
+              <a:rPr lang="bg-BG" dirty="0"/>
+              <a:t>–</a:t>
+            </a:r>
+            <a:r>
+              <a:rPr lang="en-GB" dirty="0"/>
+              <a:t> </a:t>
+            </a:r>
+            <a:r>
+              <a:rPr lang="ru-RU" dirty="0"/>
+              <a:t>програма за </a:t>
+            </a:r>
+            <a:r>
+              <a:rPr lang="ru-RU" b="1" dirty="0"/>
+              <a:t>изработване</a:t>
+            </a:r>
+            <a:r>
+              <a:rPr lang="ru-RU" dirty="0"/>
+              <a:t> на </a:t>
+            </a:r>
+            <a:r>
+              <a:rPr lang="ru-RU" b="1" dirty="0"/>
+              <a:t>презентации</a:t>
+            </a:r>
+          </a:p>
+          <a:p>
+            <a:pPr lvl="1"/>
+            <a:r>
+              <a:rPr lang="ru-RU" dirty="0"/>
+              <a:t>Разработена от </a:t>
+            </a:r>
+            <a:r>
+              <a:rPr lang="ru-RU" b="1" dirty="0"/>
+              <a:t>Microsoft</a:t>
+            </a:r>
+          </a:p>
+          <a:p>
+            <a:pPr lvl="1"/>
+            <a:r>
+              <a:rPr lang="ru-RU" dirty="0"/>
+              <a:t>Използва се от </a:t>
+            </a:r>
+            <a:r>
+              <a:rPr lang="ru-RU" b="1" dirty="0"/>
+              <a:t>фирми</a:t>
+            </a:r>
+            <a:r>
+              <a:rPr lang="ru-RU" dirty="0"/>
+              <a:t>, </a:t>
+            </a:r>
+            <a:r>
+              <a:rPr lang="ru-RU" b="1" dirty="0"/>
+              <a:t>преподаватели</a:t>
+            </a:r>
+            <a:r>
+              <a:rPr lang="ru-RU" dirty="0"/>
+              <a:t>, </a:t>
+            </a:r>
+            <a:r>
+              <a:rPr lang="ru-RU" b="1" dirty="0"/>
+              <a:t>студенти</a:t>
+            </a:r>
+            <a:r>
+              <a:rPr lang="ru-RU" dirty="0"/>
+              <a:t> и др.</a:t>
+            </a:r>
+            <a:endParaRPr lang="en-GB" dirty="0"/>
+          </a:p>
+        </p:txBody>
+      </p:sp>
+      <p:sp>
+        <p:nvSpPr>
+          <p:cNvPr id="4" name="Title 3">
+            <a:extLst>
+              <a:ext uri="{FF2B5EF4-FFF2-40B4-BE49-F238E27FC236}">
+                <a16:creationId xmlns:a16="http://schemas.microsoft.com/office/drawing/2014/main" id="{C8AB400A-A219-BB9D-0FAF-440E069481D1}"/>
+              </a:ext>
+            </a:extLst>
+          </p:cNvPr>
+          <p:cNvSpPr>
+            <a:spLocks noGrp="1"/>
+          </p:cNvSpPr>
+          <p:nvPr>
+            <p:ph type="title"/>
+          </p:nvPr>
+        </p:nvSpPr>
+        <p:spPr/>
+        <p:txBody>
+          <a:bodyPr/>
+          <a:lstStyle/>
+          <a:p>
+            <a:r>
+              <a:rPr lang="bg-BG" dirty="0"/>
+              <a:t>Нека си припомним!</a:t>
+            </a:r>
+            <a:endParaRPr lang="en-GB" dirty="0"/>
+          </a:p>
+        </p:txBody>
+      </p:sp>
+      <p:pic>
+        <p:nvPicPr>
+          <p:cNvPr id="1026" name="Picture 2" descr="undefined">
+            <a:extLst>
+              <a:ext uri="{FF2B5EF4-FFF2-40B4-BE49-F238E27FC236}">
+                <a16:creationId xmlns:a16="http://schemas.microsoft.com/office/drawing/2014/main" id="{CDC760FB-0FF8-D115-B6A7-A2255CD3A42E}"/>
+              </a:ext>
+            </a:extLst>
+          </p:cNvPr>
+          <p:cNvPicPr>
+            <a:picLocks noChangeAspect="1" noChangeArrowheads="1"/>
+          </p:cNvPicPr>
+          <p:nvPr/>
+        </p:nvPicPr>
+        <p:blipFill>
+          <a:blip r:embed="rId2">
+            <a:extLst>
+              <a:ext uri="{28A0092B-C50C-407E-A947-70E740481C1C}">
+                <a14:useLocalDpi xmlns:a14="http://schemas.microsoft.com/office/drawing/2010/main" val="0"/>
+              </a:ext>
+            </a:extLst>
+          </a:blip>
+          <a:srcRect/>
+          <a:stretch>
+            <a:fillRect/>
+          </a:stretch>
+        </p:blipFill>
+        <p:spPr bwMode="auto">
+          <a:xfrm>
+            <a:off x="1888647" y="3834000"/>
+            <a:ext cx="2594704" cy="2414718"/>
+          </a:xfrm>
+          <a:prstGeom prst="rect">
+            <a:avLst/>
+          </a:prstGeom>
+          <a:noFill/>
+          <a:extLst>
+            <a:ext uri="{909E8E84-426E-40DD-AFC4-6F175D3DCCD1}">
+              <a14:hiddenFill xmlns:a14="http://schemas.microsoft.com/office/drawing/2010/main">
+                <a:solidFill>
+                  <a:srgbClr val="FFFFFF"/>
+                </a:solidFill>
+              </a14:hiddenFill>
+            </a:ext>
+          </a:extLst>
+        </p:spPr>
+      </p:pic>
+      <p:pic>
+        <p:nvPicPr>
+          <p:cNvPr id="1028" name="Picture 4" descr="undefined">
+            <a:extLst>
+              <a:ext uri="{FF2B5EF4-FFF2-40B4-BE49-F238E27FC236}">
+                <a16:creationId xmlns:a16="http://schemas.microsoft.com/office/drawing/2014/main" id="{3BC60935-0E14-3FE6-2192-164B6D8CE1A4}"/>
+              </a:ext>
+            </a:extLst>
+          </p:cNvPr>
+          <p:cNvPicPr>
+            <a:picLocks noChangeAspect="1" noChangeArrowheads="1"/>
+          </p:cNvPicPr>
+          <p:nvPr/>
+        </p:nvPicPr>
+        <p:blipFill>
+          <a:blip r:embed="rId3">
+            <a:extLst>
+              <a:ext uri="{28A0092B-C50C-407E-A947-70E740481C1C}">
+                <a14:useLocalDpi xmlns:a14="http://schemas.microsoft.com/office/drawing/2010/main" val="0"/>
+              </a:ext>
+            </a:extLst>
+          </a:blip>
+          <a:srcRect/>
+          <a:stretch>
+            <a:fillRect/>
+          </a:stretch>
+        </p:blipFill>
+        <p:spPr bwMode="auto">
+          <a:xfrm>
+            <a:off x="5443647" y="4491238"/>
+            <a:ext cx="5152353" cy="1100242"/>
+          </a:xfrm>
+          <a:prstGeom prst="rect">
+            <a:avLst/>
+          </a:prstGeom>
+          <a:noFill/>
+          <a:extLst>
+            <a:ext uri="{909E8E84-426E-40DD-AFC4-6F175D3DCCD1}">
+              <a14:hiddenFill xmlns:a14="http://schemas.microsoft.com/office/drawing/2010/main">
+                <a:solidFill>
+                  <a:srgbClr val="FFFFFF"/>
+                </a:solidFill>
+              </a14:hiddenFill>
+            </a:ext>
+          </a:extLst>
+        </p:spPr>
+      </p:pic>
+    </p:spTree>
+    <p:extLst>
+      <p:ext uri="{BB962C8B-B14F-4D97-AF65-F5344CB8AC3E}">
+        <p14:creationId xmlns:p14="http://schemas.microsoft.com/office/powerpoint/2010/main" val="4277169012"/>
+      </p:ext>
+    </p:extLst>
+  </p:cSld>
+  <p:clrMapOvr>
+    <a:masterClrMapping/>
+  </p:clrMapOvr>
+  <mc:AlternateContent xmlns:mc="http://schemas.openxmlformats.org/markup-compatibility/2006" xmlns:p14="http://schemas.microsoft.com/office/powerpoint/2010/main">
+    <mc:Choice Requires="p14">
+      <p:transition spd="slow" p14:dur="2000" advClick="0" advTm="5000"/>
+    </mc:Choice>
+    <mc:Fallback xmlns="">
+      <p:transition spd="slow" advClick="0" advTm="5000"/>
+    </mc:Fallback>
+  </mc:AlternateContent>
+  <p:timing>
+    <p:tnLst>
+      <p:par>
+        <p:cTn id="1" dur="indefinite" restart="never" nodeType="tmRoot">
+          <p:childTnLst>
+            <p:seq concurrent="1" nextAc="seek">
+              <p:cTn id="2" dur="indefinite" nodeType="mainSeq">
+                <p:childTnLst>
+                  <p:par>
+                    <p:cTn id="3" fill="hold">
+                      <p:stCondLst>
+                        <p:cond delay="indefinite"/>
+                      </p:stCondLst>
+                      <p:childTnLst>
+                        <p:par>
+                          <p:cTn id="4" fill="hold">
+                            <p:stCondLst>
+                              <p:cond delay="0"/>
+                            </p:stCondLst>
+                            <p:childTnLst>
+                              <p:par>
+                                <p:cTn id="5" presetID="1" presetClass="entr" presetSubtype="0" fill="hold" nodeType="clickEffect">
+                                  <p:stCondLst>
+                                    <p:cond delay="0"/>
+                                  </p:stCondLst>
+                                  <p:childTnLst>
+                                    <p:set>
+                                      <p:cBhvr>
+                                        <p:cTn id="6" dur="1" fill="hold">
+                                          <p:stCondLst>
+                                            <p:cond delay="0"/>
+                                          </p:stCondLst>
+                                        </p:cTn>
+                                        <p:tgtEl>
+                                          <p:spTgt spid="5">
+                                            <p:txEl>
+                                              <p:pRg st="1" end="1"/>
+                                            </p:txEl>
+                                          </p:spTgt>
+                                        </p:tgtEl>
+                                        <p:attrNameLst>
+                                          <p:attrName>style.visibility</p:attrName>
+                                        </p:attrNameLst>
+                                      </p:cBhvr>
+                                      <p:to>
+                                        <p:strVal val="visible"/>
+                                      </p:to>
+                                    </p:set>
+                                  </p:childTnLst>
+                                </p:cTn>
+                              </p:par>
+                              <p:par>
+                                <p:cTn id="7" presetID="1" presetClass="entr" presetSubtype="0" fill="hold" nodeType="withEffect">
+                                  <p:stCondLst>
+                                    <p:cond delay="0"/>
+                                  </p:stCondLst>
+                                  <p:childTnLst>
+                                    <p:set>
+                                      <p:cBhvr>
+                                        <p:cTn id="8" dur="1" fill="hold">
+                                          <p:stCondLst>
+                                            <p:cond delay="0"/>
+                                          </p:stCondLst>
+                                        </p:cTn>
+                                        <p:tgtEl>
+                                          <p:spTgt spid="1028"/>
+                                        </p:tgtEl>
+                                        <p:attrNameLst>
+                                          <p:attrName>style.visibility</p:attrName>
+                                        </p:attrNameLst>
+                                      </p:cBhvr>
+                                      <p:to>
+                                        <p:strVal val="visible"/>
+                                      </p:to>
+                                    </p:set>
+                                  </p:childTnLst>
+                                </p:cTn>
+                              </p:par>
+                            </p:childTnLst>
+                          </p:cTn>
+                        </p:par>
+                      </p:childTnLst>
+                    </p:cTn>
+                  </p:par>
+                  <p:par>
+                    <p:cTn id="9" fill="hold">
+                      <p:stCondLst>
+                        <p:cond delay="indefinite"/>
+                      </p:stCondLst>
+                      <p:childTnLst>
+                        <p:par>
+                          <p:cTn id="10" fill="hold">
+                            <p:stCondLst>
+                              <p:cond delay="0"/>
+                            </p:stCondLst>
+                            <p:childTnLst>
+                              <p:par>
+                                <p:cTn id="11" presetID="1" presetClass="entr" presetSubtype="0" fill="hold" nodeType="clickEffect">
+                                  <p:stCondLst>
+                                    <p:cond delay="0"/>
+                                  </p:stCondLst>
+                                  <p:childTnLst>
+                                    <p:set>
+                                      <p:cBhvr>
+                                        <p:cTn id="12" dur="1" fill="hold">
+                                          <p:stCondLst>
+                                            <p:cond delay="0"/>
+                                          </p:stCondLst>
+                                        </p:cTn>
+                                        <p:tgtEl>
+                                          <p:spTgt spid="5">
+                                            <p:txEl>
+                                              <p:pRg st="2" end="2"/>
+                                            </p:txEl>
+                                          </p:spTgt>
+                                        </p:tgtEl>
+                                        <p:attrNameLst>
+                                          <p:attrName>style.visibility</p:attrName>
+                                        </p:attrNameLst>
+                                      </p:cBhvr>
+                                      <p:to>
+                                        <p:strVal val="visible"/>
+                                      </p:to>
+                                    </p:set>
+                                  </p:childTnLst>
+                                </p:cTn>
+                              </p:par>
+                            </p:childTnLst>
+                          </p:cTn>
+                        </p:par>
+                      </p:childTnLst>
+                    </p:cTn>
+                  </p:par>
+                </p:childTnLst>
+              </p:cTn>
+              <p:prevCondLst>
+                <p:cond evt="onPrev" delay="0">
+                  <p:tgtEl>
+                    <p:sldTgt/>
+                  </p:tgtEl>
+                </p:cond>
+              </p:prevCondLst>
+              <p:nextCondLst>
+                <p:cond evt="onNext" delay="0">
+                  <p:tgtEl>
+                    <p:sldTgt/>
+                  </p:tgtEl>
+                </p:cond>
+              </p:nextCondLst>
+            </p:seq>
+          </p:childTnLst>
+        </p:cTn>
+      </p:par>
+    </p:tnLst>
+  </p:timing>
+</p:sld>
+</file>
+
+<file path=ppt/slides/slide4.xml><?xml version="1.0" encoding="utf-8"?>
+<p:sld xmlns:a="http://schemas.openxmlformats.org/drawingml/2006/main" xmlns:r="http://schemas.openxmlformats.org/officeDocument/2006/relationships" xmlns:p="http://schemas.openxmlformats.org/presentationml/2006/main">
+  <p:cSld>
+    <p:spTree>
+      <p:nvGrpSpPr>
+        <p:cNvPr id="1" name=""/>
+        <p:cNvGrpSpPr/>
+        <p:nvPr/>
+      </p:nvGrpSpPr>
+      <p:grpSpPr>
+        <a:xfrm>
+          <a:off x="0" y="0"/>
+          <a:ext cx="0" cy="0"/>
+          <a:chOff x="0" y="0"/>
+          <a:chExt cx="0" cy="0"/>
+        </a:xfrm>
+      </p:grpSpPr>
+      <p:sp>
+        <p:nvSpPr>
           <p:cNvPr id="6" name="Subtitle 5"/>
           <p:cNvSpPr>
             <a:spLocks noGrp="1"/>
@@ -13045,7 +14673,7 @@
 </p:sld>
 </file>
 
-<file path=ppt/slides/slide4.xml><?xml version="1.0" encoding="utf-8"?>
+<file path=ppt/slides/slide5.xml><?xml version="1.0" encoding="utf-8"?>
 <p:sld xmlns:a="http://schemas.openxmlformats.org/drawingml/2006/main" xmlns:r="http://schemas.openxmlformats.org/officeDocument/2006/relationships" xmlns:p="http://schemas.openxmlformats.org/presentationml/2006/main">
   <p:cSld>
     <p:spTree>
@@ -13994,7 +15622,7 @@
 </p:sld>
 </file>
 
-<file path=ppt/slides/slide5.xml><?xml version="1.0" encoding="utf-8"?>
+<file path=ppt/slides/slide6.xml><?xml version="1.0" encoding="utf-8"?>
 <p:sld xmlns:a="http://schemas.openxmlformats.org/drawingml/2006/main" xmlns:r="http://schemas.openxmlformats.org/officeDocument/2006/relationships" xmlns:p="http://schemas.openxmlformats.org/presentationml/2006/main">
   <p:cSld>
     <p:spTree>
@@ -14029,7 +15657,7 @@
             <a:fld id="{2BF067CD-8E6B-4360-9AA8-C5DF2A48A6D1}" type="slidenum">
               <a:rPr lang="en-US" noProof="0" smtClean="0"/>
               <a:pPr/>
-              <a:t>5</a:t>
+              <a:t>6</a:t>
             </a:fld>
             <a:endParaRPr lang="en-US" noProof="0" dirty="0"/>
           </a:p>
@@ -14929,7 +16557,7 @@
 </p:sld>
 </file>
 
-<file path=ppt/slides/slide6.xml><?xml version="1.0" encoding="utf-8"?>
+<file path=ppt/slides/slide7.xml><?xml version="1.0" encoding="utf-8"?>
 <p:sld xmlns:a="http://schemas.openxmlformats.org/drawingml/2006/main" xmlns:r="http://schemas.openxmlformats.org/officeDocument/2006/relationships" xmlns:p="http://schemas.openxmlformats.org/presentationml/2006/main">
   <p:cSld>
     <p:spTree>
@@ -14964,7 +16592,7 @@
             <a:fld id="{2BF067CD-8E6B-4360-9AA8-C5DF2A48A6D1}" type="slidenum">
               <a:rPr lang="en-US" noProof="0" smtClean="0"/>
               <a:pPr/>
-              <a:t>6</a:t>
+              <a:t>7</a:t>
             </a:fld>
             <a:endParaRPr lang="en-US" noProof="0" dirty="0"/>
           </a:p>
@@ -15221,7 +16849,7 @@
 </p:sld>
 </file>
 
-<file path=ppt/slides/slide7.xml><?xml version="1.0" encoding="utf-8"?>
+<file path=ppt/slides/slide8.xml><?xml version="1.0" encoding="utf-8"?>
 <p:sld xmlns:a="http://schemas.openxmlformats.org/drawingml/2006/main" xmlns:r="http://schemas.openxmlformats.org/officeDocument/2006/relationships" xmlns:p="http://schemas.openxmlformats.org/presentationml/2006/main">
   <p:cSld>
     <p:spTree>
@@ -15293,7 +16921,7 @@
             <a:fld id="{2BF067CD-8E6B-4360-9AA8-C5DF2A48A6D1}" type="slidenum">
               <a:rPr lang="en-US" noProof="0" smtClean="0"/>
               <a:pPr/>
-              <a:t>7</a:t>
+              <a:t>8</a:t>
             </a:fld>
             <a:endParaRPr lang="en-US" noProof="0" dirty="0"/>
           </a:p>
@@ -15690,7 +17318,7 @@
 </p:sld>
 </file>
 
-<file path=ppt/slides/slide8.xml><?xml version="1.0" encoding="utf-8"?>
+<file path=ppt/slides/slide9.xml><?xml version="1.0" encoding="utf-8"?>
 <p:sld xmlns:a="http://schemas.openxmlformats.org/drawingml/2006/main" xmlns:r="http://schemas.openxmlformats.org/officeDocument/2006/relationships" xmlns:p="http://schemas.openxmlformats.org/presentationml/2006/main">
   <p:cSld>
     <p:spTree>
@@ -15725,7 +17353,7 @@
             <a:fld id="{2BF067CD-8E6B-4360-9AA8-C5DF2A48A6D1}" type="slidenum">
               <a:rPr lang="en-US" noProof="0" smtClean="0"/>
               <a:pPr/>
-              <a:t>8</a:t>
+              <a:t>9</a:t>
             </a:fld>
             <a:endParaRPr lang="en-US" noProof="0" dirty="0"/>
           </a:p>
@@ -16491,1175 +18119,6 @@
         </p:cTn>
       </p:par>
     </p:tnLst>
-  </p:timing>
-</p:sld>
-</file>
-
-<file path=ppt/slides/slide9.xml><?xml version="1.0" encoding="utf-8"?>
-<p:sld xmlns:a="http://schemas.openxmlformats.org/drawingml/2006/main" xmlns:r="http://schemas.openxmlformats.org/officeDocument/2006/relationships" xmlns:p="http://schemas.openxmlformats.org/presentationml/2006/main">
-  <p:cSld>
-    <p:spTree>
-      <p:nvGrpSpPr>
-        <p:cNvPr id="1" name=""/>
-        <p:cNvGrpSpPr/>
-        <p:nvPr/>
-      </p:nvGrpSpPr>
-      <p:grpSpPr>
-        <a:xfrm>
-          <a:off x="0" y="0"/>
-          <a:ext cx="0" cy="0"/>
-          <a:chOff x="0" y="0"/>
-          <a:chExt cx="0" cy="0"/>
-        </a:xfrm>
-      </p:grpSpPr>
-      <p:pic>
-        <p:nvPicPr>
-          <p:cNvPr id="12" name="Picture 11">
-            <a:extLst>
-              <a:ext uri="{FF2B5EF4-FFF2-40B4-BE49-F238E27FC236}">
-                <a16:creationId xmlns:a16="http://schemas.microsoft.com/office/drawing/2014/main" id="{ADD6F9D1-E412-54F5-B880-2A96FA76BF97}"/>
-              </a:ext>
-            </a:extLst>
-          </p:cNvPr>
-          <p:cNvPicPr>
-            <a:picLocks noChangeAspect="1"/>
-          </p:cNvPicPr>
-          <p:nvPr/>
-        </p:nvPicPr>
-        <p:blipFill>
-          <a:blip r:embed="rId2"/>
-          <a:stretch>
-            <a:fillRect/>
-          </a:stretch>
-        </p:blipFill>
-        <p:spPr>
-          <a:xfrm>
-            <a:off x="3336970" y="3280353"/>
-            <a:ext cx="8599766" cy="1354758"/>
-          </a:xfrm>
-          <a:prstGeom prst="rect">
-            <a:avLst/>
-          </a:prstGeom>
-          <a:ln>
-            <a:solidFill>
-              <a:schemeClr val="bg2">
-                <a:lumMod val="75000"/>
-              </a:schemeClr>
-            </a:solidFill>
-          </a:ln>
-        </p:spPr>
-      </p:pic>
-      <p:sp>
-        <p:nvSpPr>
-          <p:cNvPr id="2" name="Slide Number Placeholder 1"/>
-          <p:cNvSpPr>
-            <a:spLocks noGrp="1"/>
-          </p:cNvSpPr>
-          <p:nvPr>
-            <p:ph type="sldNum" sz="quarter" idx="5"/>
-          </p:nvPr>
-        </p:nvSpPr>
-        <p:spPr/>
-        <p:txBody>
-          <a:bodyPr/>
-          <a:lstStyle/>
-          <a:p>
-            <a:fld id="{2BF067CD-8E6B-4360-9AA8-C5DF2A48A6D1}" type="slidenum">
-              <a:rPr lang="en-US" noProof="0" smtClean="0"/>
-              <a:pPr/>
-              <a:t>9</a:t>
-            </a:fld>
-            <a:endParaRPr lang="en-US" noProof="0" dirty="0"/>
-          </a:p>
-        </p:txBody>
-      </p:sp>
-      <p:sp>
-        <p:nvSpPr>
-          <p:cNvPr id="3" name="Text Placeholder 2"/>
-          <p:cNvSpPr>
-            <a:spLocks noGrp="1"/>
-          </p:cNvSpPr>
-          <p:nvPr>
-            <p:ph type="body" sz="quarter" idx="10"/>
-          </p:nvPr>
-        </p:nvSpPr>
-        <p:spPr/>
-        <p:txBody>
-          <a:bodyPr>
-            <a:normAutofit/>
-          </a:bodyPr>
-          <a:lstStyle/>
-          <a:p>
-            <a:r>
-              <a:rPr lang="bg-BG" sz="3200" dirty="0"/>
-              <a:t>От </a:t>
-            </a:r>
-            <a:r>
-              <a:rPr lang="bg-BG" sz="3200" b="1" dirty="0"/>
-              <a:t>менюто </a:t>
-            </a:r>
-            <a:r>
-              <a:rPr lang="en-US" sz="3200" b="1" dirty="0">
-                <a:solidFill>
-                  <a:schemeClr val="bg1"/>
-                </a:solidFill>
-              </a:rPr>
-              <a:t>Playback</a:t>
-            </a:r>
-            <a:r>
-              <a:rPr lang="en-US" sz="3200" b="1" dirty="0"/>
-              <a:t> </a:t>
-            </a:r>
-            <a:r>
-              <a:rPr lang="bg-BG" sz="3200" dirty="0"/>
-              <a:t>можете да </a:t>
-            </a:r>
-            <a:r>
-              <a:rPr lang="bg-BG" sz="3200" b="1" dirty="0"/>
-              <a:t>задавате</a:t>
-            </a:r>
-            <a:r>
-              <a:rPr lang="bg-BG" sz="3200" dirty="0"/>
-              <a:t> различни </a:t>
-            </a:r>
-            <a:r>
-              <a:rPr lang="bg-BG" sz="3200" b="1" dirty="0"/>
-              <a:t>характеристики</a:t>
-            </a:r>
-            <a:r>
-              <a:rPr lang="bg-BG" sz="3200" dirty="0"/>
-              <a:t> на </a:t>
-            </a:r>
-            <a:r>
-              <a:rPr lang="bg-BG" sz="3200" b="1" dirty="0"/>
-              <a:t>звукозаписа</a:t>
-            </a:r>
-          </a:p>
-          <a:p>
-            <a:r>
-              <a:rPr lang="bg-BG" sz="3200" b="1" dirty="0"/>
-              <a:t>Панелите</a:t>
-            </a:r>
-            <a:r>
-              <a:rPr lang="bg-BG" sz="3200" dirty="0"/>
-              <a:t> на менюто са:</a:t>
-            </a:r>
-          </a:p>
-          <a:p>
-            <a:pPr lvl="1"/>
-            <a:r>
-              <a:rPr lang="en-US" sz="2800" dirty="0"/>
-              <a:t>Preview</a:t>
-            </a:r>
-          </a:p>
-          <a:p>
-            <a:pPr lvl="1"/>
-            <a:r>
-              <a:rPr lang="en-US" sz="2800" dirty="0"/>
-              <a:t>Bookmarks</a:t>
-            </a:r>
-          </a:p>
-          <a:p>
-            <a:pPr lvl="1"/>
-            <a:r>
-              <a:rPr lang="en-US" sz="2800" dirty="0"/>
-              <a:t>Editing</a:t>
-            </a:r>
-          </a:p>
-          <a:p>
-            <a:pPr lvl="1"/>
-            <a:r>
-              <a:rPr lang="en-US" sz="2800" dirty="0"/>
-              <a:t>Audio Options</a:t>
-            </a:r>
-          </a:p>
-          <a:p>
-            <a:pPr lvl="1"/>
-            <a:r>
-              <a:rPr lang="en-US" sz="2800" dirty="0"/>
-              <a:t>Audio Styles</a:t>
-            </a:r>
-            <a:endParaRPr lang="bg-BG" sz="2800" dirty="0"/>
-          </a:p>
-          <a:p>
-            <a:r>
-              <a:rPr lang="bg-BG" sz="3200" dirty="0"/>
-              <a:t>С </a:t>
-            </a:r>
-            <a:r>
-              <a:rPr lang="bg-BG" sz="3200" b="1" dirty="0"/>
-              <a:t>бутона</a:t>
-            </a:r>
-            <a:r>
-              <a:rPr lang="bg-BG" sz="3200" dirty="0"/>
-              <a:t> </a:t>
-            </a:r>
-            <a:r>
-              <a:rPr lang="en-US" sz="3200" dirty="0"/>
-              <a:t>[</a:t>
-            </a:r>
-            <a:r>
-              <a:rPr lang="en-US" sz="3200" b="1" dirty="0">
-                <a:solidFill>
-                  <a:schemeClr val="bg1"/>
-                </a:solidFill>
-              </a:rPr>
-              <a:t>Play</a:t>
-            </a:r>
-            <a:r>
-              <a:rPr lang="en-US" sz="3200" dirty="0"/>
-              <a:t>]</a:t>
-            </a:r>
-            <a:r>
-              <a:rPr lang="bg-BG" sz="3200" dirty="0"/>
-              <a:t> от </a:t>
-            </a:r>
-            <a:r>
-              <a:rPr lang="bg-BG" sz="3200" b="1" dirty="0"/>
-              <a:t>панела </a:t>
-            </a:r>
-            <a:r>
-              <a:rPr lang="en-US" sz="3200" b="1" dirty="0">
-                <a:solidFill>
-                  <a:schemeClr val="bg1"/>
-                </a:solidFill>
-              </a:rPr>
-              <a:t>Preview</a:t>
-            </a:r>
-            <a:r>
-              <a:rPr lang="en-US" sz="3200" b="1" dirty="0"/>
-              <a:t> </a:t>
-            </a:r>
-            <a:r>
-              <a:rPr lang="bg-BG" sz="3200" dirty="0"/>
-              <a:t>се стартира записа</a:t>
-            </a:r>
-            <a:endParaRPr lang="en-US" sz="3200" dirty="0"/>
-          </a:p>
-        </p:txBody>
-      </p:sp>
-      <p:sp>
-        <p:nvSpPr>
-          <p:cNvPr id="4" name="Title 3"/>
-          <p:cNvSpPr>
-            <a:spLocks noGrp="1"/>
-          </p:cNvSpPr>
-          <p:nvPr>
-            <p:ph type="title"/>
-          </p:nvPr>
-        </p:nvSpPr>
-        <p:spPr/>
-        <p:txBody>
-          <a:bodyPr/>
-          <a:lstStyle/>
-          <a:p>
-            <a:r>
-              <a:rPr lang="en-US" dirty="0"/>
-              <a:t>Playback </a:t>
-            </a:r>
-            <a:r>
-              <a:rPr lang="bg-BG" dirty="0"/>
-              <a:t>меню</a:t>
-            </a:r>
-            <a:endParaRPr lang="en-US" dirty="0"/>
-          </a:p>
-        </p:txBody>
-      </p:sp>
-      <p:sp>
-        <p:nvSpPr>
-          <p:cNvPr id="5" name="Rectangle 4"/>
-          <p:cNvSpPr/>
-          <p:nvPr/>
-        </p:nvSpPr>
-        <p:spPr bwMode="auto">
-          <a:xfrm>
-            <a:off x="3369670" y="3581110"/>
-            <a:ext cx="673582" cy="1051989"/>
-          </a:xfrm>
-          <a:prstGeom prst="rect">
-            <a:avLst/>
-          </a:prstGeom>
-          <a:noFill/>
-          <a:ln w="38100">
-            <a:solidFill>
-              <a:schemeClr val="tx1">
-                <a:lumMod val="75000"/>
-                <a:alpha val="80000"/>
-              </a:schemeClr>
-            </a:solidFill>
-          </a:ln>
-          <a:effectLst/>
-        </p:spPr>
-        <p:style>
-          <a:lnRef idx="2">
-            <a:schemeClr val="accent1">
-              <a:shade val="50000"/>
-            </a:schemeClr>
-          </a:lnRef>
-          <a:fillRef idx="1001">
-            <a:schemeClr val="dk2"/>
-          </a:fillRef>
-          <a:effectRef idx="0">
-            <a:schemeClr val="accent1"/>
-          </a:effectRef>
-          <a:fontRef idx="minor">
-            <a:schemeClr val="lt1"/>
-          </a:fontRef>
-        </p:style>
-        <p:txBody>
-          <a:bodyPr rot="0" spcFirstLastPara="0" vertOverflow="overflow" horzOverflow="overflow" vert="horz" wrap="square" lIns="91440" tIns="45720" rIns="91440" bIns="45720" numCol="1" spcCol="0" rtlCol="0" fromWordArt="0" anchor="ctr" anchorCtr="0" forceAA="0" compatLnSpc="1">
-            <a:prstTxWarp prst="textNoShape">
-              <a:avLst/>
-            </a:prstTxWarp>
-            <a:noAutofit/>
-          </a:bodyPr>
-          <a:lstStyle/>
-          <a:p>
-            <a:pPr algn="ctr"/>
-            <a:endParaRPr lang="en-US" sz="2800" b="1" dirty="0">
-              <a:solidFill>
-                <a:srgbClr val="FFFFFF"/>
-              </a:solidFill>
-              <a:effectLst>
-                <a:outerShdw blurRad="38100" dist="38100" dir="2700000" algn="tl">
-                  <a:srgbClr val="000000">
-                    <a:alpha val="43137"/>
-                  </a:srgbClr>
-                </a:outerShdw>
-              </a:effectLst>
-            </a:endParaRPr>
-          </a:p>
-        </p:txBody>
-      </p:sp>
-      <p:sp>
-        <p:nvSpPr>
-          <p:cNvPr id="7" name="Rectangle 6"/>
-          <p:cNvSpPr/>
-          <p:nvPr/>
-        </p:nvSpPr>
-        <p:spPr bwMode="auto">
-          <a:xfrm>
-            <a:off x="4836000" y="3575074"/>
-            <a:ext cx="2205000" cy="1056013"/>
-          </a:xfrm>
-          <a:prstGeom prst="rect">
-            <a:avLst/>
-          </a:prstGeom>
-          <a:noFill/>
-          <a:ln w="38100">
-            <a:solidFill>
-              <a:schemeClr val="tx1">
-                <a:lumMod val="75000"/>
-                <a:alpha val="80000"/>
-              </a:schemeClr>
-            </a:solidFill>
-          </a:ln>
-          <a:effectLst/>
-        </p:spPr>
-        <p:style>
-          <a:lnRef idx="2">
-            <a:schemeClr val="accent1">
-              <a:shade val="50000"/>
-            </a:schemeClr>
-          </a:lnRef>
-          <a:fillRef idx="1001">
-            <a:schemeClr val="dk2"/>
-          </a:fillRef>
-          <a:effectRef idx="0">
-            <a:schemeClr val="accent1"/>
-          </a:effectRef>
-          <a:fontRef idx="minor">
-            <a:schemeClr val="lt1"/>
-          </a:fontRef>
-        </p:style>
-        <p:txBody>
-          <a:bodyPr rot="0" spcFirstLastPara="0" vertOverflow="overflow" horzOverflow="overflow" vert="horz" wrap="square" lIns="91440" tIns="45720" rIns="91440" bIns="45720" numCol="1" spcCol="0" rtlCol="0" fromWordArt="0" anchor="ctr" anchorCtr="0" forceAA="0" compatLnSpc="1">
-            <a:prstTxWarp prst="textNoShape">
-              <a:avLst/>
-            </a:prstTxWarp>
-            <a:noAutofit/>
-          </a:bodyPr>
-          <a:lstStyle/>
-          <a:p>
-            <a:pPr algn="ctr"/>
-            <a:endParaRPr lang="en-US" sz="2800" b="1" dirty="0">
-              <a:solidFill>
-                <a:srgbClr val="FFFFFF"/>
-              </a:solidFill>
-              <a:effectLst>
-                <a:outerShdw blurRad="38100" dist="38100" dir="2700000" algn="tl">
-                  <a:srgbClr val="000000">
-                    <a:alpha val="43137"/>
-                  </a:srgbClr>
-                </a:outerShdw>
-              </a:effectLst>
-            </a:endParaRPr>
-          </a:p>
-        </p:txBody>
-      </p:sp>
-      <p:sp>
-        <p:nvSpPr>
-          <p:cNvPr id="8" name="Rectangle 7"/>
-          <p:cNvSpPr/>
-          <p:nvPr/>
-        </p:nvSpPr>
-        <p:spPr bwMode="auto">
-          <a:xfrm>
-            <a:off x="7041000" y="3575074"/>
-            <a:ext cx="720000" cy="1051989"/>
-          </a:xfrm>
-          <a:prstGeom prst="rect">
-            <a:avLst/>
-          </a:prstGeom>
-          <a:noFill/>
-          <a:ln w="38100">
-            <a:solidFill>
-              <a:schemeClr val="tx1">
-                <a:lumMod val="75000"/>
-                <a:alpha val="80000"/>
-              </a:schemeClr>
-            </a:solidFill>
-          </a:ln>
-          <a:effectLst/>
-        </p:spPr>
-        <p:style>
-          <a:lnRef idx="2">
-            <a:schemeClr val="accent1">
-              <a:shade val="50000"/>
-            </a:schemeClr>
-          </a:lnRef>
-          <a:fillRef idx="1001">
-            <a:schemeClr val="dk2"/>
-          </a:fillRef>
-          <a:effectRef idx="0">
-            <a:schemeClr val="accent1"/>
-          </a:effectRef>
-          <a:fontRef idx="minor">
-            <a:schemeClr val="lt1"/>
-          </a:fontRef>
-        </p:style>
-        <p:txBody>
-          <a:bodyPr rot="0" spcFirstLastPara="0" vertOverflow="overflow" horzOverflow="overflow" vert="horz" wrap="square" lIns="91440" tIns="45720" rIns="91440" bIns="45720" numCol="1" spcCol="0" rtlCol="0" fromWordArt="0" anchor="ctr" anchorCtr="0" forceAA="0" compatLnSpc="1">
-            <a:prstTxWarp prst="textNoShape">
-              <a:avLst/>
-            </a:prstTxWarp>
-            <a:noAutofit/>
-          </a:bodyPr>
-          <a:lstStyle/>
-          <a:p>
-            <a:pPr algn="ctr"/>
-            <a:endParaRPr lang="en-US" sz="2800" b="1" dirty="0">
-              <a:solidFill>
-                <a:srgbClr val="FFFFFF"/>
-              </a:solidFill>
-              <a:effectLst>
-                <a:outerShdw blurRad="38100" dist="38100" dir="2700000" algn="tl">
-                  <a:srgbClr val="000000">
-                    <a:alpha val="43137"/>
-                  </a:srgbClr>
-                </a:outerShdw>
-              </a:effectLst>
-            </a:endParaRPr>
-          </a:p>
-        </p:txBody>
-      </p:sp>
-      <p:sp>
-        <p:nvSpPr>
-          <p:cNvPr id="9" name="Rectangle 8"/>
-          <p:cNvSpPr/>
-          <p:nvPr/>
-        </p:nvSpPr>
-        <p:spPr bwMode="auto">
-          <a:xfrm>
-            <a:off x="7772040" y="3575500"/>
-            <a:ext cx="1338960" cy="1051563"/>
-          </a:xfrm>
-          <a:prstGeom prst="rect">
-            <a:avLst/>
-          </a:prstGeom>
-          <a:noFill/>
-          <a:ln w="38100">
-            <a:solidFill>
-              <a:schemeClr val="tx1">
-                <a:lumMod val="75000"/>
-                <a:alpha val="80000"/>
-              </a:schemeClr>
-            </a:solidFill>
-          </a:ln>
-          <a:effectLst/>
-        </p:spPr>
-        <p:style>
-          <a:lnRef idx="2">
-            <a:schemeClr val="accent1">
-              <a:shade val="50000"/>
-            </a:schemeClr>
-          </a:lnRef>
-          <a:fillRef idx="1001">
-            <a:schemeClr val="dk2"/>
-          </a:fillRef>
-          <a:effectRef idx="0">
-            <a:schemeClr val="accent1"/>
-          </a:effectRef>
-          <a:fontRef idx="minor">
-            <a:schemeClr val="lt1"/>
-          </a:fontRef>
-        </p:style>
-        <p:txBody>
-          <a:bodyPr rot="0" spcFirstLastPara="0" vertOverflow="overflow" horzOverflow="overflow" vert="horz" wrap="square" lIns="91440" tIns="45720" rIns="91440" bIns="45720" numCol="1" spcCol="0" rtlCol="0" fromWordArt="0" anchor="ctr" anchorCtr="0" forceAA="0" compatLnSpc="1">
-            <a:prstTxWarp prst="textNoShape">
-              <a:avLst/>
-            </a:prstTxWarp>
-            <a:noAutofit/>
-          </a:bodyPr>
-          <a:lstStyle/>
-          <a:p>
-            <a:pPr algn="ctr"/>
-            <a:endParaRPr lang="en-US" sz="2800" b="1" dirty="0">
-              <a:solidFill>
-                <a:srgbClr val="FFFFFF"/>
-              </a:solidFill>
-              <a:effectLst>
-                <a:outerShdw blurRad="38100" dist="38100" dir="2700000" algn="tl">
-                  <a:srgbClr val="000000">
-                    <a:alpha val="43137"/>
-                  </a:srgbClr>
-                </a:outerShdw>
-              </a:effectLst>
-            </a:endParaRPr>
-          </a:p>
-        </p:txBody>
-      </p:sp>
-      <p:sp>
-        <p:nvSpPr>
-          <p:cNvPr id="13" name="Rectangle 12">
-            <a:extLst>
-              <a:ext uri="{FF2B5EF4-FFF2-40B4-BE49-F238E27FC236}">
-                <a16:creationId xmlns:a16="http://schemas.microsoft.com/office/drawing/2014/main" id="{FB1D895F-610A-F8CD-2E39-AF41F2F7BEFD}"/>
-              </a:ext>
-            </a:extLst>
-          </p:cNvPr>
-          <p:cNvSpPr/>
-          <p:nvPr/>
-        </p:nvSpPr>
-        <p:spPr bwMode="auto">
-          <a:xfrm>
-            <a:off x="4038272" y="3581110"/>
-            <a:ext cx="797728" cy="1051989"/>
-          </a:xfrm>
-          <a:prstGeom prst="rect">
-            <a:avLst/>
-          </a:prstGeom>
-          <a:noFill/>
-          <a:ln w="38100">
-            <a:solidFill>
-              <a:schemeClr val="tx1">
-                <a:lumMod val="75000"/>
-                <a:alpha val="80000"/>
-              </a:schemeClr>
-            </a:solidFill>
-          </a:ln>
-          <a:effectLst/>
-        </p:spPr>
-        <p:style>
-          <a:lnRef idx="2">
-            <a:schemeClr val="accent1">
-              <a:shade val="50000"/>
-            </a:schemeClr>
-          </a:lnRef>
-          <a:fillRef idx="1001">
-            <a:schemeClr val="dk2"/>
-          </a:fillRef>
-          <a:effectRef idx="0">
-            <a:schemeClr val="accent1"/>
-          </a:effectRef>
-          <a:fontRef idx="minor">
-            <a:schemeClr val="lt1"/>
-          </a:fontRef>
-        </p:style>
-        <p:txBody>
-          <a:bodyPr rot="0" spcFirstLastPara="0" vertOverflow="overflow" horzOverflow="overflow" vert="horz" wrap="square" lIns="91440" tIns="45720" rIns="91440" bIns="45720" numCol="1" spcCol="0" rtlCol="0" fromWordArt="0" anchor="ctr" anchorCtr="0" forceAA="0" compatLnSpc="1">
-            <a:prstTxWarp prst="textNoShape">
-              <a:avLst/>
-            </a:prstTxWarp>
-            <a:noAutofit/>
-          </a:bodyPr>
-          <a:lstStyle/>
-          <a:p>
-            <a:pPr algn="ctr"/>
-            <a:endParaRPr lang="en-US" sz="2800" b="1" dirty="0">
-              <a:solidFill>
-                <a:srgbClr val="FFFFFF"/>
-              </a:solidFill>
-              <a:effectLst>
-                <a:outerShdw blurRad="38100" dist="38100" dir="2700000" algn="tl">
-                  <a:srgbClr val="000000">
-                    <a:alpha val="43137"/>
-                  </a:srgbClr>
-                </a:outerShdw>
-              </a:effectLst>
-            </a:endParaRPr>
-          </a:p>
-        </p:txBody>
-      </p:sp>
-    </p:spTree>
-    <p:extLst>
-      <p:ext uri="{BB962C8B-B14F-4D97-AF65-F5344CB8AC3E}">
-        <p14:creationId xmlns:p14="http://schemas.microsoft.com/office/powerpoint/2010/main" val="2558109138"/>
-      </p:ext>
-    </p:extLst>
-  </p:cSld>
-  <p:clrMapOvr>
-    <a:masterClrMapping/>
-  </p:clrMapOvr>
-  <mc:AlternateContent xmlns:mc="http://schemas.openxmlformats.org/markup-compatibility/2006" xmlns:p14="http://schemas.microsoft.com/office/powerpoint/2010/main">
-    <mc:Choice Requires="p14">
-      <p:transition spd="slow" p14:dur="2000" advClick="0" advTm="5000"/>
-    </mc:Choice>
-    <mc:Fallback xmlns="">
-      <p:transition spd="slow" advClick="0" advTm="5000"/>
-    </mc:Fallback>
-  </mc:AlternateContent>
-  <p:timing>
-    <p:tnLst>
-      <p:par>
-        <p:cTn id="1" dur="indefinite" restart="never" nodeType="tmRoot">
-          <p:childTnLst>
-            <p:seq concurrent="1" nextAc="seek">
-              <p:cTn id="2" dur="indefinite" nodeType="mainSeq">
-                <p:childTnLst>
-                  <p:par>
-                    <p:cTn id="3" fill="hold">
-                      <p:stCondLst>
-                        <p:cond delay="indefinite"/>
-                      </p:stCondLst>
-                      <p:childTnLst>
-                        <p:par>
-                          <p:cTn id="4" fill="hold">
-                            <p:stCondLst>
-                              <p:cond delay="0"/>
-                            </p:stCondLst>
-                            <p:childTnLst>
-                              <p:par>
-                                <p:cTn id="5" presetID="1" presetClass="entr" presetSubtype="0" fill="hold" nodeType="clickEffect">
-                                  <p:stCondLst>
-                                    <p:cond delay="0"/>
-                                  </p:stCondLst>
-                                  <p:childTnLst>
-                                    <p:set>
-                                      <p:cBhvr>
-                                        <p:cTn id="6" dur="1" fill="hold">
-                                          <p:stCondLst>
-                                            <p:cond delay="0"/>
-                                          </p:stCondLst>
-                                        </p:cTn>
-                                        <p:tgtEl>
-                                          <p:spTgt spid="3">
-                                            <p:txEl>
-                                              <p:pRg st="1" end="1"/>
-                                            </p:txEl>
-                                          </p:spTgt>
-                                        </p:tgtEl>
-                                        <p:attrNameLst>
-                                          <p:attrName>style.visibility</p:attrName>
-                                        </p:attrNameLst>
-                                      </p:cBhvr>
-                                      <p:to>
-                                        <p:strVal val="visible"/>
-                                      </p:to>
-                                    </p:set>
-                                  </p:childTnLst>
-                                </p:cTn>
-                              </p:par>
-                              <p:par>
-                                <p:cTn id="7" presetID="1" presetClass="entr" presetSubtype="0" fill="hold" nodeType="withEffect">
-                                  <p:stCondLst>
-                                    <p:cond delay="0"/>
-                                  </p:stCondLst>
-                                  <p:childTnLst>
-                                    <p:set>
-                                      <p:cBhvr>
-                                        <p:cTn id="8" dur="1" fill="hold">
-                                          <p:stCondLst>
-                                            <p:cond delay="0"/>
-                                          </p:stCondLst>
-                                        </p:cTn>
-                                        <p:tgtEl>
-                                          <p:spTgt spid="12"/>
-                                        </p:tgtEl>
-                                        <p:attrNameLst>
-                                          <p:attrName>style.visibility</p:attrName>
-                                        </p:attrNameLst>
-                                      </p:cBhvr>
-                                      <p:to>
-                                        <p:strVal val="visible"/>
-                                      </p:to>
-                                    </p:set>
-                                  </p:childTnLst>
-                                </p:cTn>
-                              </p:par>
-                            </p:childTnLst>
-                          </p:cTn>
-                        </p:par>
-                      </p:childTnLst>
-                    </p:cTn>
-                  </p:par>
-                  <p:par>
-                    <p:cTn id="9" fill="hold">
-                      <p:stCondLst>
-                        <p:cond delay="indefinite"/>
-                      </p:stCondLst>
-                      <p:childTnLst>
-                        <p:par>
-                          <p:cTn id="10" fill="hold">
-                            <p:stCondLst>
-                              <p:cond delay="0"/>
-                            </p:stCondLst>
-                            <p:childTnLst>
-                              <p:par>
-                                <p:cTn id="11" presetID="1" presetClass="entr" presetSubtype="0" fill="hold" nodeType="clickEffect">
-                                  <p:stCondLst>
-                                    <p:cond delay="0"/>
-                                  </p:stCondLst>
-                                  <p:childTnLst>
-                                    <p:set>
-                                      <p:cBhvr>
-                                        <p:cTn id="12" dur="1" fill="hold">
-                                          <p:stCondLst>
-                                            <p:cond delay="0"/>
-                                          </p:stCondLst>
-                                        </p:cTn>
-                                        <p:tgtEl>
-                                          <p:spTgt spid="3">
-                                            <p:txEl>
-                                              <p:pRg st="2" end="2"/>
-                                            </p:txEl>
-                                          </p:spTgt>
-                                        </p:tgtEl>
-                                        <p:attrNameLst>
-                                          <p:attrName>style.visibility</p:attrName>
-                                        </p:attrNameLst>
-                                      </p:cBhvr>
-                                      <p:to>
-                                        <p:strVal val="visible"/>
-                                      </p:to>
-                                    </p:set>
-                                  </p:childTnLst>
-                                </p:cTn>
-                              </p:par>
-                              <p:par>
-                                <p:cTn id="13" presetID="1" presetClass="entr" presetSubtype="0" fill="hold" grpId="0" nodeType="withEffect">
-                                  <p:stCondLst>
-                                    <p:cond delay="0"/>
-                                  </p:stCondLst>
-                                  <p:childTnLst>
-                                    <p:set>
-                                      <p:cBhvr>
-                                        <p:cTn id="14" dur="1" fill="hold">
-                                          <p:stCondLst>
-                                            <p:cond delay="0"/>
-                                          </p:stCondLst>
-                                        </p:cTn>
-                                        <p:tgtEl>
-                                          <p:spTgt spid="5"/>
-                                        </p:tgtEl>
-                                        <p:attrNameLst>
-                                          <p:attrName>style.visibility</p:attrName>
-                                        </p:attrNameLst>
-                                      </p:cBhvr>
-                                      <p:to>
-                                        <p:strVal val="visible"/>
-                                      </p:to>
-                                    </p:set>
-                                  </p:childTnLst>
-                                </p:cTn>
-                              </p:par>
-                            </p:childTnLst>
-                          </p:cTn>
-                        </p:par>
-                      </p:childTnLst>
-                    </p:cTn>
-                  </p:par>
-                  <p:par>
-                    <p:cTn id="15" fill="hold">
-                      <p:stCondLst>
-                        <p:cond delay="indefinite"/>
-                      </p:stCondLst>
-                      <p:childTnLst>
-                        <p:par>
-                          <p:cTn id="16" fill="hold">
-                            <p:stCondLst>
-                              <p:cond delay="0"/>
-                            </p:stCondLst>
-                            <p:childTnLst>
-                              <p:par>
-                                <p:cTn id="17" presetID="1" presetClass="entr" presetSubtype="0" fill="hold" nodeType="clickEffect">
-                                  <p:stCondLst>
-                                    <p:cond delay="0"/>
-                                  </p:stCondLst>
-                                  <p:childTnLst>
-                                    <p:set>
-                                      <p:cBhvr>
-                                        <p:cTn id="18" dur="1" fill="hold">
-                                          <p:stCondLst>
-                                            <p:cond delay="0"/>
-                                          </p:stCondLst>
-                                        </p:cTn>
-                                        <p:tgtEl>
-                                          <p:spTgt spid="3">
-                                            <p:txEl>
-                                              <p:pRg st="3" end="3"/>
-                                            </p:txEl>
-                                          </p:spTgt>
-                                        </p:tgtEl>
-                                        <p:attrNameLst>
-                                          <p:attrName>style.visibility</p:attrName>
-                                        </p:attrNameLst>
-                                      </p:cBhvr>
-                                      <p:to>
-                                        <p:strVal val="visible"/>
-                                      </p:to>
-                                    </p:set>
-                                  </p:childTnLst>
-                                </p:cTn>
-                              </p:par>
-                              <p:par>
-                                <p:cTn id="19" presetID="1" presetClass="entr" presetSubtype="0" fill="hold" grpId="0" nodeType="withEffect">
-                                  <p:stCondLst>
-                                    <p:cond delay="0"/>
-                                  </p:stCondLst>
-                                  <p:childTnLst>
-                                    <p:set>
-                                      <p:cBhvr>
-                                        <p:cTn id="20" dur="1" fill="hold">
-                                          <p:stCondLst>
-                                            <p:cond delay="0"/>
-                                          </p:stCondLst>
-                                        </p:cTn>
-                                        <p:tgtEl>
-                                          <p:spTgt spid="13"/>
-                                        </p:tgtEl>
-                                        <p:attrNameLst>
-                                          <p:attrName>style.visibility</p:attrName>
-                                        </p:attrNameLst>
-                                      </p:cBhvr>
-                                      <p:to>
-                                        <p:strVal val="visible"/>
-                                      </p:to>
-                                    </p:set>
-                                  </p:childTnLst>
-                                </p:cTn>
-                              </p:par>
-                            </p:childTnLst>
-                          </p:cTn>
-                        </p:par>
-                      </p:childTnLst>
-                    </p:cTn>
-                  </p:par>
-                  <p:par>
-                    <p:cTn id="21" fill="hold">
-                      <p:stCondLst>
-                        <p:cond delay="indefinite"/>
-                      </p:stCondLst>
-                      <p:childTnLst>
-                        <p:par>
-                          <p:cTn id="22" fill="hold">
-                            <p:stCondLst>
-                              <p:cond delay="0"/>
-                            </p:stCondLst>
-                            <p:childTnLst>
-                              <p:par>
-                                <p:cTn id="23" presetID="1" presetClass="entr" presetSubtype="0" fill="hold" nodeType="clickEffect">
-                                  <p:stCondLst>
-                                    <p:cond delay="0"/>
-                                  </p:stCondLst>
-                                  <p:childTnLst>
-                                    <p:set>
-                                      <p:cBhvr>
-                                        <p:cTn id="24" dur="1" fill="hold">
-                                          <p:stCondLst>
-                                            <p:cond delay="0"/>
-                                          </p:stCondLst>
-                                        </p:cTn>
-                                        <p:tgtEl>
-                                          <p:spTgt spid="3">
-                                            <p:txEl>
-                                              <p:pRg st="4" end="4"/>
-                                            </p:txEl>
-                                          </p:spTgt>
-                                        </p:tgtEl>
-                                        <p:attrNameLst>
-                                          <p:attrName>style.visibility</p:attrName>
-                                        </p:attrNameLst>
-                                      </p:cBhvr>
-                                      <p:to>
-                                        <p:strVal val="visible"/>
-                                      </p:to>
-                                    </p:set>
-                                  </p:childTnLst>
-                                </p:cTn>
-                              </p:par>
-                              <p:par>
-                                <p:cTn id="25" presetID="1" presetClass="entr" presetSubtype="0" fill="hold" grpId="0" nodeType="withEffect">
-                                  <p:stCondLst>
-                                    <p:cond delay="0"/>
-                                  </p:stCondLst>
-                                  <p:childTnLst>
-                                    <p:set>
-                                      <p:cBhvr>
-                                        <p:cTn id="26" dur="1" fill="hold">
-                                          <p:stCondLst>
-                                            <p:cond delay="0"/>
-                                          </p:stCondLst>
-                                        </p:cTn>
-                                        <p:tgtEl>
-                                          <p:spTgt spid="7"/>
-                                        </p:tgtEl>
-                                        <p:attrNameLst>
-                                          <p:attrName>style.visibility</p:attrName>
-                                        </p:attrNameLst>
-                                      </p:cBhvr>
-                                      <p:to>
-                                        <p:strVal val="visible"/>
-                                      </p:to>
-                                    </p:set>
-                                  </p:childTnLst>
-                                </p:cTn>
-                              </p:par>
-                            </p:childTnLst>
-                          </p:cTn>
-                        </p:par>
-                      </p:childTnLst>
-                    </p:cTn>
-                  </p:par>
-                  <p:par>
-                    <p:cTn id="27" fill="hold">
-                      <p:stCondLst>
-                        <p:cond delay="indefinite"/>
-                      </p:stCondLst>
-                      <p:childTnLst>
-                        <p:par>
-                          <p:cTn id="28" fill="hold">
-                            <p:stCondLst>
-                              <p:cond delay="0"/>
-                            </p:stCondLst>
-                            <p:childTnLst>
-                              <p:par>
-                                <p:cTn id="29" presetID="1" presetClass="entr" presetSubtype="0" fill="hold" nodeType="clickEffect">
-                                  <p:stCondLst>
-                                    <p:cond delay="0"/>
-                                  </p:stCondLst>
-                                  <p:childTnLst>
-                                    <p:set>
-                                      <p:cBhvr>
-                                        <p:cTn id="30" dur="1" fill="hold">
-                                          <p:stCondLst>
-                                            <p:cond delay="0"/>
-                                          </p:stCondLst>
-                                        </p:cTn>
-                                        <p:tgtEl>
-                                          <p:spTgt spid="3">
-                                            <p:txEl>
-                                              <p:pRg st="5" end="5"/>
-                                            </p:txEl>
-                                          </p:spTgt>
-                                        </p:tgtEl>
-                                        <p:attrNameLst>
-                                          <p:attrName>style.visibility</p:attrName>
-                                        </p:attrNameLst>
-                                      </p:cBhvr>
-                                      <p:to>
-                                        <p:strVal val="visible"/>
-                                      </p:to>
-                                    </p:set>
-                                  </p:childTnLst>
-                                </p:cTn>
-                              </p:par>
-                              <p:par>
-                                <p:cTn id="31" presetID="1" presetClass="entr" presetSubtype="0" fill="hold" grpId="0" nodeType="withEffect">
-                                  <p:stCondLst>
-                                    <p:cond delay="0"/>
-                                  </p:stCondLst>
-                                  <p:childTnLst>
-                                    <p:set>
-                                      <p:cBhvr>
-                                        <p:cTn id="32" dur="1" fill="hold">
-                                          <p:stCondLst>
-                                            <p:cond delay="0"/>
-                                          </p:stCondLst>
-                                        </p:cTn>
-                                        <p:tgtEl>
-                                          <p:spTgt spid="8"/>
-                                        </p:tgtEl>
-                                        <p:attrNameLst>
-                                          <p:attrName>style.visibility</p:attrName>
-                                        </p:attrNameLst>
-                                      </p:cBhvr>
-                                      <p:to>
-                                        <p:strVal val="visible"/>
-                                      </p:to>
-                                    </p:set>
-                                  </p:childTnLst>
-                                </p:cTn>
-                              </p:par>
-                            </p:childTnLst>
-                          </p:cTn>
-                        </p:par>
-                      </p:childTnLst>
-                    </p:cTn>
-                  </p:par>
-                  <p:par>
-                    <p:cTn id="33" fill="hold">
-                      <p:stCondLst>
-                        <p:cond delay="indefinite"/>
-                      </p:stCondLst>
-                      <p:childTnLst>
-                        <p:par>
-                          <p:cTn id="34" fill="hold">
-                            <p:stCondLst>
-                              <p:cond delay="0"/>
-                            </p:stCondLst>
-                            <p:childTnLst>
-                              <p:par>
-                                <p:cTn id="35" presetID="1" presetClass="entr" presetSubtype="0" fill="hold" nodeType="clickEffect">
-                                  <p:stCondLst>
-                                    <p:cond delay="0"/>
-                                  </p:stCondLst>
-                                  <p:childTnLst>
-                                    <p:set>
-                                      <p:cBhvr>
-                                        <p:cTn id="36" dur="1" fill="hold">
-                                          <p:stCondLst>
-                                            <p:cond delay="0"/>
-                                          </p:stCondLst>
-                                        </p:cTn>
-                                        <p:tgtEl>
-                                          <p:spTgt spid="3">
-                                            <p:txEl>
-                                              <p:pRg st="6" end="6"/>
-                                            </p:txEl>
-                                          </p:spTgt>
-                                        </p:tgtEl>
-                                        <p:attrNameLst>
-                                          <p:attrName>style.visibility</p:attrName>
-                                        </p:attrNameLst>
-                                      </p:cBhvr>
-                                      <p:to>
-                                        <p:strVal val="visible"/>
-                                      </p:to>
-                                    </p:set>
-                                  </p:childTnLst>
-                                </p:cTn>
-                              </p:par>
-                              <p:par>
-                                <p:cTn id="37" presetID="1" presetClass="entr" presetSubtype="0" fill="hold" grpId="0" nodeType="withEffect">
-                                  <p:stCondLst>
-                                    <p:cond delay="0"/>
-                                  </p:stCondLst>
-                                  <p:childTnLst>
-                                    <p:set>
-                                      <p:cBhvr>
-                                        <p:cTn id="38" dur="1" fill="hold">
-                                          <p:stCondLst>
-                                            <p:cond delay="0"/>
-                                          </p:stCondLst>
-                                        </p:cTn>
-                                        <p:tgtEl>
-                                          <p:spTgt spid="9"/>
-                                        </p:tgtEl>
-                                        <p:attrNameLst>
-                                          <p:attrName>style.visibility</p:attrName>
-                                        </p:attrNameLst>
-                                      </p:cBhvr>
-                                      <p:to>
-                                        <p:strVal val="visible"/>
-                                      </p:to>
-                                    </p:set>
-                                  </p:childTnLst>
-                                </p:cTn>
-                              </p:par>
-                            </p:childTnLst>
-                          </p:cTn>
-                        </p:par>
-                      </p:childTnLst>
-                    </p:cTn>
-                  </p:par>
-                  <p:par>
-                    <p:cTn id="39" fill="hold">
-                      <p:stCondLst>
-                        <p:cond delay="indefinite"/>
-                      </p:stCondLst>
-                      <p:childTnLst>
-                        <p:par>
-                          <p:cTn id="40" fill="hold">
-                            <p:stCondLst>
-                              <p:cond delay="0"/>
-                            </p:stCondLst>
-                            <p:childTnLst>
-                              <p:par>
-                                <p:cTn id="41" presetID="1" presetClass="entr" presetSubtype="0" fill="hold" nodeType="clickEffect">
-                                  <p:stCondLst>
-                                    <p:cond delay="0"/>
-                                  </p:stCondLst>
-                                  <p:childTnLst>
-                                    <p:set>
-                                      <p:cBhvr>
-                                        <p:cTn id="42" dur="1" fill="hold">
-                                          <p:stCondLst>
-                                            <p:cond delay="0"/>
-                                          </p:stCondLst>
-                                        </p:cTn>
-                                        <p:tgtEl>
-                                          <p:spTgt spid="3">
-                                            <p:txEl>
-                                              <p:pRg st="7" end="7"/>
-                                            </p:txEl>
-                                          </p:spTgt>
-                                        </p:tgtEl>
-                                        <p:attrNameLst>
-                                          <p:attrName>style.visibility</p:attrName>
-                                        </p:attrNameLst>
-                                      </p:cBhvr>
-                                      <p:to>
-                                        <p:strVal val="visible"/>
-                                      </p:to>
-                                    </p:set>
-                                  </p:childTnLst>
-                                </p:cTn>
-                              </p:par>
-                            </p:childTnLst>
-                          </p:cTn>
-                        </p:par>
-                      </p:childTnLst>
-                    </p:cTn>
-                  </p:par>
-                </p:childTnLst>
-              </p:cTn>
-              <p:prevCondLst>
-                <p:cond evt="onPrev" delay="0">
-                  <p:tgtEl>
-                    <p:sldTgt/>
-                  </p:tgtEl>
-                </p:cond>
-              </p:prevCondLst>
-              <p:nextCondLst>
-                <p:cond evt="onNext" delay="0">
-                  <p:tgtEl>
-                    <p:sldTgt/>
-                  </p:tgtEl>
-                </p:cond>
-              </p:nextCondLst>
-            </p:seq>
-          </p:childTnLst>
-        </p:cTn>
-      </p:par>
-    </p:tnLst>
-    <p:bldLst>
-      <p:bldP spid="5" grpId="0" animBg="1"/>
-      <p:bldP spid="7" grpId="0" animBg="1"/>
-      <p:bldP spid="8" grpId="0" animBg="1"/>
-      <p:bldP spid="9" grpId="0" animBg="1"/>
-      <p:bldP spid="13" grpId="0" animBg="1"/>
-    </p:bldLst>
   </p:timing>
 </p:sld>
 </file>
